--- a/NIGERIA COVID-19 ANALYSIS.pptx
+++ b/NIGERIA COVID-19 ANALYSIS.pptx
@@ -2,7 +2,7 @@
 <file path=ppt/presentation.xml><?xml version="1.0" encoding="utf-8"?>
 <p:presentation xmlns:a="http://schemas.openxmlformats.org/drawingml/2006/main" xmlns:r="http://schemas.openxmlformats.org/officeDocument/2006/relationships" xmlns:p="http://schemas.openxmlformats.org/presentationml/2006/main" saveSubsetFonts="1">
   <p:sldMasterIdLst>
-    <p:sldMasterId id="2147483648" r:id="rId1"/>
+    <p:sldMasterId id="2147483756" r:id="rId1"/>
   </p:sldMasterIdLst>
   <p:sldIdLst>
     <p:sldId id="256" r:id="rId2"/>
@@ -11,8 +11,12 @@
     <p:sldId id="261" r:id="rId5"/>
     <p:sldId id="262" r:id="rId6"/>
     <p:sldId id="263" r:id="rId7"/>
-    <p:sldId id="264" r:id="rId8"/>
-    <p:sldId id="265" r:id="rId9"/>
+    <p:sldId id="266" r:id="rId8"/>
+    <p:sldId id="267" r:id="rId9"/>
+    <p:sldId id="268" r:id="rId10"/>
+    <p:sldId id="269" r:id="rId11"/>
+    <p:sldId id="264" r:id="rId12"/>
+    <p:sldId id="265" r:id="rId13"/>
   </p:sldIdLst>
   <p:sldSz cx="12192000" cy="6858000"/>
   <p:notesSz cx="6858000" cy="9144000"/>
@@ -20,7 +24,7 @@
     <a:defPPr>
       <a:defRPr lang="en-US"/>
     </a:defPPr>
-    <a:lvl1pPr marL="0" algn="l" defTabSz="914400" rtl="0" eaLnBrk="1" latinLnBrk="0" hangingPunct="1">
+    <a:lvl1pPr marL="0" algn="l" defTabSz="457200" rtl="0" eaLnBrk="1" latinLnBrk="0" hangingPunct="1">
       <a:defRPr sz="1800" kern="1200">
         <a:solidFill>
           <a:schemeClr val="tx1"/>
@@ -30,7 +34,7 @@
         <a:cs typeface="+mn-cs"/>
       </a:defRPr>
     </a:lvl1pPr>
-    <a:lvl2pPr marL="457200" algn="l" defTabSz="914400" rtl="0" eaLnBrk="1" latinLnBrk="0" hangingPunct="1">
+    <a:lvl2pPr marL="457200" algn="l" defTabSz="457200" rtl="0" eaLnBrk="1" latinLnBrk="0" hangingPunct="1">
       <a:defRPr sz="1800" kern="1200">
         <a:solidFill>
           <a:schemeClr val="tx1"/>
@@ -40,7 +44,7 @@
         <a:cs typeface="+mn-cs"/>
       </a:defRPr>
     </a:lvl2pPr>
-    <a:lvl3pPr marL="914400" algn="l" defTabSz="914400" rtl="0" eaLnBrk="1" latinLnBrk="0" hangingPunct="1">
+    <a:lvl3pPr marL="914400" algn="l" defTabSz="457200" rtl="0" eaLnBrk="1" latinLnBrk="0" hangingPunct="1">
       <a:defRPr sz="1800" kern="1200">
         <a:solidFill>
           <a:schemeClr val="tx1"/>
@@ -50,7 +54,7 @@
         <a:cs typeface="+mn-cs"/>
       </a:defRPr>
     </a:lvl3pPr>
-    <a:lvl4pPr marL="1371600" algn="l" defTabSz="914400" rtl="0" eaLnBrk="1" latinLnBrk="0" hangingPunct="1">
+    <a:lvl4pPr marL="1371600" algn="l" defTabSz="457200" rtl="0" eaLnBrk="1" latinLnBrk="0" hangingPunct="1">
       <a:defRPr sz="1800" kern="1200">
         <a:solidFill>
           <a:schemeClr val="tx1"/>
@@ -60,7 +64,7 @@
         <a:cs typeface="+mn-cs"/>
       </a:defRPr>
     </a:lvl4pPr>
-    <a:lvl5pPr marL="1828800" algn="l" defTabSz="914400" rtl="0" eaLnBrk="1" latinLnBrk="0" hangingPunct="1">
+    <a:lvl5pPr marL="1828800" algn="l" defTabSz="457200" rtl="0" eaLnBrk="1" latinLnBrk="0" hangingPunct="1">
       <a:defRPr sz="1800" kern="1200">
         <a:solidFill>
           <a:schemeClr val="tx1"/>
@@ -70,7 +74,7 @@
         <a:cs typeface="+mn-cs"/>
       </a:defRPr>
     </a:lvl5pPr>
-    <a:lvl6pPr marL="2286000" algn="l" defTabSz="914400" rtl="0" eaLnBrk="1" latinLnBrk="0" hangingPunct="1">
+    <a:lvl6pPr marL="2286000" algn="l" defTabSz="457200" rtl="0" eaLnBrk="1" latinLnBrk="0" hangingPunct="1">
       <a:defRPr sz="1800" kern="1200">
         <a:solidFill>
           <a:schemeClr val="tx1"/>
@@ -80,7 +84,7 @@
         <a:cs typeface="+mn-cs"/>
       </a:defRPr>
     </a:lvl6pPr>
-    <a:lvl7pPr marL="2743200" algn="l" defTabSz="914400" rtl="0" eaLnBrk="1" latinLnBrk="0" hangingPunct="1">
+    <a:lvl7pPr marL="2743200" algn="l" defTabSz="457200" rtl="0" eaLnBrk="1" latinLnBrk="0" hangingPunct="1">
       <a:defRPr sz="1800" kern="1200">
         <a:solidFill>
           <a:schemeClr val="tx1"/>
@@ -90,7 +94,7 @@
         <a:cs typeface="+mn-cs"/>
       </a:defRPr>
     </a:lvl7pPr>
-    <a:lvl8pPr marL="3200400" algn="l" defTabSz="914400" rtl="0" eaLnBrk="1" latinLnBrk="0" hangingPunct="1">
+    <a:lvl8pPr marL="3200400" algn="l" defTabSz="457200" rtl="0" eaLnBrk="1" latinLnBrk="0" hangingPunct="1">
       <a:defRPr sz="1800" kern="1200">
         <a:solidFill>
           <a:schemeClr val="tx1"/>
@@ -100,7 +104,7 @@
         <a:cs typeface="+mn-cs"/>
       </a:defRPr>
     </a:lvl8pPr>
-    <a:lvl9pPr marL="3657600" algn="l" defTabSz="914400" rtl="0" eaLnBrk="1" latinLnBrk="0" hangingPunct="1">
+    <a:lvl9pPr marL="3657600" algn="l" defTabSz="457200" rtl="0" eaLnBrk="1" latinLnBrk="0" hangingPunct="1">
       <a:defRPr sz="1800" kern="1200">
         <a:solidFill>
           <a:schemeClr val="tx1"/>
@@ -111,6 +115,11 @@
       </a:defRPr>
     </a:lvl9pPr>
   </p:defaultTextStyle>
+  <p:extLst>
+    <p:ext uri="{EFAFB233-063F-42B5-8137-9DF3F51BA10A}">
+      <p15:sldGuideLst xmlns:p15="http://schemas.microsoft.com/office/powerpoint/2012/main"/>
+    </p:ext>
+  </p:extLst>
 </p:presentation>
 </file>
 
@@ -133,13 +142,7 @@
       </p:grpSpPr>
       <p:sp>
         <p:nvSpPr>
-          <p:cNvPr id="2" name="Title 1">
-            <a:extLst>
-              <a:ext uri="{FF2B5EF4-FFF2-40B4-BE49-F238E27FC236}">
-                <a16:creationId xmlns:a16="http://schemas.microsoft.com/office/drawing/2014/main" id="{B908DD34-E8EE-42BC-AFCC-E6DE44885091}"/>
-              </a:ext>
-            </a:extLst>
-          </p:cNvPr>
+          <p:cNvPr id="2" name="Title 1"/>
           <p:cNvSpPr>
             <a:spLocks noGrp="1"/>
           </p:cNvSpPr>
@@ -149,15 +152,15 @@
         </p:nvSpPr>
         <p:spPr>
           <a:xfrm>
-            <a:off x="1524000" y="1122363"/>
-            <a:ext cx="9144000" cy="2387600"/>
+            <a:off x="1154955" y="1447800"/>
+            <a:ext cx="8825658" cy="3329581"/>
           </a:xfrm>
         </p:spPr>
         <p:txBody>
           <a:bodyPr anchor="b"/>
           <a:lstStyle>
-            <a:lvl1pPr algn="ctr">
-              <a:defRPr sz="6000"/>
+            <a:lvl1pPr>
+              <a:defRPr sz="7200"/>
             </a:lvl1pPr>
           </a:lstStyle>
           <a:p>
@@ -165,18 +168,13 @@
               <a:rPr lang="en-US"/>
               <a:t>Click to edit Master title style</a:t>
             </a:r>
-          </a:p>
-        </p:txBody>
-      </p:sp>
-      <p:sp>
-        <p:nvSpPr>
-          <p:cNvPr id="3" name="Subtitle 2">
-            <a:extLst>
-              <a:ext uri="{FF2B5EF4-FFF2-40B4-BE49-F238E27FC236}">
-                <a16:creationId xmlns:a16="http://schemas.microsoft.com/office/drawing/2014/main" id="{DC397DB1-D69A-4121-8E77-B4C7434C8DDA}"/>
-              </a:ext>
-            </a:extLst>
-          </p:cNvPr>
+            <a:endParaRPr lang="en-US" dirty="0"/>
+          </a:p>
+        </p:txBody>
+      </p:sp>
+      <p:sp>
+        <p:nvSpPr>
+          <p:cNvPr id="3" name="Subtitle 2"/>
           <p:cNvSpPr>
             <a:spLocks noGrp="1"/>
           </p:cNvSpPr>
@@ -186,48 +184,103 @@
         </p:nvSpPr>
         <p:spPr>
           <a:xfrm>
-            <a:off x="1524000" y="3602038"/>
-            <a:ext cx="9144000" cy="1655762"/>
+            <a:off x="1154955" y="4777380"/>
+            <a:ext cx="8825658" cy="861420"/>
           </a:xfrm>
         </p:spPr>
         <p:txBody>
-          <a:bodyPr/>
+          <a:bodyPr anchor="t"/>
           <a:lstStyle>
-            <a:lvl1pPr marL="0" indent="0" algn="ctr">
-              <a:buNone/>
-              <a:defRPr sz="2400"/>
+            <a:lvl1pPr marL="0" indent="0" algn="l">
+              <a:buNone/>
+              <a:defRPr cap="all">
+                <a:solidFill>
+                  <a:schemeClr val="bg2">
+                    <a:lumMod val="40000"/>
+                    <a:lumOff val="60000"/>
+                  </a:schemeClr>
+                </a:solidFill>
+              </a:defRPr>
             </a:lvl1pPr>
             <a:lvl2pPr marL="457200" indent="0" algn="ctr">
               <a:buNone/>
-              <a:defRPr sz="2000"/>
+              <a:defRPr>
+                <a:solidFill>
+                  <a:schemeClr val="tx1">
+                    <a:tint val="75000"/>
+                  </a:schemeClr>
+                </a:solidFill>
+              </a:defRPr>
             </a:lvl2pPr>
             <a:lvl3pPr marL="914400" indent="0" algn="ctr">
               <a:buNone/>
-              <a:defRPr sz="1800"/>
+              <a:defRPr>
+                <a:solidFill>
+                  <a:schemeClr val="tx1">
+                    <a:tint val="75000"/>
+                  </a:schemeClr>
+                </a:solidFill>
+              </a:defRPr>
             </a:lvl3pPr>
             <a:lvl4pPr marL="1371600" indent="0" algn="ctr">
               <a:buNone/>
-              <a:defRPr sz="1600"/>
+              <a:defRPr>
+                <a:solidFill>
+                  <a:schemeClr val="tx1">
+                    <a:tint val="75000"/>
+                  </a:schemeClr>
+                </a:solidFill>
+              </a:defRPr>
             </a:lvl4pPr>
             <a:lvl5pPr marL="1828800" indent="0" algn="ctr">
               <a:buNone/>
-              <a:defRPr sz="1600"/>
+              <a:defRPr>
+                <a:solidFill>
+                  <a:schemeClr val="tx1">
+                    <a:tint val="75000"/>
+                  </a:schemeClr>
+                </a:solidFill>
+              </a:defRPr>
             </a:lvl5pPr>
             <a:lvl6pPr marL="2286000" indent="0" algn="ctr">
               <a:buNone/>
-              <a:defRPr sz="1600"/>
+              <a:defRPr>
+                <a:solidFill>
+                  <a:schemeClr val="tx1">
+                    <a:tint val="75000"/>
+                  </a:schemeClr>
+                </a:solidFill>
+              </a:defRPr>
             </a:lvl6pPr>
             <a:lvl7pPr marL="2743200" indent="0" algn="ctr">
               <a:buNone/>
-              <a:defRPr sz="1600"/>
+              <a:defRPr>
+                <a:solidFill>
+                  <a:schemeClr val="tx1">
+                    <a:tint val="75000"/>
+                  </a:schemeClr>
+                </a:solidFill>
+              </a:defRPr>
             </a:lvl7pPr>
             <a:lvl8pPr marL="3200400" indent="0" algn="ctr">
               <a:buNone/>
-              <a:defRPr sz="1600"/>
+              <a:defRPr>
+                <a:solidFill>
+                  <a:schemeClr val="tx1">
+                    <a:tint val="75000"/>
+                  </a:schemeClr>
+                </a:solidFill>
+              </a:defRPr>
             </a:lvl8pPr>
             <a:lvl9pPr marL="3657600" indent="0" algn="ctr">
               <a:buNone/>
-              <a:defRPr sz="1600"/>
+              <a:defRPr>
+                <a:solidFill>
+                  <a:schemeClr val="tx1">
+                    <a:tint val="75000"/>
+                  </a:schemeClr>
+                </a:solidFill>
+              </a:defRPr>
             </a:lvl9pPr>
           </a:lstStyle>
           <a:p>
@@ -235,18 +288,13 @@
               <a:rPr lang="en-US"/>
               <a:t>Click to edit Master subtitle style</a:t>
             </a:r>
-          </a:p>
-        </p:txBody>
-      </p:sp>
-      <p:sp>
-        <p:nvSpPr>
-          <p:cNvPr id="4" name="Date Placeholder 3">
-            <a:extLst>
-              <a:ext uri="{FF2B5EF4-FFF2-40B4-BE49-F238E27FC236}">
-                <a16:creationId xmlns:a16="http://schemas.microsoft.com/office/drawing/2014/main" id="{20F8EA16-35C0-4FE4-90D1-3C925AF102DD}"/>
-              </a:ext>
-            </a:extLst>
-          </p:cNvPr>
+            <a:endParaRPr lang="en-US" dirty="0"/>
+          </a:p>
+        </p:txBody>
+      </p:sp>
+      <p:sp>
+        <p:nvSpPr>
+          <p:cNvPr id="4" name="Date Placeholder 3"/>
           <p:cNvSpPr>
             <a:spLocks noGrp="1"/>
           </p:cNvSpPr>
@@ -261,7 +309,7 @@
           <a:p>
             <a:fld id="{BB57D48A-DF84-4AD1-B677-45A21F9EA7A8}" type="datetimeFigureOut">
               <a:rPr lang="en-US" smtClean="0"/>
-              <a:t>9/14/2021</a:t>
+              <a:t>11/13/2021</a:t>
             </a:fld>
             <a:endParaRPr lang="en-US"/>
           </a:p>
@@ -269,13 +317,7 @@
       </p:sp>
       <p:sp>
         <p:nvSpPr>
-          <p:cNvPr id="5" name="Footer Placeholder 4">
-            <a:extLst>
-              <a:ext uri="{FF2B5EF4-FFF2-40B4-BE49-F238E27FC236}">
-                <a16:creationId xmlns:a16="http://schemas.microsoft.com/office/drawing/2014/main" id="{B39F20B4-6F2F-46E6-8A8C-7FECE01AC983}"/>
-              </a:ext>
-            </a:extLst>
-          </p:cNvPr>
+          <p:cNvPr id="5" name="Footer Placeholder 4"/>
           <p:cNvSpPr>
             <a:spLocks noGrp="1"/>
           </p:cNvSpPr>
@@ -294,13 +336,7 @@
       </p:sp>
       <p:sp>
         <p:nvSpPr>
-          <p:cNvPr id="6" name="Slide Number Placeholder 5">
-            <a:extLst>
-              <a:ext uri="{FF2B5EF4-FFF2-40B4-BE49-F238E27FC236}">
-                <a16:creationId xmlns:a16="http://schemas.microsoft.com/office/drawing/2014/main" id="{93C824D9-3137-46E4-88EC-52C02FF9412B}"/>
-              </a:ext>
-            </a:extLst>
-          </p:cNvPr>
+          <p:cNvPr id="6" name="Slide Number Placeholder 5"/>
           <p:cNvSpPr>
             <a:spLocks noGrp="1"/>
           </p:cNvSpPr>
@@ -324,7 +360,7 @@
     </p:spTree>
     <p:extLst>
       <p:ext uri="{BB962C8B-B14F-4D97-AF65-F5344CB8AC3E}">
-        <p14:creationId xmlns:p14="http://schemas.microsoft.com/office/powerpoint/2010/main" val="1335294311"/>
+        <p14:creationId xmlns:p14="http://schemas.microsoft.com/office/powerpoint/2010/main" val="3460907840"/>
       </p:ext>
     </p:extLst>
   </p:cSld>
@@ -335,6 +371,2572 @@
 </file>
 
 <file path=ppt/slideLayouts/slideLayout10.xml><?xml version="1.0" encoding="utf-8"?>
+<p:sldLayout xmlns:a="http://schemas.openxmlformats.org/drawingml/2006/main" xmlns:r="http://schemas.openxmlformats.org/officeDocument/2006/relationships" xmlns:p="http://schemas.openxmlformats.org/presentationml/2006/main" preserve="1">
+  <p:cSld name="Panoramic Picture with Caption">
+    <p:spTree>
+      <p:nvGrpSpPr>
+        <p:cNvPr id="1" name=""/>
+        <p:cNvGrpSpPr/>
+        <p:nvPr/>
+      </p:nvGrpSpPr>
+      <p:grpSpPr>
+        <a:xfrm>
+          <a:off x="0" y="0"/>
+          <a:ext cx="0" cy="0"/>
+          <a:chOff x="0" y="0"/>
+          <a:chExt cx="0" cy="0"/>
+        </a:xfrm>
+      </p:grpSpPr>
+      <p:sp>
+        <p:nvSpPr>
+          <p:cNvPr id="2" name="Title 1"/>
+          <p:cNvSpPr>
+            <a:spLocks noGrp="1"/>
+          </p:cNvSpPr>
+          <p:nvPr>
+            <p:ph type="title"/>
+          </p:nvPr>
+        </p:nvSpPr>
+        <p:spPr>
+          <a:xfrm>
+            <a:off x="1154956" y="4800587"/>
+            <a:ext cx="8825657" cy="566738"/>
+          </a:xfrm>
+        </p:spPr>
+        <p:txBody>
+          <a:bodyPr anchor="b">
+            <a:normAutofit/>
+          </a:bodyPr>
+          <a:lstStyle>
+            <a:lvl1pPr algn="l">
+              <a:defRPr sz="2400" b="0"/>
+            </a:lvl1pPr>
+          </a:lstStyle>
+          <a:p>
+            <a:r>
+              <a:rPr lang="en-US"/>
+              <a:t>Click to edit Master title style</a:t>
+            </a:r>
+            <a:endParaRPr lang="en-US" dirty="0"/>
+          </a:p>
+        </p:txBody>
+      </p:sp>
+      <p:sp>
+        <p:nvSpPr>
+          <p:cNvPr id="3" name="Picture Placeholder 2"/>
+          <p:cNvSpPr>
+            <a:spLocks noGrp="1" noChangeAspect="1"/>
+          </p:cNvSpPr>
+          <p:nvPr>
+            <p:ph type="pic" idx="1"/>
+          </p:nvPr>
+        </p:nvSpPr>
+        <p:spPr>
+          <a:xfrm>
+            <a:off x="1154955" y="685800"/>
+            <a:ext cx="8825658" cy="3640666"/>
+          </a:xfrm>
+          <a:prstGeom prst="roundRect">
+            <a:avLst>
+              <a:gd name="adj" fmla="val 1858"/>
+            </a:avLst>
+          </a:prstGeom>
+          <a:effectLst>
+            <a:outerShdw blurRad="50800" dist="50800" dir="5400000" algn="tl" rotWithShape="0">
+              <a:srgbClr val="000000">
+                <a:alpha val="43000"/>
+              </a:srgbClr>
+            </a:outerShdw>
+          </a:effectLst>
+        </p:spPr>
+        <p:txBody>
+          <a:bodyPr anchor="t">
+            <a:normAutofit/>
+          </a:bodyPr>
+          <a:lstStyle>
+            <a:lvl1pPr marL="0" indent="0" algn="ctr">
+              <a:buNone/>
+              <a:defRPr sz="1600"/>
+            </a:lvl1pPr>
+            <a:lvl2pPr marL="457200" indent="0">
+              <a:buNone/>
+              <a:defRPr sz="1600"/>
+            </a:lvl2pPr>
+            <a:lvl3pPr marL="914400" indent="0">
+              <a:buNone/>
+              <a:defRPr sz="1600"/>
+            </a:lvl3pPr>
+            <a:lvl4pPr marL="1371600" indent="0">
+              <a:buNone/>
+              <a:defRPr sz="1600"/>
+            </a:lvl4pPr>
+            <a:lvl5pPr marL="1828800" indent="0">
+              <a:buNone/>
+              <a:defRPr sz="1600"/>
+            </a:lvl5pPr>
+            <a:lvl6pPr marL="2286000" indent="0">
+              <a:buNone/>
+              <a:defRPr sz="1600"/>
+            </a:lvl6pPr>
+            <a:lvl7pPr marL="2743200" indent="0">
+              <a:buNone/>
+              <a:defRPr sz="1600"/>
+            </a:lvl7pPr>
+            <a:lvl8pPr marL="3200400" indent="0">
+              <a:buNone/>
+              <a:defRPr sz="1600"/>
+            </a:lvl8pPr>
+            <a:lvl9pPr marL="3657600" indent="0">
+              <a:buNone/>
+              <a:defRPr sz="1600"/>
+            </a:lvl9pPr>
+          </a:lstStyle>
+          <a:p>
+            <a:r>
+              <a:rPr lang="en-US"/>
+              <a:t>Click icon to add picture</a:t>
+            </a:r>
+            <a:endParaRPr lang="en-US" dirty="0"/>
+          </a:p>
+        </p:txBody>
+      </p:sp>
+      <p:sp>
+        <p:nvSpPr>
+          <p:cNvPr id="4" name="Text Placeholder 3"/>
+          <p:cNvSpPr>
+            <a:spLocks noGrp="1"/>
+          </p:cNvSpPr>
+          <p:nvPr>
+            <p:ph type="body" sz="half" idx="2"/>
+          </p:nvPr>
+        </p:nvSpPr>
+        <p:spPr>
+          <a:xfrm>
+            <a:off x="1154956" y="5367325"/>
+            <a:ext cx="8825656" cy="493712"/>
+          </a:xfrm>
+        </p:spPr>
+        <p:txBody>
+          <a:bodyPr>
+            <a:normAutofit/>
+          </a:bodyPr>
+          <a:lstStyle>
+            <a:lvl1pPr marL="0" indent="0">
+              <a:buNone/>
+              <a:defRPr sz="1200"/>
+            </a:lvl1pPr>
+            <a:lvl2pPr marL="457200" indent="0">
+              <a:buNone/>
+              <a:defRPr sz="1200"/>
+            </a:lvl2pPr>
+            <a:lvl3pPr marL="914400" indent="0">
+              <a:buNone/>
+              <a:defRPr sz="1000"/>
+            </a:lvl3pPr>
+            <a:lvl4pPr marL="1371600" indent="0">
+              <a:buNone/>
+              <a:defRPr sz="900"/>
+            </a:lvl4pPr>
+            <a:lvl5pPr marL="1828800" indent="0">
+              <a:buNone/>
+              <a:defRPr sz="900"/>
+            </a:lvl5pPr>
+            <a:lvl6pPr marL="2286000" indent="0">
+              <a:buNone/>
+              <a:defRPr sz="900"/>
+            </a:lvl6pPr>
+            <a:lvl7pPr marL="2743200" indent="0">
+              <a:buNone/>
+              <a:defRPr sz="900"/>
+            </a:lvl7pPr>
+            <a:lvl8pPr marL="3200400" indent="0">
+              <a:buNone/>
+              <a:defRPr sz="900"/>
+            </a:lvl8pPr>
+            <a:lvl9pPr marL="3657600" indent="0">
+              <a:buNone/>
+              <a:defRPr sz="900"/>
+            </a:lvl9pPr>
+          </a:lstStyle>
+          <a:p>
+            <a:pPr lvl="0"/>
+            <a:r>
+              <a:rPr lang="en-US"/>
+              <a:t>Click to edit Master text styles</a:t>
+            </a:r>
+          </a:p>
+        </p:txBody>
+      </p:sp>
+      <p:sp>
+        <p:nvSpPr>
+          <p:cNvPr id="5" name="Date Placeholder 4"/>
+          <p:cNvSpPr>
+            <a:spLocks noGrp="1"/>
+          </p:cNvSpPr>
+          <p:nvPr>
+            <p:ph type="dt" sz="half" idx="10"/>
+          </p:nvPr>
+        </p:nvSpPr>
+        <p:spPr/>
+        <p:txBody>
+          <a:bodyPr/>
+          <a:lstStyle/>
+          <a:p>
+            <a:fld id="{BB57D48A-DF84-4AD1-B677-45A21F9EA7A8}" type="datetimeFigureOut">
+              <a:rPr lang="en-US" smtClean="0"/>
+              <a:t>11/13/2021</a:t>
+            </a:fld>
+            <a:endParaRPr lang="en-US"/>
+          </a:p>
+        </p:txBody>
+      </p:sp>
+      <p:sp>
+        <p:nvSpPr>
+          <p:cNvPr id="6" name="Footer Placeholder 5"/>
+          <p:cNvSpPr>
+            <a:spLocks noGrp="1"/>
+          </p:cNvSpPr>
+          <p:nvPr>
+            <p:ph type="ftr" sz="quarter" idx="11"/>
+          </p:nvPr>
+        </p:nvSpPr>
+        <p:spPr/>
+        <p:txBody>
+          <a:bodyPr/>
+          <a:lstStyle/>
+          <a:p>
+            <a:endParaRPr lang="en-US"/>
+          </a:p>
+        </p:txBody>
+      </p:sp>
+      <p:sp>
+        <p:nvSpPr>
+          <p:cNvPr id="7" name="Slide Number Placeholder 6"/>
+          <p:cNvSpPr>
+            <a:spLocks noGrp="1"/>
+          </p:cNvSpPr>
+          <p:nvPr>
+            <p:ph type="sldNum" sz="quarter" idx="12"/>
+          </p:nvPr>
+        </p:nvSpPr>
+        <p:spPr/>
+        <p:txBody>
+          <a:bodyPr/>
+          <a:lstStyle/>
+          <a:p>
+            <a:fld id="{1DE00D2E-5CE5-4399-8D2A-C20CB3DC5E77}" type="slidenum">
+              <a:rPr lang="en-US" smtClean="0"/>
+              <a:t>‹#›</a:t>
+            </a:fld>
+            <a:endParaRPr lang="en-US"/>
+          </a:p>
+        </p:txBody>
+      </p:sp>
+    </p:spTree>
+    <p:extLst>
+      <p:ext uri="{BB962C8B-B14F-4D97-AF65-F5344CB8AC3E}">
+        <p14:creationId xmlns:p14="http://schemas.microsoft.com/office/powerpoint/2010/main" val="810191404"/>
+      </p:ext>
+    </p:extLst>
+  </p:cSld>
+  <p:clrMapOvr>
+    <a:masterClrMapping/>
+  </p:clrMapOvr>
+</p:sldLayout>
+</file>
+
+<file path=ppt/slideLayouts/slideLayout11.xml><?xml version="1.0" encoding="utf-8"?>
+<p:sldLayout xmlns:a="http://schemas.openxmlformats.org/drawingml/2006/main" xmlns:r="http://schemas.openxmlformats.org/officeDocument/2006/relationships" xmlns:p="http://schemas.openxmlformats.org/presentationml/2006/main" preserve="1">
+  <p:cSld name="Title and Caption">
+    <p:spTree>
+      <p:nvGrpSpPr>
+        <p:cNvPr id="1" name=""/>
+        <p:cNvGrpSpPr/>
+        <p:nvPr/>
+      </p:nvGrpSpPr>
+      <p:grpSpPr>
+        <a:xfrm>
+          <a:off x="0" y="0"/>
+          <a:ext cx="0" cy="0"/>
+          <a:chOff x="0" y="0"/>
+          <a:chExt cx="0" cy="0"/>
+        </a:xfrm>
+      </p:grpSpPr>
+      <p:sp>
+        <p:nvSpPr>
+          <p:cNvPr id="2" name="Title 1"/>
+          <p:cNvSpPr>
+            <a:spLocks noGrp="1"/>
+          </p:cNvSpPr>
+          <p:nvPr>
+            <p:ph type="title"/>
+          </p:nvPr>
+        </p:nvSpPr>
+        <p:spPr>
+          <a:xfrm>
+            <a:off x="1154954" y="1447800"/>
+            <a:ext cx="8825659" cy="1981200"/>
+          </a:xfrm>
+        </p:spPr>
+        <p:txBody>
+          <a:bodyPr/>
+          <a:lstStyle>
+            <a:lvl1pPr>
+              <a:defRPr sz="4800"/>
+            </a:lvl1pPr>
+          </a:lstStyle>
+          <a:p>
+            <a:r>
+              <a:rPr lang="en-US"/>
+              <a:t>Click to edit Master title style</a:t>
+            </a:r>
+            <a:endParaRPr lang="en-US" dirty="0"/>
+          </a:p>
+        </p:txBody>
+      </p:sp>
+      <p:sp>
+        <p:nvSpPr>
+          <p:cNvPr id="8" name="Text Placeholder 3"/>
+          <p:cNvSpPr>
+            <a:spLocks noGrp="1"/>
+          </p:cNvSpPr>
+          <p:nvPr>
+            <p:ph type="body" sz="half" idx="2"/>
+          </p:nvPr>
+        </p:nvSpPr>
+        <p:spPr>
+          <a:xfrm>
+            <a:off x="1154954" y="3657600"/>
+            <a:ext cx="8825659" cy="2362200"/>
+          </a:xfrm>
+        </p:spPr>
+        <p:txBody>
+          <a:bodyPr anchor="ctr">
+            <a:normAutofit/>
+          </a:bodyPr>
+          <a:lstStyle>
+            <a:lvl1pPr marL="0" indent="0">
+              <a:buNone/>
+              <a:defRPr sz="1800"/>
+            </a:lvl1pPr>
+            <a:lvl2pPr marL="457200" indent="0">
+              <a:buNone/>
+              <a:defRPr sz="1200"/>
+            </a:lvl2pPr>
+            <a:lvl3pPr marL="914400" indent="0">
+              <a:buNone/>
+              <a:defRPr sz="1000"/>
+            </a:lvl3pPr>
+            <a:lvl4pPr marL="1371600" indent="0">
+              <a:buNone/>
+              <a:defRPr sz="900"/>
+            </a:lvl4pPr>
+            <a:lvl5pPr marL="1828800" indent="0">
+              <a:buNone/>
+              <a:defRPr sz="900"/>
+            </a:lvl5pPr>
+            <a:lvl6pPr marL="2286000" indent="0">
+              <a:buNone/>
+              <a:defRPr sz="900"/>
+            </a:lvl6pPr>
+            <a:lvl7pPr marL="2743200" indent="0">
+              <a:buNone/>
+              <a:defRPr sz="900"/>
+            </a:lvl7pPr>
+            <a:lvl8pPr marL="3200400" indent="0">
+              <a:buNone/>
+              <a:defRPr sz="900"/>
+            </a:lvl8pPr>
+            <a:lvl9pPr marL="3657600" indent="0">
+              <a:buNone/>
+              <a:defRPr sz="900"/>
+            </a:lvl9pPr>
+          </a:lstStyle>
+          <a:p>
+            <a:pPr lvl="0"/>
+            <a:r>
+              <a:rPr lang="en-US"/>
+              <a:t>Click to edit Master text styles</a:t>
+            </a:r>
+          </a:p>
+        </p:txBody>
+      </p:sp>
+      <p:sp>
+        <p:nvSpPr>
+          <p:cNvPr id="4" name="Date Placeholder 3"/>
+          <p:cNvSpPr>
+            <a:spLocks noGrp="1"/>
+          </p:cNvSpPr>
+          <p:nvPr>
+            <p:ph type="dt" sz="half" idx="10"/>
+          </p:nvPr>
+        </p:nvSpPr>
+        <p:spPr/>
+        <p:txBody>
+          <a:bodyPr/>
+          <a:lstStyle/>
+          <a:p>
+            <a:fld id="{BB57D48A-DF84-4AD1-B677-45A21F9EA7A8}" type="datetimeFigureOut">
+              <a:rPr lang="en-US" smtClean="0"/>
+              <a:t>11/13/2021</a:t>
+            </a:fld>
+            <a:endParaRPr lang="en-US"/>
+          </a:p>
+        </p:txBody>
+      </p:sp>
+      <p:sp>
+        <p:nvSpPr>
+          <p:cNvPr id="5" name="Footer Placeholder 4"/>
+          <p:cNvSpPr>
+            <a:spLocks noGrp="1"/>
+          </p:cNvSpPr>
+          <p:nvPr>
+            <p:ph type="ftr" sz="quarter" idx="11"/>
+          </p:nvPr>
+        </p:nvSpPr>
+        <p:spPr/>
+        <p:txBody>
+          <a:bodyPr/>
+          <a:lstStyle/>
+          <a:p>
+            <a:endParaRPr lang="en-US"/>
+          </a:p>
+        </p:txBody>
+      </p:sp>
+      <p:sp>
+        <p:nvSpPr>
+          <p:cNvPr id="6" name="Slide Number Placeholder 5"/>
+          <p:cNvSpPr>
+            <a:spLocks noGrp="1"/>
+          </p:cNvSpPr>
+          <p:nvPr>
+            <p:ph type="sldNum" sz="quarter" idx="12"/>
+          </p:nvPr>
+        </p:nvSpPr>
+        <p:spPr/>
+        <p:txBody>
+          <a:bodyPr/>
+          <a:lstStyle/>
+          <a:p>
+            <a:fld id="{1DE00D2E-5CE5-4399-8D2A-C20CB3DC5E77}" type="slidenum">
+              <a:rPr lang="en-US" smtClean="0"/>
+              <a:t>‹#›</a:t>
+            </a:fld>
+            <a:endParaRPr lang="en-US"/>
+          </a:p>
+        </p:txBody>
+      </p:sp>
+    </p:spTree>
+    <p:extLst>
+      <p:ext uri="{BB962C8B-B14F-4D97-AF65-F5344CB8AC3E}">
+        <p14:creationId xmlns:p14="http://schemas.microsoft.com/office/powerpoint/2010/main" val="4290805718"/>
+      </p:ext>
+    </p:extLst>
+  </p:cSld>
+  <p:clrMapOvr>
+    <a:masterClrMapping/>
+  </p:clrMapOvr>
+</p:sldLayout>
+</file>
+
+<file path=ppt/slideLayouts/slideLayout12.xml><?xml version="1.0" encoding="utf-8"?>
+<p:sldLayout xmlns:a="http://schemas.openxmlformats.org/drawingml/2006/main" xmlns:r="http://schemas.openxmlformats.org/officeDocument/2006/relationships" xmlns:p="http://schemas.openxmlformats.org/presentationml/2006/main" preserve="1">
+  <p:cSld name="Quote with Caption">
+    <p:spTree>
+      <p:nvGrpSpPr>
+        <p:cNvPr id="1" name=""/>
+        <p:cNvGrpSpPr/>
+        <p:nvPr/>
+      </p:nvGrpSpPr>
+      <p:grpSpPr>
+        <a:xfrm>
+          <a:off x="0" y="0"/>
+          <a:ext cx="0" cy="0"/>
+          <a:chOff x="0" y="0"/>
+          <a:chExt cx="0" cy="0"/>
+        </a:xfrm>
+      </p:grpSpPr>
+      <p:sp>
+        <p:nvSpPr>
+          <p:cNvPr id="2" name="Title 1"/>
+          <p:cNvSpPr>
+            <a:spLocks noGrp="1"/>
+          </p:cNvSpPr>
+          <p:nvPr>
+            <p:ph type="title"/>
+          </p:nvPr>
+        </p:nvSpPr>
+        <p:spPr>
+          <a:xfrm>
+            <a:off x="1574801" y="1447800"/>
+            <a:ext cx="7999315" cy="2323374"/>
+          </a:xfrm>
+        </p:spPr>
+        <p:txBody>
+          <a:bodyPr/>
+          <a:lstStyle>
+            <a:lvl1pPr>
+              <a:defRPr sz="4800"/>
+            </a:lvl1pPr>
+          </a:lstStyle>
+          <a:p>
+            <a:r>
+              <a:rPr lang="en-US"/>
+              <a:t>Click to edit Master title style</a:t>
+            </a:r>
+            <a:endParaRPr lang="en-US" dirty="0"/>
+          </a:p>
+        </p:txBody>
+      </p:sp>
+      <p:sp>
+        <p:nvSpPr>
+          <p:cNvPr id="11" name="Text Placeholder 3"/>
+          <p:cNvSpPr>
+            <a:spLocks noGrp="1"/>
+          </p:cNvSpPr>
+          <p:nvPr>
+            <p:ph type="body" sz="half" idx="14"/>
+          </p:nvPr>
+        </p:nvSpPr>
+        <p:spPr>
+          <a:xfrm>
+            <a:off x="1930400" y="3771174"/>
+            <a:ext cx="7279649" cy="342174"/>
+          </a:xfrm>
+        </p:spPr>
+        <p:txBody>
+          <a:bodyPr vert="horz" lIns="91440" tIns="45720" rIns="91440" bIns="45720" rtlCol="0" anchor="t">
+            <a:normAutofit/>
+          </a:bodyPr>
+          <a:lstStyle>
+            <a:lvl1pPr marL="0" indent="0">
+              <a:buNone/>
+              <a:defRPr lang="en-US" sz="1400" b="0" i="0" kern="1200" cap="small" dirty="0">
+                <a:solidFill>
+                  <a:schemeClr val="bg2">
+                    <a:lumMod val="40000"/>
+                    <a:lumOff val="60000"/>
+                  </a:schemeClr>
+                </a:solidFill>
+                <a:latin typeface="+mj-lt"/>
+                <a:ea typeface="+mj-ea"/>
+                <a:cs typeface="+mj-cs"/>
+              </a:defRPr>
+            </a:lvl1pPr>
+            <a:lvl2pPr marL="457200" indent="0">
+              <a:buNone/>
+              <a:defRPr sz="1200"/>
+            </a:lvl2pPr>
+            <a:lvl3pPr marL="914400" indent="0">
+              <a:buNone/>
+              <a:defRPr sz="1000"/>
+            </a:lvl3pPr>
+            <a:lvl4pPr marL="1371600" indent="0">
+              <a:buNone/>
+              <a:defRPr sz="900"/>
+            </a:lvl4pPr>
+            <a:lvl5pPr marL="1828800" indent="0">
+              <a:buNone/>
+              <a:defRPr sz="900"/>
+            </a:lvl5pPr>
+            <a:lvl6pPr marL="2286000" indent="0">
+              <a:buNone/>
+              <a:defRPr sz="900"/>
+            </a:lvl6pPr>
+            <a:lvl7pPr marL="2743200" indent="0">
+              <a:buNone/>
+              <a:defRPr sz="900"/>
+            </a:lvl7pPr>
+            <a:lvl8pPr marL="3200400" indent="0">
+              <a:buNone/>
+              <a:defRPr sz="900"/>
+            </a:lvl8pPr>
+            <a:lvl9pPr marL="3657600" indent="0">
+              <a:buNone/>
+              <a:defRPr sz="900"/>
+            </a:lvl9pPr>
+          </a:lstStyle>
+          <a:p>
+            <a:pPr marL="0" lvl="0" indent="0">
+              <a:buNone/>
+            </a:pPr>
+            <a:r>
+              <a:rPr lang="en-US"/>
+              <a:t>Click to edit Master text styles</a:t>
+            </a:r>
+          </a:p>
+        </p:txBody>
+      </p:sp>
+      <p:sp>
+        <p:nvSpPr>
+          <p:cNvPr id="10" name="Text Placeholder 3"/>
+          <p:cNvSpPr>
+            <a:spLocks noGrp="1"/>
+          </p:cNvSpPr>
+          <p:nvPr>
+            <p:ph type="body" sz="half" idx="2"/>
+          </p:nvPr>
+        </p:nvSpPr>
+        <p:spPr>
+          <a:xfrm>
+            <a:off x="1154954" y="4350657"/>
+            <a:ext cx="8825659" cy="1676400"/>
+          </a:xfrm>
+        </p:spPr>
+        <p:txBody>
+          <a:bodyPr anchor="ctr">
+            <a:normAutofit/>
+          </a:bodyPr>
+          <a:lstStyle>
+            <a:lvl1pPr marL="0" indent="0">
+              <a:buNone/>
+              <a:defRPr sz="1800"/>
+            </a:lvl1pPr>
+            <a:lvl2pPr marL="457200" indent="0">
+              <a:buNone/>
+              <a:defRPr sz="1200"/>
+            </a:lvl2pPr>
+            <a:lvl3pPr marL="914400" indent="0">
+              <a:buNone/>
+              <a:defRPr sz="1000"/>
+            </a:lvl3pPr>
+            <a:lvl4pPr marL="1371600" indent="0">
+              <a:buNone/>
+              <a:defRPr sz="900"/>
+            </a:lvl4pPr>
+            <a:lvl5pPr marL="1828800" indent="0">
+              <a:buNone/>
+              <a:defRPr sz="900"/>
+            </a:lvl5pPr>
+            <a:lvl6pPr marL="2286000" indent="0">
+              <a:buNone/>
+              <a:defRPr sz="900"/>
+            </a:lvl6pPr>
+            <a:lvl7pPr marL="2743200" indent="0">
+              <a:buNone/>
+              <a:defRPr sz="900"/>
+            </a:lvl7pPr>
+            <a:lvl8pPr marL="3200400" indent="0">
+              <a:buNone/>
+              <a:defRPr sz="900"/>
+            </a:lvl8pPr>
+            <a:lvl9pPr marL="3657600" indent="0">
+              <a:buNone/>
+              <a:defRPr sz="900"/>
+            </a:lvl9pPr>
+          </a:lstStyle>
+          <a:p>
+            <a:pPr lvl="0"/>
+            <a:r>
+              <a:rPr lang="en-US"/>
+              <a:t>Click to edit Master text styles</a:t>
+            </a:r>
+          </a:p>
+        </p:txBody>
+      </p:sp>
+      <p:sp>
+        <p:nvSpPr>
+          <p:cNvPr id="4" name="Date Placeholder 3"/>
+          <p:cNvSpPr>
+            <a:spLocks noGrp="1"/>
+          </p:cNvSpPr>
+          <p:nvPr>
+            <p:ph type="dt" sz="half" idx="10"/>
+          </p:nvPr>
+        </p:nvSpPr>
+        <p:spPr/>
+        <p:txBody>
+          <a:bodyPr/>
+          <a:lstStyle/>
+          <a:p>
+            <a:fld id="{BB57D48A-DF84-4AD1-B677-45A21F9EA7A8}" type="datetimeFigureOut">
+              <a:rPr lang="en-US" smtClean="0"/>
+              <a:t>11/13/2021</a:t>
+            </a:fld>
+            <a:endParaRPr lang="en-US"/>
+          </a:p>
+        </p:txBody>
+      </p:sp>
+      <p:sp>
+        <p:nvSpPr>
+          <p:cNvPr id="5" name="Footer Placeholder 4"/>
+          <p:cNvSpPr>
+            <a:spLocks noGrp="1"/>
+          </p:cNvSpPr>
+          <p:nvPr>
+            <p:ph type="ftr" sz="quarter" idx="11"/>
+          </p:nvPr>
+        </p:nvSpPr>
+        <p:spPr/>
+        <p:txBody>
+          <a:bodyPr/>
+          <a:lstStyle/>
+          <a:p>
+            <a:endParaRPr lang="en-US"/>
+          </a:p>
+        </p:txBody>
+      </p:sp>
+      <p:sp>
+        <p:nvSpPr>
+          <p:cNvPr id="6" name="Slide Number Placeholder 5"/>
+          <p:cNvSpPr>
+            <a:spLocks noGrp="1"/>
+          </p:cNvSpPr>
+          <p:nvPr>
+            <p:ph type="sldNum" sz="quarter" idx="12"/>
+          </p:nvPr>
+        </p:nvSpPr>
+        <p:spPr/>
+        <p:txBody>
+          <a:bodyPr/>
+          <a:lstStyle/>
+          <a:p>
+            <a:fld id="{1DE00D2E-5CE5-4399-8D2A-C20CB3DC5E77}" type="slidenum">
+              <a:rPr lang="en-US" smtClean="0"/>
+              <a:t>‹#›</a:t>
+            </a:fld>
+            <a:endParaRPr lang="en-US"/>
+          </a:p>
+        </p:txBody>
+      </p:sp>
+      <p:sp>
+        <p:nvSpPr>
+          <p:cNvPr id="12" name="TextBox 11"/>
+          <p:cNvSpPr txBox="1"/>
+          <p:nvPr/>
+        </p:nvSpPr>
+        <p:spPr>
+          <a:xfrm>
+            <a:off x="898295" y="971253"/>
+            <a:ext cx="801912" cy="1969770"/>
+          </a:xfrm>
+          <a:prstGeom prst="rect">
+            <a:avLst/>
+          </a:prstGeom>
+          <a:noFill/>
+        </p:spPr>
+        <p:txBody>
+          <a:bodyPr wrap="square" rtlCol="0">
+            <a:spAutoFit/>
+          </a:bodyPr>
+          <a:lstStyle>
+            <a:defPPr>
+              <a:defRPr lang="en-US"/>
+            </a:defPPr>
+            <a:lvl1pPr algn="r">
+              <a:defRPr sz="12200" b="0" i="0">
+                <a:solidFill>
+                  <a:schemeClr val="bg2">
+                    <a:lumMod val="40000"/>
+                    <a:lumOff val="60000"/>
+                  </a:schemeClr>
+                </a:solidFill>
+                <a:latin typeface="Arial"/>
+                <a:ea typeface="+mj-ea"/>
+                <a:cs typeface="+mj-cs"/>
+              </a:defRPr>
+            </a:lvl1pPr>
+          </a:lstStyle>
+          <a:p>
+            <a:pPr lvl="0"/>
+            <a:r>
+              <a:rPr lang="en-US" dirty="0"/>
+              <a:t>“</a:t>
+            </a:r>
+          </a:p>
+        </p:txBody>
+      </p:sp>
+      <p:sp>
+        <p:nvSpPr>
+          <p:cNvPr id="15" name="TextBox 14"/>
+          <p:cNvSpPr txBox="1"/>
+          <p:nvPr/>
+        </p:nvSpPr>
+        <p:spPr>
+          <a:xfrm>
+            <a:off x="9330490" y="2613787"/>
+            <a:ext cx="801912" cy="1969770"/>
+          </a:xfrm>
+          <a:prstGeom prst="rect">
+            <a:avLst/>
+          </a:prstGeom>
+          <a:noFill/>
+        </p:spPr>
+        <p:txBody>
+          <a:bodyPr wrap="square" rtlCol="0">
+            <a:spAutoFit/>
+          </a:bodyPr>
+          <a:lstStyle>
+            <a:defPPr>
+              <a:defRPr lang="en-US"/>
+            </a:defPPr>
+            <a:lvl1pPr algn="r">
+              <a:defRPr sz="12200" b="0" i="0">
+                <a:solidFill>
+                  <a:schemeClr val="bg2">
+                    <a:lumMod val="40000"/>
+                    <a:lumOff val="60000"/>
+                  </a:schemeClr>
+                </a:solidFill>
+                <a:latin typeface="Arial"/>
+                <a:ea typeface="+mj-ea"/>
+                <a:cs typeface="+mj-cs"/>
+              </a:defRPr>
+            </a:lvl1pPr>
+          </a:lstStyle>
+          <a:p>
+            <a:pPr lvl="0"/>
+            <a:r>
+              <a:rPr lang="en-US" dirty="0"/>
+              <a:t>”</a:t>
+            </a:r>
+          </a:p>
+        </p:txBody>
+      </p:sp>
+    </p:spTree>
+    <p:extLst>
+      <p:ext uri="{BB962C8B-B14F-4D97-AF65-F5344CB8AC3E}">
+        <p14:creationId xmlns:p14="http://schemas.microsoft.com/office/powerpoint/2010/main" val="2217675074"/>
+      </p:ext>
+    </p:extLst>
+  </p:cSld>
+  <p:clrMapOvr>
+    <a:masterClrMapping/>
+  </p:clrMapOvr>
+</p:sldLayout>
+</file>
+
+<file path=ppt/slideLayouts/slideLayout13.xml><?xml version="1.0" encoding="utf-8"?>
+<p:sldLayout xmlns:a="http://schemas.openxmlformats.org/drawingml/2006/main" xmlns:r="http://schemas.openxmlformats.org/officeDocument/2006/relationships" xmlns:p="http://schemas.openxmlformats.org/presentationml/2006/main" preserve="1">
+  <p:cSld name="Name Card">
+    <p:spTree>
+      <p:nvGrpSpPr>
+        <p:cNvPr id="1" name=""/>
+        <p:cNvGrpSpPr/>
+        <p:nvPr/>
+      </p:nvGrpSpPr>
+      <p:grpSpPr>
+        <a:xfrm>
+          <a:off x="0" y="0"/>
+          <a:ext cx="0" cy="0"/>
+          <a:chOff x="0" y="0"/>
+          <a:chExt cx="0" cy="0"/>
+        </a:xfrm>
+      </p:grpSpPr>
+      <p:sp>
+        <p:nvSpPr>
+          <p:cNvPr id="2" name="Title 1"/>
+          <p:cNvSpPr>
+            <a:spLocks noGrp="1"/>
+          </p:cNvSpPr>
+          <p:nvPr>
+            <p:ph type="title"/>
+          </p:nvPr>
+        </p:nvSpPr>
+        <p:spPr>
+          <a:xfrm>
+            <a:off x="1154954" y="3124201"/>
+            <a:ext cx="8825660" cy="1653180"/>
+          </a:xfrm>
+        </p:spPr>
+        <p:txBody>
+          <a:bodyPr anchor="b"/>
+          <a:lstStyle>
+            <a:lvl1pPr algn="l">
+              <a:defRPr sz="4000" b="0" cap="none"/>
+            </a:lvl1pPr>
+          </a:lstStyle>
+          <a:p>
+            <a:r>
+              <a:rPr lang="en-US"/>
+              <a:t>Click to edit Master title style</a:t>
+            </a:r>
+            <a:endParaRPr lang="en-US" dirty="0"/>
+          </a:p>
+        </p:txBody>
+      </p:sp>
+      <p:sp>
+        <p:nvSpPr>
+          <p:cNvPr id="3" name="Text Placeholder 2"/>
+          <p:cNvSpPr>
+            <a:spLocks noGrp="1"/>
+          </p:cNvSpPr>
+          <p:nvPr>
+            <p:ph type="body" idx="1"/>
+          </p:nvPr>
+        </p:nvSpPr>
+        <p:spPr>
+          <a:xfrm>
+            <a:off x="1154954" y="4777381"/>
+            <a:ext cx="8825659" cy="860400"/>
+          </a:xfrm>
+        </p:spPr>
+        <p:txBody>
+          <a:bodyPr anchor="t"/>
+          <a:lstStyle>
+            <a:lvl1pPr marL="0" indent="0" algn="l">
+              <a:buNone/>
+              <a:defRPr sz="2000" cap="none">
+                <a:solidFill>
+                  <a:schemeClr val="bg2">
+                    <a:lumMod val="40000"/>
+                    <a:lumOff val="60000"/>
+                  </a:schemeClr>
+                </a:solidFill>
+              </a:defRPr>
+            </a:lvl1pPr>
+            <a:lvl2pPr marL="457200" indent="0">
+              <a:buNone/>
+              <a:defRPr sz="1800">
+                <a:solidFill>
+                  <a:schemeClr val="tx1">
+                    <a:tint val="75000"/>
+                  </a:schemeClr>
+                </a:solidFill>
+              </a:defRPr>
+            </a:lvl2pPr>
+            <a:lvl3pPr marL="914400" indent="0">
+              <a:buNone/>
+              <a:defRPr sz="1600">
+                <a:solidFill>
+                  <a:schemeClr val="tx1">
+                    <a:tint val="75000"/>
+                  </a:schemeClr>
+                </a:solidFill>
+              </a:defRPr>
+            </a:lvl3pPr>
+            <a:lvl4pPr marL="1371600" indent="0">
+              <a:buNone/>
+              <a:defRPr sz="1400">
+                <a:solidFill>
+                  <a:schemeClr val="tx1">
+                    <a:tint val="75000"/>
+                  </a:schemeClr>
+                </a:solidFill>
+              </a:defRPr>
+            </a:lvl4pPr>
+            <a:lvl5pPr marL="1828800" indent="0">
+              <a:buNone/>
+              <a:defRPr sz="1400">
+                <a:solidFill>
+                  <a:schemeClr val="tx1">
+                    <a:tint val="75000"/>
+                  </a:schemeClr>
+                </a:solidFill>
+              </a:defRPr>
+            </a:lvl5pPr>
+            <a:lvl6pPr marL="2286000" indent="0">
+              <a:buNone/>
+              <a:defRPr sz="1400">
+                <a:solidFill>
+                  <a:schemeClr val="tx1">
+                    <a:tint val="75000"/>
+                  </a:schemeClr>
+                </a:solidFill>
+              </a:defRPr>
+            </a:lvl6pPr>
+            <a:lvl7pPr marL="2743200" indent="0">
+              <a:buNone/>
+              <a:defRPr sz="1400">
+                <a:solidFill>
+                  <a:schemeClr val="tx1">
+                    <a:tint val="75000"/>
+                  </a:schemeClr>
+                </a:solidFill>
+              </a:defRPr>
+            </a:lvl7pPr>
+            <a:lvl8pPr marL="3200400" indent="0">
+              <a:buNone/>
+              <a:defRPr sz="1400">
+                <a:solidFill>
+                  <a:schemeClr val="tx1">
+                    <a:tint val="75000"/>
+                  </a:schemeClr>
+                </a:solidFill>
+              </a:defRPr>
+            </a:lvl8pPr>
+            <a:lvl9pPr marL="3657600" indent="0">
+              <a:buNone/>
+              <a:defRPr sz="1400">
+                <a:solidFill>
+                  <a:schemeClr val="tx1">
+                    <a:tint val="75000"/>
+                  </a:schemeClr>
+                </a:solidFill>
+              </a:defRPr>
+            </a:lvl9pPr>
+          </a:lstStyle>
+          <a:p>
+            <a:pPr lvl="0"/>
+            <a:r>
+              <a:rPr lang="en-US"/>
+              <a:t>Click to edit Master text styles</a:t>
+            </a:r>
+          </a:p>
+        </p:txBody>
+      </p:sp>
+      <p:sp>
+        <p:nvSpPr>
+          <p:cNvPr id="4" name="Date Placeholder 3"/>
+          <p:cNvSpPr>
+            <a:spLocks noGrp="1"/>
+          </p:cNvSpPr>
+          <p:nvPr>
+            <p:ph type="dt" sz="half" idx="10"/>
+          </p:nvPr>
+        </p:nvSpPr>
+        <p:spPr/>
+        <p:txBody>
+          <a:bodyPr/>
+          <a:lstStyle/>
+          <a:p>
+            <a:fld id="{BB57D48A-DF84-4AD1-B677-45A21F9EA7A8}" type="datetimeFigureOut">
+              <a:rPr lang="en-US" smtClean="0"/>
+              <a:t>11/13/2021</a:t>
+            </a:fld>
+            <a:endParaRPr lang="en-US"/>
+          </a:p>
+        </p:txBody>
+      </p:sp>
+      <p:sp>
+        <p:nvSpPr>
+          <p:cNvPr id="5" name="Footer Placeholder 4"/>
+          <p:cNvSpPr>
+            <a:spLocks noGrp="1"/>
+          </p:cNvSpPr>
+          <p:nvPr>
+            <p:ph type="ftr" sz="quarter" idx="11"/>
+          </p:nvPr>
+        </p:nvSpPr>
+        <p:spPr/>
+        <p:txBody>
+          <a:bodyPr/>
+          <a:lstStyle/>
+          <a:p>
+            <a:endParaRPr lang="en-US"/>
+          </a:p>
+        </p:txBody>
+      </p:sp>
+      <p:sp>
+        <p:nvSpPr>
+          <p:cNvPr id="6" name="Slide Number Placeholder 5"/>
+          <p:cNvSpPr>
+            <a:spLocks noGrp="1"/>
+          </p:cNvSpPr>
+          <p:nvPr>
+            <p:ph type="sldNum" sz="quarter" idx="12"/>
+          </p:nvPr>
+        </p:nvSpPr>
+        <p:spPr/>
+        <p:txBody>
+          <a:bodyPr/>
+          <a:lstStyle/>
+          <a:p>
+            <a:fld id="{1DE00D2E-5CE5-4399-8D2A-C20CB3DC5E77}" type="slidenum">
+              <a:rPr lang="en-US" smtClean="0"/>
+              <a:t>‹#›</a:t>
+            </a:fld>
+            <a:endParaRPr lang="en-US"/>
+          </a:p>
+        </p:txBody>
+      </p:sp>
+    </p:spTree>
+    <p:extLst>
+      <p:ext uri="{BB962C8B-B14F-4D97-AF65-F5344CB8AC3E}">
+        <p14:creationId xmlns:p14="http://schemas.microsoft.com/office/powerpoint/2010/main" val="975152312"/>
+      </p:ext>
+    </p:extLst>
+  </p:cSld>
+  <p:clrMapOvr>
+    <a:masterClrMapping/>
+  </p:clrMapOvr>
+</p:sldLayout>
+</file>
+
+<file path=ppt/slideLayouts/slideLayout14.xml><?xml version="1.0" encoding="utf-8"?>
+<p:sldLayout xmlns:a="http://schemas.openxmlformats.org/drawingml/2006/main" xmlns:r="http://schemas.openxmlformats.org/officeDocument/2006/relationships" xmlns:p="http://schemas.openxmlformats.org/presentationml/2006/main" preserve="1">
+  <p:cSld name="3 Column">
+    <p:spTree>
+      <p:nvGrpSpPr>
+        <p:cNvPr id="1" name=""/>
+        <p:cNvGrpSpPr/>
+        <p:nvPr/>
+      </p:nvGrpSpPr>
+      <p:grpSpPr>
+        <a:xfrm>
+          <a:off x="0" y="0"/>
+          <a:ext cx="0" cy="0"/>
+          <a:chOff x="0" y="0"/>
+          <a:chExt cx="0" cy="0"/>
+        </a:xfrm>
+      </p:grpSpPr>
+      <p:sp>
+        <p:nvSpPr>
+          <p:cNvPr id="2" name="Title 1"/>
+          <p:cNvSpPr>
+            <a:spLocks noGrp="1"/>
+          </p:cNvSpPr>
+          <p:nvPr>
+            <p:ph type="title"/>
+          </p:nvPr>
+        </p:nvSpPr>
+        <p:spPr/>
+        <p:txBody>
+          <a:bodyPr/>
+          <a:lstStyle>
+            <a:lvl1pPr>
+              <a:defRPr sz="4200"/>
+            </a:lvl1pPr>
+          </a:lstStyle>
+          <a:p>
+            <a:r>
+              <a:rPr lang="en-US"/>
+              <a:t>Click to edit Master title style</a:t>
+            </a:r>
+            <a:endParaRPr lang="en-US" dirty="0"/>
+          </a:p>
+        </p:txBody>
+      </p:sp>
+      <p:sp>
+        <p:nvSpPr>
+          <p:cNvPr id="3" name="Text Placeholder 2"/>
+          <p:cNvSpPr>
+            <a:spLocks noGrp="1"/>
+          </p:cNvSpPr>
+          <p:nvPr>
+            <p:ph type="body" idx="1"/>
+          </p:nvPr>
+        </p:nvSpPr>
+        <p:spPr>
+          <a:xfrm>
+            <a:off x="632947" y="1981200"/>
+            <a:ext cx="2946866" cy="576262"/>
+          </a:xfrm>
+        </p:spPr>
+        <p:txBody>
+          <a:bodyPr anchor="b">
+            <a:noAutofit/>
+          </a:bodyPr>
+          <a:lstStyle>
+            <a:lvl1pPr marL="0" indent="0">
+              <a:buNone/>
+              <a:defRPr sz="2400" b="0">
+                <a:solidFill>
+                  <a:schemeClr val="bg2">
+                    <a:lumMod val="40000"/>
+                    <a:lumOff val="60000"/>
+                  </a:schemeClr>
+                </a:solidFill>
+              </a:defRPr>
+            </a:lvl1pPr>
+            <a:lvl2pPr marL="457200" indent="0">
+              <a:buNone/>
+              <a:defRPr sz="2000" b="1"/>
+            </a:lvl2pPr>
+            <a:lvl3pPr marL="914400" indent="0">
+              <a:buNone/>
+              <a:defRPr sz="1800" b="1"/>
+            </a:lvl3pPr>
+            <a:lvl4pPr marL="1371600" indent="0">
+              <a:buNone/>
+              <a:defRPr sz="1600" b="1"/>
+            </a:lvl4pPr>
+            <a:lvl5pPr marL="1828800" indent="0">
+              <a:buNone/>
+              <a:defRPr sz="1600" b="1"/>
+            </a:lvl5pPr>
+            <a:lvl6pPr marL="2286000" indent="0">
+              <a:buNone/>
+              <a:defRPr sz="1600" b="1"/>
+            </a:lvl6pPr>
+            <a:lvl7pPr marL="2743200" indent="0">
+              <a:buNone/>
+              <a:defRPr sz="1600" b="1"/>
+            </a:lvl7pPr>
+            <a:lvl8pPr marL="3200400" indent="0">
+              <a:buNone/>
+              <a:defRPr sz="1600" b="1"/>
+            </a:lvl8pPr>
+            <a:lvl9pPr marL="3657600" indent="0">
+              <a:buNone/>
+              <a:defRPr sz="1600" b="1"/>
+            </a:lvl9pPr>
+          </a:lstStyle>
+          <a:p>
+            <a:pPr lvl="0"/>
+            <a:r>
+              <a:rPr lang="en-US"/>
+              <a:t>Click to edit Master text styles</a:t>
+            </a:r>
+          </a:p>
+        </p:txBody>
+      </p:sp>
+      <p:sp>
+        <p:nvSpPr>
+          <p:cNvPr id="16" name="Text Placeholder 3"/>
+          <p:cNvSpPr>
+            <a:spLocks noGrp="1"/>
+          </p:cNvSpPr>
+          <p:nvPr>
+            <p:ph type="body" sz="half" idx="15"/>
+          </p:nvPr>
+        </p:nvSpPr>
+        <p:spPr>
+          <a:xfrm>
+            <a:off x="652463" y="2667000"/>
+            <a:ext cx="2927350" cy="3589338"/>
+          </a:xfrm>
+        </p:spPr>
+        <p:txBody>
+          <a:bodyPr anchor="t">
+            <a:normAutofit/>
+          </a:bodyPr>
+          <a:lstStyle>
+            <a:lvl1pPr marL="0" indent="0">
+              <a:buNone/>
+              <a:defRPr sz="1400"/>
+            </a:lvl1pPr>
+            <a:lvl2pPr marL="457200" indent="0">
+              <a:buNone/>
+              <a:defRPr sz="1200"/>
+            </a:lvl2pPr>
+            <a:lvl3pPr marL="914400" indent="0">
+              <a:buNone/>
+              <a:defRPr sz="1000"/>
+            </a:lvl3pPr>
+            <a:lvl4pPr marL="1371600" indent="0">
+              <a:buNone/>
+              <a:defRPr sz="900"/>
+            </a:lvl4pPr>
+            <a:lvl5pPr marL="1828800" indent="0">
+              <a:buNone/>
+              <a:defRPr sz="900"/>
+            </a:lvl5pPr>
+            <a:lvl6pPr marL="2286000" indent="0">
+              <a:buNone/>
+              <a:defRPr sz="900"/>
+            </a:lvl6pPr>
+            <a:lvl7pPr marL="2743200" indent="0">
+              <a:buNone/>
+              <a:defRPr sz="900"/>
+            </a:lvl7pPr>
+            <a:lvl8pPr marL="3200400" indent="0">
+              <a:buNone/>
+              <a:defRPr sz="900"/>
+            </a:lvl8pPr>
+            <a:lvl9pPr marL="3657600" indent="0">
+              <a:buNone/>
+              <a:defRPr sz="900"/>
+            </a:lvl9pPr>
+          </a:lstStyle>
+          <a:p>
+            <a:pPr lvl="0"/>
+            <a:r>
+              <a:rPr lang="en-US"/>
+              <a:t>Click to edit Master text styles</a:t>
+            </a:r>
+          </a:p>
+        </p:txBody>
+      </p:sp>
+      <p:sp>
+        <p:nvSpPr>
+          <p:cNvPr id="5" name="Text Placeholder 4"/>
+          <p:cNvSpPr>
+            <a:spLocks noGrp="1"/>
+          </p:cNvSpPr>
+          <p:nvPr>
+            <p:ph type="body" sz="quarter" idx="3"/>
+          </p:nvPr>
+        </p:nvSpPr>
+        <p:spPr>
+          <a:xfrm>
+            <a:off x="3883659" y="1981200"/>
+            <a:ext cx="2936241" cy="576262"/>
+          </a:xfrm>
+        </p:spPr>
+        <p:txBody>
+          <a:bodyPr anchor="b">
+            <a:noAutofit/>
+          </a:bodyPr>
+          <a:lstStyle>
+            <a:lvl1pPr marL="0" indent="0">
+              <a:buNone/>
+              <a:defRPr sz="2400" b="0">
+                <a:solidFill>
+                  <a:schemeClr val="bg2">
+                    <a:lumMod val="40000"/>
+                    <a:lumOff val="60000"/>
+                  </a:schemeClr>
+                </a:solidFill>
+              </a:defRPr>
+            </a:lvl1pPr>
+            <a:lvl2pPr marL="457200" indent="0">
+              <a:buNone/>
+              <a:defRPr sz="2000" b="1"/>
+            </a:lvl2pPr>
+            <a:lvl3pPr marL="914400" indent="0">
+              <a:buNone/>
+              <a:defRPr sz="1800" b="1"/>
+            </a:lvl3pPr>
+            <a:lvl4pPr marL="1371600" indent="0">
+              <a:buNone/>
+              <a:defRPr sz="1600" b="1"/>
+            </a:lvl4pPr>
+            <a:lvl5pPr marL="1828800" indent="0">
+              <a:buNone/>
+              <a:defRPr sz="1600" b="1"/>
+            </a:lvl5pPr>
+            <a:lvl6pPr marL="2286000" indent="0">
+              <a:buNone/>
+              <a:defRPr sz="1600" b="1"/>
+            </a:lvl6pPr>
+            <a:lvl7pPr marL="2743200" indent="0">
+              <a:buNone/>
+              <a:defRPr sz="1600" b="1"/>
+            </a:lvl7pPr>
+            <a:lvl8pPr marL="3200400" indent="0">
+              <a:buNone/>
+              <a:defRPr sz="1600" b="1"/>
+            </a:lvl8pPr>
+            <a:lvl9pPr marL="3657600" indent="0">
+              <a:buNone/>
+              <a:defRPr sz="1600" b="1"/>
+            </a:lvl9pPr>
+          </a:lstStyle>
+          <a:p>
+            <a:pPr lvl="0"/>
+            <a:r>
+              <a:rPr lang="en-US"/>
+              <a:t>Click to edit Master text styles</a:t>
+            </a:r>
+          </a:p>
+        </p:txBody>
+      </p:sp>
+      <p:sp>
+        <p:nvSpPr>
+          <p:cNvPr id="19" name="Text Placeholder 3"/>
+          <p:cNvSpPr>
+            <a:spLocks noGrp="1"/>
+          </p:cNvSpPr>
+          <p:nvPr>
+            <p:ph type="body" sz="half" idx="16"/>
+          </p:nvPr>
+        </p:nvSpPr>
+        <p:spPr>
+          <a:xfrm>
+            <a:off x="3873106" y="2667000"/>
+            <a:ext cx="2946794" cy="3589338"/>
+          </a:xfrm>
+        </p:spPr>
+        <p:txBody>
+          <a:bodyPr anchor="t">
+            <a:normAutofit/>
+          </a:bodyPr>
+          <a:lstStyle>
+            <a:lvl1pPr marL="0" indent="0">
+              <a:buNone/>
+              <a:defRPr sz="1400"/>
+            </a:lvl1pPr>
+            <a:lvl2pPr marL="457200" indent="0">
+              <a:buNone/>
+              <a:defRPr sz="1200"/>
+            </a:lvl2pPr>
+            <a:lvl3pPr marL="914400" indent="0">
+              <a:buNone/>
+              <a:defRPr sz="1000"/>
+            </a:lvl3pPr>
+            <a:lvl4pPr marL="1371600" indent="0">
+              <a:buNone/>
+              <a:defRPr sz="900"/>
+            </a:lvl4pPr>
+            <a:lvl5pPr marL="1828800" indent="0">
+              <a:buNone/>
+              <a:defRPr sz="900"/>
+            </a:lvl5pPr>
+            <a:lvl6pPr marL="2286000" indent="0">
+              <a:buNone/>
+              <a:defRPr sz="900"/>
+            </a:lvl6pPr>
+            <a:lvl7pPr marL="2743200" indent="0">
+              <a:buNone/>
+              <a:defRPr sz="900"/>
+            </a:lvl7pPr>
+            <a:lvl8pPr marL="3200400" indent="0">
+              <a:buNone/>
+              <a:defRPr sz="900"/>
+            </a:lvl8pPr>
+            <a:lvl9pPr marL="3657600" indent="0">
+              <a:buNone/>
+              <a:defRPr sz="900"/>
+            </a:lvl9pPr>
+          </a:lstStyle>
+          <a:p>
+            <a:pPr lvl="0"/>
+            <a:r>
+              <a:rPr lang="en-US"/>
+              <a:t>Click to edit Master text styles</a:t>
+            </a:r>
+          </a:p>
+        </p:txBody>
+      </p:sp>
+      <p:sp>
+        <p:nvSpPr>
+          <p:cNvPr id="14" name="Text Placeholder 4"/>
+          <p:cNvSpPr>
+            <a:spLocks noGrp="1"/>
+          </p:cNvSpPr>
+          <p:nvPr>
+            <p:ph type="body" sz="quarter" idx="13"/>
+          </p:nvPr>
+        </p:nvSpPr>
+        <p:spPr>
+          <a:xfrm>
+            <a:off x="7124700" y="1981200"/>
+            <a:ext cx="2932113" cy="576262"/>
+          </a:xfrm>
+        </p:spPr>
+        <p:txBody>
+          <a:bodyPr anchor="b">
+            <a:noAutofit/>
+          </a:bodyPr>
+          <a:lstStyle>
+            <a:lvl1pPr marL="0" indent="0">
+              <a:buNone/>
+              <a:defRPr sz="2400" b="0">
+                <a:solidFill>
+                  <a:schemeClr val="bg2">
+                    <a:lumMod val="40000"/>
+                    <a:lumOff val="60000"/>
+                  </a:schemeClr>
+                </a:solidFill>
+              </a:defRPr>
+            </a:lvl1pPr>
+            <a:lvl2pPr marL="457200" indent="0">
+              <a:buNone/>
+              <a:defRPr sz="2000" b="1"/>
+            </a:lvl2pPr>
+            <a:lvl3pPr marL="914400" indent="0">
+              <a:buNone/>
+              <a:defRPr sz="1800" b="1"/>
+            </a:lvl3pPr>
+            <a:lvl4pPr marL="1371600" indent="0">
+              <a:buNone/>
+              <a:defRPr sz="1600" b="1"/>
+            </a:lvl4pPr>
+            <a:lvl5pPr marL="1828800" indent="0">
+              <a:buNone/>
+              <a:defRPr sz="1600" b="1"/>
+            </a:lvl5pPr>
+            <a:lvl6pPr marL="2286000" indent="0">
+              <a:buNone/>
+              <a:defRPr sz="1600" b="1"/>
+            </a:lvl6pPr>
+            <a:lvl7pPr marL="2743200" indent="0">
+              <a:buNone/>
+              <a:defRPr sz="1600" b="1"/>
+            </a:lvl7pPr>
+            <a:lvl8pPr marL="3200400" indent="0">
+              <a:buNone/>
+              <a:defRPr sz="1600" b="1"/>
+            </a:lvl8pPr>
+            <a:lvl9pPr marL="3657600" indent="0">
+              <a:buNone/>
+              <a:defRPr sz="1600" b="1"/>
+            </a:lvl9pPr>
+          </a:lstStyle>
+          <a:p>
+            <a:pPr lvl="0"/>
+            <a:r>
+              <a:rPr lang="en-US"/>
+              <a:t>Click to edit Master text styles</a:t>
+            </a:r>
+          </a:p>
+        </p:txBody>
+      </p:sp>
+      <p:sp>
+        <p:nvSpPr>
+          <p:cNvPr id="20" name="Text Placeholder 3"/>
+          <p:cNvSpPr>
+            <a:spLocks noGrp="1"/>
+          </p:cNvSpPr>
+          <p:nvPr>
+            <p:ph type="body" sz="half" idx="17"/>
+          </p:nvPr>
+        </p:nvSpPr>
+        <p:spPr>
+          <a:xfrm>
+            <a:off x="7124700" y="2667000"/>
+            <a:ext cx="2932113" cy="3589338"/>
+          </a:xfrm>
+        </p:spPr>
+        <p:txBody>
+          <a:bodyPr anchor="t">
+            <a:normAutofit/>
+          </a:bodyPr>
+          <a:lstStyle>
+            <a:lvl1pPr marL="0" indent="0">
+              <a:buNone/>
+              <a:defRPr sz="1400"/>
+            </a:lvl1pPr>
+            <a:lvl2pPr marL="457200" indent="0">
+              <a:buNone/>
+              <a:defRPr sz="1200"/>
+            </a:lvl2pPr>
+            <a:lvl3pPr marL="914400" indent="0">
+              <a:buNone/>
+              <a:defRPr sz="1000"/>
+            </a:lvl3pPr>
+            <a:lvl4pPr marL="1371600" indent="0">
+              <a:buNone/>
+              <a:defRPr sz="900"/>
+            </a:lvl4pPr>
+            <a:lvl5pPr marL="1828800" indent="0">
+              <a:buNone/>
+              <a:defRPr sz="900"/>
+            </a:lvl5pPr>
+            <a:lvl6pPr marL="2286000" indent="0">
+              <a:buNone/>
+              <a:defRPr sz="900"/>
+            </a:lvl6pPr>
+            <a:lvl7pPr marL="2743200" indent="0">
+              <a:buNone/>
+              <a:defRPr sz="900"/>
+            </a:lvl7pPr>
+            <a:lvl8pPr marL="3200400" indent="0">
+              <a:buNone/>
+              <a:defRPr sz="900"/>
+            </a:lvl8pPr>
+            <a:lvl9pPr marL="3657600" indent="0">
+              <a:buNone/>
+              <a:defRPr sz="900"/>
+            </a:lvl9pPr>
+          </a:lstStyle>
+          <a:p>
+            <a:pPr lvl="0"/>
+            <a:r>
+              <a:rPr lang="en-US"/>
+              <a:t>Click to edit Master text styles</a:t>
+            </a:r>
+          </a:p>
+        </p:txBody>
+      </p:sp>
+      <p:cxnSp>
+        <p:nvCxnSpPr>
+          <p:cNvPr id="17" name="Straight Connector 16"/>
+          <p:cNvCxnSpPr/>
+          <p:nvPr/>
+        </p:nvCxnSpPr>
+        <p:spPr>
+          <a:xfrm>
+            <a:off x="3726142" y="2133600"/>
+            <a:ext cx="0" cy="3962400"/>
+          </a:xfrm>
+          <a:prstGeom prst="line">
+            <a:avLst/>
+          </a:prstGeom>
+          <a:ln w="12700" cmpd="sng">
+            <a:solidFill>
+              <a:schemeClr val="bg2">
+                <a:lumMod val="40000"/>
+                <a:lumOff val="60000"/>
+                <a:alpha val="40000"/>
+              </a:schemeClr>
+            </a:solidFill>
+          </a:ln>
+        </p:spPr>
+        <p:style>
+          <a:lnRef idx="2">
+            <a:schemeClr val="accent1"/>
+          </a:lnRef>
+          <a:fillRef idx="0">
+            <a:schemeClr val="accent1"/>
+          </a:fillRef>
+          <a:effectRef idx="1">
+            <a:schemeClr val="accent1"/>
+          </a:effectRef>
+          <a:fontRef idx="minor">
+            <a:schemeClr val="tx1"/>
+          </a:fontRef>
+        </p:style>
+      </p:cxnSp>
+      <p:cxnSp>
+        <p:nvCxnSpPr>
+          <p:cNvPr id="18" name="Straight Connector 17"/>
+          <p:cNvCxnSpPr/>
+          <p:nvPr/>
+        </p:nvCxnSpPr>
+        <p:spPr>
+          <a:xfrm>
+            <a:off x="6962227" y="2133600"/>
+            <a:ext cx="0" cy="3966882"/>
+          </a:xfrm>
+          <a:prstGeom prst="line">
+            <a:avLst/>
+          </a:prstGeom>
+          <a:ln w="12700" cmpd="sng">
+            <a:solidFill>
+              <a:schemeClr val="bg2">
+                <a:lumMod val="40000"/>
+                <a:lumOff val="60000"/>
+                <a:alpha val="40000"/>
+              </a:schemeClr>
+            </a:solidFill>
+          </a:ln>
+        </p:spPr>
+        <p:style>
+          <a:lnRef idx="2">
+            <a:schemeClr val="accent1"/>
+          </a:lnRef>
+          <a:fillRef idx="0">
+            <a:schemeClr val="accent1"/>
+          </a:fillRef>
+          <a:effectRef idx="1">
+            <a:schemeClr val="accent1"/>
+          </a:effectRef>
+          <a:fontRef idx="minor">
+            <a:schemeClr val="tx1"/>
+          </a:fontRef>
+        </p:style>
+      </p:cxnSp>
+      <p:sp>
+        <p:nvSpPr>
+          <p:cNvPr id="7" name="Date Placeholder 3"/>
+          <p:cNvSpPr>
+            <a:spLocks noGrp="1"/>
+          </p:cNvSpPr>
+          <p:nvPr>
+            <p:ph type="dt" sz="half" idx="10"/>
+          </p:nvPr>
+        </p:nvSpPr>
+        <p:spPr/>
+        <p:txBody>
+          <a:bodyPr/>
+          <a:lstStyle/>
+          <a:p>
+            <a:fld id="{BB57D48A-DF84-4AD1-B677-45A21F9EA7A8}" type="datetimeFigureOut">
+              <a:rPr lang="en-US" smtClean="0"/>
+              <a:t>11/13/2021</a:t>
+            </a:fld>
+            <a:endParaRPr lang="en-US"/>
+          </a:p>
+        </p:txBody>
+      </p:sp>
+      <p:sp>
+        <p:nvSpPr>
+          <p:cNvPr id="4" name="Footer Placeholder 4"/>
+          <p:cNvSpPr>
+            <a:spLocks noGrp="1"/>
+          </p:cNvSpPr>
+          <p:nvPr>
+            <p:ph type="ftr" sz="quarter" idx="11"/>
+          </p:nvPr>
+        </p:nvSpPr>
+        <p:spPr/>
+        <p:txBody>
+          <a:bodyPr/>
+          <a:lstStyle/>
+          <a:p>
+            <a:endParaRPr lang="en-US"/>
+          </a:p>
+        </p:txBody>
+      </p:sp>
+      <p:sp>
+        <p:nvSpPr>
+          <p:cNvPr id="6" name="Slide Number Placeholder 5"/>
+          <p:cNvSpPr>
+            <a:spLocks noGrp="1"/>
+          </p:cNvSpPr>
+          <p:nvPr>
+            <p:ph type="sldNum" sz="quarter" idx="12"/>
+          </p:nvPr>
+        </p:nvSpPr>
+        <p:spPr/>
+        <p:txBody>
+          <a:bodyPr/>
+          <a:lstStyle/>
+          <a:p>
+            <a:fld id="{1DE00D2E-5CE5-4399-8D2A-C20CB3DC5E77}" type="slidenum">
+              <a:rPr lang="en-US" smtClean="0"/>
+              <a:t>‹#›</a:t>
+            </a:fld>
+            <a:endParaRPr lang="en-US"/>
+          </a:p>
+        </p:txBody>
+      </p:sp>
+    </p:spTree>
+    <p:extLst>
+      <p:ext uri="{BB962C8B-B14F-4D97-AF65-F5344CB8AC3E}">
+        <p14:creationId xmlns:p14="http://schemas.microsoft.com/office/powerpoint/2010/main" val="4027484265"/>
+      </p:ext>
+    </p:extLst>
+  </p:cSld>
+  <p:clrMapOvr>
+    <a:masterClrMapping/>
+  </p:clrMapOvr>
+</p:sldLayout>
+</file>
+
+<file path=ppt/slideLayouts/slideLayout15.xml><?xml version="1.0" encoding="utf-8"?>
+<p:sldLayout xmlns:a="http://schemas.openxmlformats.org/drawingml/2006/main" xmlns:r="http://schemas.openxmlformats.org/officeDocument/2006/relationships" xmlns:p="http://schemas.openxmlformats.org/presentationml/2006/main" preserve="1">
+  <p:cSld name="3 Picture Column">
+    <p:spTree>
+      <p:nvGrpSpPr>
+        <p:cNvPr id="1" name=""/>
+        <p:cNvGrpSpPr/>
+        <p:nvPr/>
+      </p:nvGrpSpPr>
+      <p:grpSpPr>
+        <a:xfrm>
+          <a:off x="0" y="0"/>
+          <a:ext cx="0" cy="0"/>
+          <a:chOff x="0" y="0"/>
+          <a:chExt cx="0" cy="0"/>
+        </a:xfrm>
+      </p:grpSpPr>
+      <p:sp>
+        <p:nvSpPr>
+          <p:cNvPr id="2" name="Title 1"/>
+          <p:cNvSpPr>
+            <a:spLocks noGrp="1"/>
+          </p:cNvSpPr>
+          <p:nvPr>
+            <p:ph type="title"/>
+          </p:nvPr>
+        </p:nvSpPr>
+        <p:spPr/>
+        <p:txBody>
+          <a:bodyPr/>
+          <a:lstStyle>
+            <a:lvl1pPr>
+              <a:defRPr sz="4200"/>
+            </a:lvl1pPr>
+          </a:lstStyle>
+          <a:p>
+            <a:r>
+              <a:rPr lang="en-US"/>
+              <a:t>Click to edit Master title style</a:t>
+            </a:r>
+            <a:endParaRPr lang="en-US" dirty="0"/>
+          </a:p>
+        </p:txBody>
+      </p:sp>
+      <p:sp>
+        <p:nvSpPr>
+          <p:cNvPr id="3" name="Text Placeholder 2"/>
+          <p:cNvSpPr>
+            <a:spLocks noGrp="1"/>
+          </p:cNvSpPr>
+          <p:nvPr>
+            <p:ph type="body" idx="1"/>
+          </p:nvPr>
+        </p:nvSpPr>
+        <p:spPr>
+          <a:xfrm>
+            <a:off x="652463" y="4250949"/>
+            <a:ext cx="2940050" cy="576262"/>
+          </a:xfrm>
+        </p:spPr>
+        <p:txBody>
+          <a:bodyPr anchor="b">
+            <a:noAutofit/>
+          </a:bodyPr>
+          <a:lstStyle>
+            <a:lvl1pPr marL="0" indent="0">
+              <a:buNone/>
+              <a:defRPr sz="2400" b="0">
+                <a:solidFill>
+                  <a:schemeClr val="bg2">
+                    <a:lumMod val="40000"/>
+                    <a:lumOff val="60000"/>
+                  </a:schemeClr>
+                </a:solidFill>
+              </a:defRPr>
+            </a:lvl1pPr>
+            <a:lvl2pPr marL="457200" indent="0">
+              <a:buNone/>
+              <a:defRPr sz="2000" b="1"/>
+            </a:lvl2pPr>
+            <a:lvl3pPr marL="914400" indent="0">
+              <a:buNone/>
+              <a:defRPr sz="1800" b="1"/>
+            </a:lvl3pPr>
+            <a:lvl4pPr marL="1371600" indent="0">
+              <a:buNone/>
+              <a:defRPr sz="1600" b="1"/>
+            </a:lvl4pPr>
+            <a:lvl5pPr marL="1828800" indent="0">
+              <a:buNone/>
+              <a:defRPr sz="1600" b="1"/>
+            </a:lvl5pPr>
+            <a:lvl6pPr marL="2286000" indent="0">
+              <a:buNone/>
+              <a:defRPr sz="1600" b="1"/>
+            </a:lvl6pPr>
+            <a:lvl7pPr marL="2743200" indent="0">
+              <a:buNone/>
+              <a:defRPr sz="1600" b="1"/>
+            </a:lvl7pPr>
+            <a:lvl8pPr marL="3200400" indent="0">
+              <a:buNone/>
+              <a:defRPr sz="1600" b="1"/>
+            </a:lvl8pPr>
+            <a:lvl9pPr marL="3657600" indent="0">
+              <a:buNone/>
+              <a:defRPr sz="1600" b="1"/>
+            </a:lvl9pPr>
+          </a:lstStyle>
+          <a:p>
+            <a:pPr lvl="0"/>
+            <a:r>
+              <a:rPr lang="en-US"/>
+              <a:t>Click to edit Master text styles</a:t>
+            </a:r>
+          </a:p>
+        </p:txBody>
+      </p:sp>
+      <p:sp>
+        <p:nvSpPr>
+          <p:cNvPr id="29" name="Picture Placeholder 2"/>
+          <p:cNvSpPr>
+            <a:spLocks noGrp="1" noChangeAspect="1"/>
+          </p:cNvSpPr>
+          <p:nvPr>
+            <p:ph type="pic" idx="15"/>
+          </p:nvPr>
+        </p:nvSpPr>
+        <p:spPr>
+          <a:xfrm>
+            <a:off x="652463" y="2209800"/>
+            <a:ext cx="2940050" cy="1524000"/>
+          </a:xfrm>
+          <a:prstGeom prst="roundRect">
+            <a:avLst>
+              <a:gd name="adj" fmla="val 1858"/>
+            </a:avLst>
+          </a:prstGeom>
+          <a:effectLst>
+            <a:outerShdw blurRad="50800" dist="50800" dir="5400000" algn="tl" rotWithShape="0">
+              <a:srgbClr val="000000">
+                <a:alpha val="43000"/>
+              </a:srgbClr>
+            </a:outerShdw>
+          </a:effectLst>
+        </p:spPr>
+        <p:txBody>
+          <a:bodyPr anchor="t">
+            <a:normAutofit/>
+          </a:bodyPr>
+          <a:lstStyle>
+            <a:lvl1pPr marL="0" indent="0" algn="ctr">
+              <a:buNone/>
+              <a:defRPr sz="1600"/>
+            </a:lvl1pPr>
+            <a:lvl2pPr marL="457200" indent="0">
+              <a:buNone/>
+              <a:defRPr sz="1600"/>
+            </a:lvl2pPr>
+            <a:lvl3pPr marL="914400" indent="0">
+              <a:buNone/>
+              <a:defRPr sz="1600"/>
+            </a:lvl3pPr>
+            <a:lvl4pPr marL="1371600" indent="0">
+              <a:buNone/>
+              <a:defRPr sz="1600"/>
+            </a:lvl4pPr>
+            <a:lvl5pPr marL="1828800" indent="0">
+              <a:buNone/>
+              <a:defRPr sz="1600"/>
+            </a:lvl5pPr>
+            <a:lvl6pPr marL="2286000" indent="0">
+              <a:buNone/>
+              <a:defRPr sz="1600"/>
+            </a:lvl6pPr>
+            <a:lvl7pPr marL="2743200" indent="0">
+              <a:buNone/>
+              <a:defRPr sz="1600"/>
+            </a:lvl7pPr>
+            <a:lvl8pPr marL="3200400" indent="0">
+              <a:buNone/>
+              <a:defRPr sz="1600"/>
+            </a:lvl8pPr>
+            <a:lvl9pPr marL="3657600" indent="0">
+              <a:buNone/>
+              <a:defRPr sz="1600"/>
+            </a:lvl9pPr>
+          </a:lstStyle>
+          <a:p>
+            <a:r>
+              <a:rPr lang="en-US"/>
+              <a:t>Click icon to add picture</a:t>
+            </a:r>
+            <a:endParaRPr lang="en-US" dirty="0"/>
+          </a:p>
+        </p:txBody>
+      </p:sp>
+      <p:sp>
+        <p:nvSpPr>
+          <p:cNvPr id="22" name="Text Placeholder 3"/>
+          <p:cNvSpPr>
+            <a:spLocks noGrp="1"/>
+          </p:cNvSpPr>
+          <p:nvPr>
+            <p:ph type="body" sz="half" idx="18"/>
+          </p:nvPr>
+        </p:nvSpPr>
+        <p:spPr>
+          <a:xfrm>
+            <a:off x="652463" y="4827211"/>
+            <a:ext cx="2940050" cy="659189"/>
+          </a:xfrm>
+        </p:spPr>
+        <p:txBody>
+          <a:bodyPr anchor="t">
+            <a:normAutofit/>
+          </a:bodyPr>
+          <a:lstStyle>
+            <a:lvl1pPr marL="0" indent="0">
+              <a:buNone/>
+              <a:defRPr sz="1400"/>
+            </a:lvl1pPr>
+            <a:lvl2pPr marL="457200" indent="0">
+              <a:buNone/>
+              <a:defRPr sz="1200"/>
+            </a:lvl2pPr>
+            <a:lvl3pPr marL="914400" indent="0">
+              <a:buNone/>
+              <a:defRPr sz="1000"/>
+            </a:lvl3pPr>
+            <a:lvl4pPr marL="1371600" indent="0">
+              <a:buNone/>
+              <a:defRPr sz="900"/>
+            </a:lvl4pPr>
+            <a:lvl5pPr marL="1828800" indent="0">
+              <a:buNone/>
+              <a:defRPr sz="900"/>
+            </a:lvl5pPr>
+            <a:lvl6pPr marL="2286000" indent="0">
+              <a:buNone/>
+              <a:defRPr sz="900"/>
+            </a:lvl6pPr>
+            <a:lvl7pPr marL="2743200" indent="0">
+              <a:buNone/>
+              <a:defRPr sz="900"/>
+            </a:lvl7pPr>
+            <a:lvl8pPr marL="3200400" indent="0">
+              <a:buNone/>
+              <a:defRPr sz="900"/>
+            </a:lvl8pPr>
+            <a:lvl9pPr marL="3657600" indent="0">
+              <a:buNone/>
+              <a:defRPr sz="900"/>
+            </a:lvl9pPr>
+          </a:lstStyle>
+          <a:p>
+            <a:pPr lvl="0"/>
+            <a:r>
+              <a:rPr lang="en-US"/>
+              <a:t>Click to edit Master text styles</a:t>
+            </a:r>
+          </a:p>
+        </p:txBody>
+      </p:sp>
+      <p:sp>
+        <p:nvSpPr>
+          <p:cNvPr id="5" name="Text Placeholder 4"/>
+          <p:cNvSpPr>
+            <a:spLocks noGrp="1"/>
+          </p:cNvSpPr>
+          <p:nvPr>
+            <p:ph type="body" sz="quarter" idx="3"/>
+          </p:nvPr>
+        </p:nvSpPr>
+        <p:spPr>
+          <a:xfrm>
+            <a:off x="3889375" y="4250949"/>
+            <a:ext cx="2930525" cy="576262"/>
+          </a:xfrm>
+        </p:spPr>
+        <p:txBody>
+          <a:bodyPr anchor="b">
+            <a:noAutofit/>
+          </a:bodyPr>
+          <a:lstStyle>
+            <a:lvl1pPr marL="0" indent="0">
+              <a:buNone/>
+              <a:defRPr sz="2400" b="0">
+                <a:solidFill>
+                  <a:schemeClr val="bg2">
+                    <a:lumMod val="40000"/>
+                    <a:lumOff val="60000"/>
+                  </a:schemeClr>
+                </a:solidFill>
+              </a:defRPr>
+            </a:lvl1pPr>
+            <a:lvl2pPr marL="457200" indent="0">
+              <a:buNone/>
+              <a:defRPr sz="2000" b="1"/>
+            </a:lvl2pPr>
+            <a:lvl3pPr marL="914400" indent="0">
+              <a:buNone/>
+              <a:defRPr sz="1800" b="1"/>
+            </a:lvl3pPr>
+            <a:lvl4pPr marL="1371600" indent="0">
+              <a:buNone/>
+              <a:defRPr sz="1600" b="1"/>
+            </a:lvl4pPr>
+            <a:lvl5pPr marL="1828800" indent="0">
+              <a:buNone/>
+              <a:defRPr sz="1600" b="1"/>
+            </a:lvl5pPr>
+            <a:lvl6pPr marL="2286000" indent="0">
+              <a:buNone/>
+              <a:defRPr sz="1600" b="1"/>
+            </a:lvl6pPr>
+            <a:lvl7pPr marL="2743200" indent="0">
+              <a:buNone/>
+              <a:defRPr sz="1600" b="1"/>
+            </a:lvl7pPr>
+            <a:lvl8pPr marL="3200400" indent="0">
+              <a:buNone/>
+              <a:defRPr sz="1600" b="1"/>
+            </a:lvl8pPr>
+            <a:lvl9pPr marL="3657600" indent="0">
+              <a:buNone/>
+              <a:defRPr sz="1600" b="1"/>
+            </a:lvl9pPr>
+          </a:lstStyle>
+          <a:p>
+            <a:pPr lvl="0"/>
+            <a:r>
+              <a:rPr lang="en-US"/>
+              <a:t>Click to edit Master text styles</a:t>
+            </a:r>
+          </a:p>
+        </p:txBody>
+      </p:sp>
+      <p:sp>
+        <p:nvSpPr>
+          <p:cNvPr id="30" name="Picture Placeholder 2"/>
+          <p:cNvSpPr>
+            <a:spLocks noGrp="1" noChangeAspect="1"/>
+          </p:cNvSpPr>
+          <p:nvPr>
+            <p:ph type="pic" idx="21"/>
+          </p:nvPr>
+        </p:nvSpPr>
+        <p:spPr>
+          <a:xfrm>
+            <a:off x="3889374" y="2209800"/>
+            <a:ext cx="2930525" cy="1524000"/>
+          </a:xfrm>
+          <a:prstGeom prst="roundRect">
+            <a:avLst>
+              <a:gd name="adj" fmla="val 1858"/>
+            </a:avLst>
+          </a:prstGeom>
+          <a:effectLst>
+            <a:outerShdw blurRad="50800" dist="50800" dir="5400000" algn="tl" rotWithShape="0">
+              <a:srgbClr val="000000">
+                <a:alpha val="43000"/>
+              </a:srgbClr>
+            </a:outerShdw>
+          </a:effectLst>
+        </p:spPr>
+        <p:txBody>
+          <a:bodyPr anchor="t">
+            <a:normAutofit/>
+          </a:bodyPr>
+          <a:lstStyle>
+            <a:lvl1pPr marL="0" indent="0" algn="ctr">
+              <a:buNone/>
+              <a:defRPr sz="1600"/>
+            </a:lvl1pPr>
+            <a:lvl2pPr marL="457200" indent="0">
+              <a:buNone/>
+              <a:defRPr sz="1600"/>
+            </a:lvl2pPr>
+            <a:lvl3pPr marL="914400" indent="0">
+              <a:buNone/>
+              <a:defRPr sz="1600"/>
+            </a:lvl3pPr>
+            <a:lvl4pPr marL="1371600" indent="0">
+              <a:buNone/>
+              <a:defRPr sz="1600"/>
+            </a:lvl4pPr>
+            <a:lvl5pPr marL="1828800" indent="0">
+              <a:buNone/>
+              <a:defRPr sz="1600"/>
+            </a:lvl5pPr>
+            <a:lvl6pPr marL="2286000" indent="0">
+              <a:buNone/>
+              <a:defRPr sz="1600"/>
+            </a:lvl6pPr>
+            <a:lvl7pPr marL="2743200" indent="0">
+              <a:buNone/>
+              <a:defRPr sz="1600"/>
+            </a:lvl7pPr>
+            <a:lvl8pPr marL="3200400" indent="0">
+              <a:buNone/>
+              <a:defRPr sz="1600"/>
+            </a:lvl8pPr>
+            <a:lvl9pPr marL="3657600" indent="0">
+              <a:buNone/>
+              <a:defRPr sz="1600"/>
+            </a:lvl9pPr>
+          </a:lstStyle>
+          <a:p>
+            <a:r>
+              <a:rPr lang="en-US"/>
+              <a:t>Click icon to add picture</a:t>
+            </a:r>
+            <a:endParaRPr lang="en-US" dirty="0"/>
+          </a:p>
+        </p:txBody>
+      </p:sp>
+      <p:sp>
+        <p:nvSpPr>
+          <p:cNvPr id="23" name="Text Placeholder 3"/>
+          <p:cNvSpPr>
+            <a:spLocks noGrp="1"/>
+          </p:cNvSpPr>
+          <p:nvPr>
+            <p:ph type="body" sz="half" idx="19"/>
+          </p:nvPr>
+        </p:nvSpPr>
+        <p:spPr>
+          <a:xfrm>
+            <a:off x="3888022" y="4827210"/>
+            <a:ext cx="2934406" cy="659189"/>
+          </a:xfrm>
+        </p:spPr>
+        <p:txBody>
+          <a:bodyPr anchor="t">
+            <a:normAutofit/>
+          </a:bodyPr>
+          <a:lstStyle>
+            <a:lvl1pPr marL="0" indent="0">
+              <a:buNone/>
+              <a:defRPr sz="1400"/>
+            </a:lvl1pPr>
+            <a:lvl2pPr marL="457200" indent="0">
+              <a:buNone/>
+              <a:defRPr sz="1200"/>
+            </a:lvl2pPr>
+            <a:lvl3pPr marL="914400" indent="0">
+              <a:buNone/>
+              <a:defRPr sz="1000"/>
+            </a:lvl3pPr>
+            <a:lvl4pPr marL="1371600" indent="0">
+              <a:buNone/>
+              <a:defRPr sz="900"/>
+            </a:lvl4pPr>
+            <a:lvl5pPr marL="1828800" indent="0">
+              <a:buNone/>
+              <a:defRPr sz="900"/>
+            </a:lvl5pPr>
+            <a:lvl6pPr marL="2286000" indent="0">
+              <a:buNone/>
+              <a:defRPr sz="900"/>
+            </a:lvl6pPr>
+            <a:lvl7pPr marL="2743200" indent="0">
+              <a:buNone/>
+              <a:defRPr sz="900"/>
+            </a:lvl7pPr>
+            <a:lvl8pPr marL="3200400" indent="0">
+              <a:buNone/>
+              <a:defRPr sz="900"/>
+            </a:lvl8pPr>
+            <a:lvl9pPr marL="3657600" indent="0">
+              <a:buNone/>
+              <a:defRPr sz="900"/>
+            </a:lvl9pPr>
+          </a:lstStyle>
+          <a:p>
+            <a:pPr lvl="0"/>
+            <a:r>
+              <a:rPr lang="en-US"/>
+              <a:t>Click to edit Master text styles</a:t>
+            </a:r>
+          </a:p>
+        </p:txBody>
+      </p:sp>
+      <p:sp>
+        <p:nvSpPr>
+          <p:cNvPr id="14" name="Text Placeholder 4"/>
+          <p:cNvSpPr>
+            <a:spLocks noGrp="1"/>
+          </p:cNvSpPr>
+          <p:nvPr>
+            <p:ph type="body" sz="quarter" idx="13"/>
+          </p:nvPr>
+        </p:nvSpPr>
+        <p:spPr>
+          <a:xfrm>
+            <a:off x="7124700" y="4250949"/>
+            <a:ext cx="2932113" cy="576262"/>
+          </a:xfrm>
+        </p:spPr>
+        <p:txBody>
+          <a:bodyPr anchor="b">
+            <a:noAutofit/>
+          </a:bodyPr>
+          <a:lstStyle>
+            <a:lvl1pPr marL="0" indent="0">
+              <a:buNone/>
+              <a:defRPr sz="2400" b="0">
+                <a:solidFill>
+                  <a:schemeClr val="bg2">
+                    <a:lumMod val="40000"/>
+                    <a:lumOff val="60000"/>
+                  </a:schemeClr>
+                </a:solidFill>
+              </a:defRPr>
+            </a:lvl1pPr>
+            <a:lvl2pPr marL="457200" indent="0">
+              <a:buNone/>
+              <a:defRPr sz="2000" b="1"/>
+            </a:lvl2pPr>
+            <a:lvl3pPr marL="914400" indent="0">
+              <a:buNone/>
+              <a:defRPr sz="1800" b="1"/>
+            </a:lvl3pPr>
+            <a:lvl4pPr marL="1371600" indent="0">
+              <a:buNone/>
+              <a:defRPr sz="1600" b="1"/>
+            </a:lvl4pPr>
+            <a:lvl5pPr marL="1828800" indent="0">
+              <a:buNone/>
+              <a:defRPr sz="1600" b="1"/>
+            </a:lvl5pPr>
+            <a:lvl6pPr marL="2286000" indent="0">
+              <a:buNone/>
+              <a:defRPr sz="1600" b="1"/>
+            </a:lvl6pPr>
+            <a:lvl7pPr marL="2743200" indent="0">
+              <a:buNone/>
+              <a:defRPr sz="1600" b="1"/>
+            </a:lvl7pPr>
+            <a:lvl8pPr marL="3200400" indent="0">
+              <a:buNone/>
+              <a:defRPr sz="1600" b="1"/>
+            </a:lvl8pPr>
+            <a:lvl9pPr marL="3657600" indent="0">
+              <a:buNone/>
+              <a:defRPr sz="1600" b="1"/>
+            </a:lvl9pPr>
+          </a:lstStyle>
+          <a:p>
+            <a:pPr lvl="0"/>
+            <a:r>
+              <a:rPr lang="en-US"/>
+              <a:t>Click to edit Master text styles</a:t>
+            </a:r>
+          </a:p>
+        </p:txBody>
+      </p:sp>
+      <p:sp>
+        <p:nvSpPr>
+          <p:cNvPr id="31" name="Picture Placeholder 2"/>
+          <p:cNvSpPr>
+            <a:spLocks noGrp="1" noChangeAspect="1"/>
+          </p:cNvSpPr>
+          <p:nvPr>
+            <p:ph type="pic" idx="22"/>
+          </p:nvPr>
+        </p:nvSpPr>
+        <p:spPr>
+          <a:xfrm>
+            <a:off x="7124699" y="2209800"/>
+            <a:ext cx="2932113" cy="1524000"/>
+          </a:xfrm>
+          <a:prstGeom prst="roundRect">
+            <a:avLst>
+              <a:gd name="adj" fmla="val 1858"/>
+            </a:avLst>
+          </a:prstGeom>
+          <a:effectLst>
+            <a:outerShdw blurRad="50800" dist="50800" dir="5400000" algn="tl" rotWithShape="0">
+              <a:srgbClr val="000000">
+                <a:alpha val="43000"/>
+              </a:srgbClr>
+            </a:outerShdw>
+          </a:effectLst>
+        </p:spPr>
+        <p:txBody>
+          <a:bodyPr anchor="t">
+            <a:normAutofit/>
+          </a:bodyPr>
+          <a:lstStyle>
+            <a:lvl1pPr marL="0" indent="0" algn="ctr">
+              <a:buNone/>
+              <a:defRPr sz="1600"/>
+            </a:lvl1pPr>
+            <a:lvl2pPr marL="457200" indent="0">
+              <a:buNone/>
+              <a:defRPr sz="1600"/>
+            </a:lvl2pPr>
+            <a:lvl3pPr marL="914400" indent="0">
+              <a:buNone/>
+              <a:defRPr sz="1600"/>
+            </a:lvl3pPr>
+            <a:lvl4pPr marL="1371600" indent="0">
+              <a:buNone/>
+              <a:defRPr sz="1600"/>
+            </a:lvl4pPr>
+            <a:lvl5pPr marL="1828800" indent="0">
+              <a:buNone/>
+              <a:defRPr sz="1600"/>
+            </a:lvl5pPr>
+            <a:lvl6pPr marL="2286000" indent="0">
+              <a:buNone/>
+              <a:defRPr sz="1600"/>
+            </a:lvl6pPr>
+            <a:lvl7pPr marL="2743200" indent="0">
+              <a:buNone/>
+              <a:defRPr sz="1600"/>
+            </a:lvl7pPr>
+            <a:lvl8pPr marL="3200400" indent="0">
+              <a:buNone/>
+              <a:defRPr sz="1600"/>
+            </a:lvl8pPr>
+            <a:lvl9pPr marL="3657600" indent="0">
+              <a:buNone/>
+              <a:defRPr sz="1600"/>
+            </a:lvl9pPr>
+          </a:lstStyle>
+          <a:p>
+            <a:r>
+              <a:rPr lang="en-US"/>
+              <a:t>Click icon to add picture</a:t>
+            </a:r>
+            <a:endParaRPr lang="en-US" dirty="0"/>
+          </a:p>
+        </p:txBody>
+      </p:sp>
+      <p:sp>
+        <p:nvSpPr>
+          <p:cNvPr id="24" name="Text Placeholder 3"/>
+          <p:cNvSpPr>
+            <a:spLocks noGrp="1"/>
+          </p:cNvSpPr>
+          <p:nvPr>
+            <p:ph type="body" sz="half" idx="20"/>
+          </p:nvPr>
+        </p:nvSpPr>
+        <p:spPr>
+          <a:xfrm>
+            <a:off x="7124575" y="4827208"/>
+            <a:ext cx="2935997" cy="659189"/>
+          </a:xfrm>
+        </p:spPr>
+        <p:txBody>
+          <a:bodyPr anchor="t">
+            <a:normAutofit/>
+          </a:bodyPr>
+          <a:lstStyle>
+            <a:lvl1pPr marL="0" indent="0">
+              <a:buNone/>
+              <a:defRPr sz="1400"/>
+            </a:lvl1pPr>
+            <a:lvl2pPr marL="457200" indent="0">
+              <a:buNone/>
+              <a:defRPr sz="1200"/>
+            </a:lvl2pPr>
+            <a:lvl3pPr marL="914400" indent="0">
+              <a:buNone/>
+              <a:defRPr sz="1000"/>
+            </a:lvl3pPr>
+            <a:lvl4pPr marL="1371600" indent="0">
+              <a:buNone/>
+              <a:defRPr sz="900"/>
+            </a:lvl4pPr>
+            <a:lvl5pPr marL="1828800" indent="0">
+              <a:buNone/>
+              <a:defRPr sz="900"/>
+            </a:lvl5pPr>
+            <a:lvl6pPr marL="2286000" indent="0">
+              <a:buNone/>
+              <a:defRPr sz="900"/>
+            </a:lvl6pPr>
+            <a:lvl7pPr marL="2743200" indent="0">
+              <a:buNone/>
+              <a:defRPr sz="900"/>
+            </a:lvl7pPr>
+            <a:lvl8pPr marL="3200400" indent="0">
+              <a:buNone/>
+              <a:defRPr sz="900"/>
+            </a:lvl8pPr>
+            <a:lvl9pPr marL="3657600" indent="0">
+              <a:buNone/>
+              <a:defRPr sz="900"/>
+            </a:lvl9pPr>
+          </a:lstStyle>
+          <a:p>
+            <a:pPr lvl="0"/>
+            <a:r>
+              <a:rPr lang="en-US"/>
+              <a:t>Click to edit Master text styles</a:t>
+            </a:r>
+          </a:p>
+        </p:txBody>
+      </p:sp>
+      <p:cxnSp>
+        <p:nvCxnSpPr>
+          <p:cNvPr id="19" name="Straight Connector 18"/>
+          <p:cNvCxnSpPr/>
+          <p:nvPr/>
+        </p:nvCxnSpPr>
+        <p:spPr>
+          <a:xfrm>
+            <a:off x="3726142" y="2133600"/>
+            <a:ext cx="0" cy="3962400"/>
+          </a:xfrm>
+          <a:prstGeom prst="line">
+            <a:avLst/>
+          </a:prstGeom>
+          <a:ln w="12700" cmpd="sng">
+            <a:solidFill>
+              <a:schemeClr val="bg2">
+                <a:lumMod val="40000"/>
+                <a:lumOff val="60000"/>
+                <a:alpha val="40000"/>
+              </a:schemeClr>
+            </a:solidFill>
+          </a:ln>
+        </p:spPr>
+        <p:style>
+          <a:lnRef idx="2">
+            <a:schemeClr val="accent1"/>
+          </a:lnRef>
+          <a:fillRef idx="0">
+            <a:schemeClr val="accent1"/>
+          </a:fillRef>
+          <a:effectRef idx="1">
+            <a:schemeClr val="accent1"/>
+          </a:effectRef>
+          <a:fontRef idx="minor">
+            <a:schemeClr val="tx1"/>
+          </a:fontRef>
+        </p:style>
+      </p:cxnSp>
+      <p:cxnSp>
+        <p:nvCxnSpPr>
+          <p:cNvPr id="20" name="Straight Connector 19"/>
+          <p:cNvCxnSpPr/>
+          <p:nvPr/>
+        </p:nvCxnSpPr>
+        <p:spPr>
+          <a:xfrm>
+            <a:off x="6962227" y="2133600"/>
+            <a:ext cx="0" cy="3966882"/>
+          </a:xfrm>
+          <a:prstGeom prst="line">
+            <a:avLst/>
+          </a:prstGeom>
+          <a:ln w="12700" cmpd="sng">
+            <a:solidFill>
+              <a:schemeClr val="bg2">
+                <a:lumMod val="40000"/>
+                <a:lumOff val="60000"/>
+                <a:alpha val="40000"/>
+              </a:schemeClr>
+            </a:solidFill>
+          </a:ln>
+        </p:spPr>
+        <p:style>
+          <a:lnRef idx="2">
+            <a:schemeClr val="accent1"/>
+          </a:lnRef>
+          <a:fillRef idx="0">
+            <a:schemeClr val="accent1"/>
+          </a:fillRef>
+          <a:effectRef idx="1">
+            <a:schemeClr val="accent1"/>
+          </a:effectRef>
+          <a:fontRef idx="minor">
+            <a:schemeClr val="tx1"/>
+          </a:fontRef>
+        </p:style>
+      </p:cxnSp>
+      <p:sp>
+        <p:nvSpPr>
+          <p:cNvPr id="7" name="Date Placeholder 3"/>
+          <p:cNvSpPr>
+            <a:spLocks noGrp="1"/>
+          </p:cNvSpPr>
+          <p:nvPr>
+            <p:ph type="dt" sz="half" idx="10"/>
+          </p:nvPr>
+        </p:nvSpPr>
+        <p:spPr/>
+        <p:txBody>
+          <a:bodyPr/>
+          <a:lstStyle/>
+          <a:p>
+            <a:fld id="{BB57D48A-DF84-4AD1-B677-45A21F9EA7A8}" type="datetimeFigureOut">
+              <a:rPr lang="en-US" smtClean="0"/>
+              <a:t>11/13/2021</a:t>
+            </a:fld>
+            <a:endParaRPr lang="en-US"/>
+          </a:p>
+        </p:txBody>
+      </p:sp>
+      <p:sp>
+        <p:nvSpPr>
+          <p:cNvPr id="4" name="Footer Placeholder 4"/>
+          <p:cNvSpPr>
+            <a:spLocks noGrp="1"/>
+          </p:cNvSpPr>
+          <p:nvPr>
+            <p:ph type="ftr" sz="quarter" idx="11"/>
+          </p:nvPr>
+        </p:nvSpPr>
+        <p:spPr/>
+        <p:txBody>
+          <a:bodyPr/>
+          <a:lstStyle/>
+          <a:p>
+            <a:endParaRPr lang="en-US"/>
+          </a:p>
+        </p:txBody>
+      </p:sp>
+      <p:sp>
+        <p:nvSpPr>
+          <p:cNvPr id="6" name="Slide Number Placeholder 5"/>
+          <p:cNvSpPr>
+            <a:spLocks noGrp="1"/>
+          </p:cNvSpPr>
+          <p:nvPr>
+            <p:ph type="sldNum" sz="quarter" idx="12"/>
+          </p:nvPr>
+        </p:nvSpPr>
+        <p:spPr/>
+        <p:txBody>
+          <a:bodyPr/>
+          <a:lstStyle/>
+          <a:p>
+            <a:fld id="{1DE00D2E-5CE5-4399-8D2A-C20CB3DC5E77}" type="slidenum">
+              <a:rPr lang="en-US" smtClean="0"/>
+              <a:t>‹#›</a:t>
+            </a:fld>
+            <a:endParaRPr lang="en-US"/>
+          </a:p>
+        </p:txBody>
+      </p:sp>
+    </p:spTree>
+    <p:extLst>
+      <p:ext uri="{BB962C8B-B14F-4D97-AF65-F5344CB8AC3E}">
+        <p14:creationId xmlns:p14="http://schemas.microsoft.com/office/powerpoint/2010/main" val="851279571"/>
+      </p:ext>
+    </p:extLst>
+  </p:cSld>
+  <p:clrMapOvr>
+    <a:masterClrMapping/>
+  </p:clrMapOvr>
+</p:sldLayout>
+</file>
+
+<file path=ppt/slideLayouts/slideLayout16.xml><?xml version="1.0" encoding="utf-8"?>
 <p:sldLayout xmlns:a="http://schemas.openxmlformats.org/drawingml/2006/main" xmlns:r="http://schemas.openxmlformats.org/officeDocument/2006/relationships" xmlns:p="http://schemas.openxmlformats.org/presentationml/2006/main" type="vertTx" preserve="1">
   <p:cSld name="Title and Vertical Text">
     <p:spTree>
@@ -353,13 +2955,7 @@
       </p:grpSpPr>
       <p:sp>
         <p:nvSpPr>
-          <p:cNvPr id="2" name="Title 1">
-            <a:extLst>
-              <a:ext uri="{FF2B5EF4-FFF2-40B4-BE49-F238E27FC236}">
-                <a16:creationId xmlns:a16="http://schemas.microsoft.com/office/drawing/2014/main" id="{EC9A6EE9-EE83-4EC1-A44B-4A1D5C721222}"/>
-              </a:ext>
-            </a:extLst>
-          </p:cNvPr>
+          <p:cNvPr id="2" name="Title 1"/>
           <p:cNvSpPr>
             <a:spLocks noGrp="1"/>
           </p:cNvSpPr>
@@ -376,18 +2972,13 @@
               <a:rPr lang="en-US"/>
               <a:t>Click to edit Master title style</a:t>
             </a:r>
-          </a:p>
-        </p:txBody>
-      </p:sp>
-      <p:sp>
-        <p:nvSpPr>
-          <p:cNvPr id="3" name="Vertical Text Placeholder 2">
-            <a:extLst>
-              <a:ext uri="{FF2B5EF4-FFF2-40B4-BE49-F238E27FC236}">
-                <a16:creationId xmlns:a16="http://schemas.microsoft.com/office/drawing/2014/main" id="{C1A9AE94-6A62-4215-AFBB-C2DA080C3DBE}"/>
-              </a:ext>
-            </a:extLst>
-          </p:cNvPr>
+            <a:endParaRPr lang="en-US" dirty="0"/>
+          </a:p>
+        </p:txBody>
+      </p:sp>
+      <p:sp>
+        <p:nvSpPr>
+          <p:cNvPr id="3" name="Vertical Text Placeholder 2"/>
           <p:cNvSpPr>
             <a:spLocks noGrp="1"/>
           </p:cNvSpPr>
@@ -397,7 +2988,7 @@
         </p:nvSpPr>
         <p:spPr/>
         <p:txBody>
-          <a:bodyPr vert="eaVert"/>
+          <a:bodyPr vert="eaVert" anchor="t" anchorCtr="0"/>
           <a:lstStyle/>
           <a:p>
             <a:pPr lvl="0"/>
@@ -433,18 +3024,13 @@
               <a:rPr lang="en-US"/>
               <a:t>Fifth level</a:t>
             </a:r>
-          </a:p>
-        </p:txBody>
-      </p:sp>
-      <p:sp>
-        <p:nvSpPr>
-          <p:cNvPr id="4" name="Date Placeholder 3">
-            <a:extLst>
-              <a:ext uri="{FF2B5EF4-FFF2-40B4-BE49-F238E27FC236}">
-                <a16:creationId xmlns:a16="http://schemas.microsoft.com/office/drawing/2014/main" id="{47BAE8DE-AE12-4492-9AF4-D410E6DD1A10}"/>
-              </a:ext>
-            </a:extLst>
-          </p:cNvPr>
+            <a:endParaRPr lang="en-US" dirty="0"/>
+          </a:p>
+        </p:txBody>
+      </p:sp>
+      <p:sp>
+        <p:nvSpPr>
+          <p:cNvPr id="4" name="Date Placeholder 3"/>
           <p:cNvSpPr>
             <a:spLocks noGrp="1"/>
           </p:cNvSpPr>
@@ -459,7 +3045,7 @@
           <a:p>
             <a:fld id="{BB57D48A-DF84-4AD1-B677-45A21F9EA7A8}" type="datetimeFigureOut">
               <a:rPr lang="en-US" smtClean="0"/>
-              <a:t>9/14/2021</a:t>
+              <a:t>11/13/2021</a:t>
             </a:fld>
             <a:endParaRPr lang="en-US"/>
           </a:p>
@@ -467,13 +3053,7 @@
       </p:sp>
       <p:sp>
         <p:nvSpPr>
-          <p:cNvPr id="5" name="Footer Placeholder 4">
-            <a:extLst>
-              <a:ext uri="{FF2B5EF4-FFF2-40B4-BE49-F238E27FC236}">
-                <a16:creationId xmlns:a16="http://schemas.microsoft.com/office/drawing/2014/main" id="{8E05F902-6B57-4F91-8546-C727C2C40BE0}"/>
-              </a:ext>
-            </a:extLst>
-          </p:cNvPr>
+          <p:cNvPr id="5" name="Footer Placeholder 4"/>
           <p:cNvSpPr>
             <a:spLocks noGrp="1"/>
           </p:cNvSpPr>
@@ -492,13 +3072,7 @@
       </p:sp>
       <p:sp>
         <p:nvSpPr>
-          <p:cNvPr id="6" name="Slide Number Placeholder 5">
-            <a:extLst>
-              <a:ext uri="{FF2B5EF4-FFF2-40B4-BE49-F238E27FC236}">
-                <a16:creationId xmlns:a16="http://schemas.microsoft.com/office/drawing/2014/main" id="{3AA6AC8F-3253-4826-89F6-BD95BEC90B71}"/>
-              </a:ext>
-            </a:extLst>
-          </p:cNvPr>
+          <p:cNvPr id="6" name="Slide Number Placeholder 5"/>
           <p:cNvSpPr>
             <a:spLocks noGrp="1"/>
           </p:cNvSpPr>
@@ -522,7 +3096,7 @@
     </p:spTree>
     <p:extLst>
       <p:ext uri="{BB962C8B-B14F-4D97-AF65-F5344CB8AC3E}">
-        <p14:creationId xmlns:p14="http://schemas.microsoft.com/office/powerpoint/2010/main" val="2412183684"/>
+        <p14:creationId xmlns:p14="http://schemas.microsoft.com/office/powerpoint/2010/main" val="1791072628"/>
       </p:ext>
     </p:extLst>
   </p:cSld>
@@ -532,7 +3106,7 @@
 </p:sldLayout>
 </file>
 
-<file path=ppt/slideLayouts/slideLayout11.xml><?xml version="1.0" encoding="utf-8"?>
+<file path=ppt/slideLayouts/slideLayout17.xml><?xml version="1.0" encoding="utf-8"?>
 <p:sldLayout xmlns:a="http://schemas.openxmlformats.org/drawingml/2006/main" xmlns:r="http://schemas.openxmlformats.org/officeDocument/2006/relationships" xmlns:p="http://schemas.openxmlformats.org/presentationml/2006/main" type="vertTitleAndTx" preserve="1">
   <p:cSld name="Vertical Title and Text">
     <p:spTree>
@@ -551,13 +3125,7 @@
       </p:grpSpPr>
       <p:sp>
         <p:nvSpPr>
-          <p:cNvPr id="2" name="Vertical Title 1">
-            <a:extLst>
-              <a:ext uri="{FF2B5EF4-FFF2-40B4-BE49-F238E27FC236}">
-                <a16:creationId xmlns:a16="http://schemas.microsoft.com/office/drawing/2014/main" id="{8087CFEE-8E8D-4A85-BD1B-42F1BA9A6462}"/>
-              </a:ext>
-            </a:extLst>
-          </p:cNvPr>
+          <p:cNvPr id="2" name="Vertical Title 1"/>
           <p:cNvSpPr>
             <a:spLocks noGrp="1"/>
           </p:cNvSpPr>
@@ -567,30 +3135,25 @@
         </p:nvSpPr>
         <p:spPr>
           <a:xfrm>
-            <a:off x="8724900" y="365125"/>
-            <a:ext cx="2628900" cy="5811838"/>
+            <a:off x="8304212" y="430213"/>
+            <a:ext cx="1752601" cy="5826125"/>
           </a:xfrm>
         </p:spPr>
         <p:txBody>
-          <a:bodyPr vert="eaVert"/>
+          <a:bodyPr vert="eaVert" anchor="b" anchorCtr="0"/>
           <a:lstStyle/>
           <a:p>
             <a:r>
               <a:rPr lang="en-US"/>
               <a:t>Click to edit Master title style</a:t>
             </a:r>
-          </a:p>
-        </p:txBody>
-      </p:sp>
-      <p:sp>
-        <p:nvSpPr>
-          <p:cNvPr id="3" name="Vertical Text Placeholder 2">
-            <a:extLst>
-              <a:ext uri="{FF2B5EF4-FFF2-40B4-BE49-F238E27FC236}">
-                <a16:creationId xmlns:a16="http://schemas.microsoft.com/office/drawing/2014/main" id="{CA32FE68-4DAD-4D8F-82D5-C8FD5530D4B6}"/>
-              </a:ext>
-            </a:extLst>
-          </p:cNvPr>
+            <a:endParaRPr lang="en-US" dirty="0"/>
+          </a:p>
+        </p:txBody>
+      </p:sp>
+      <p:sp>
+        <p:nvSpPr>
+          <p:cNvPr id="3" name="Vertical Text Placeholder 2"/>
           <p:cNvSpPr>
             <a:spLocks noGrp="1"/>
           </p:cNvSpPr>
@@ -600,8 +3163,8 @@
         </p:nvSpPr>
         <p:spPr>
           <a:xfrm>
-            <a:off x="838200" y="365125"/>
-            <a:ext cx="7734300" cy="5811838"/>
+            <a:off x="652463" y="887414"/>
+            <a:ext cx="7423149" cy="5368924"/>
           </a:xfrm>
         </p:spPr>
         <p:txBody>
@@ -641,18 +3204,13 @@
               <a:rPr lang="en-US"/>
               <a:t>Fifth level</a:t>
             </a:r>
-          </a:p>
-        </p:txBody>
-      </p:sp>
-      <p:sp>
-        <p:nvSpPr>
-          <p:cNvPr id="4" name="Date Placeholder 3">
-            <a:extLst>
-              <a:ext uri="{FF2B5EF4-FFF2-40B4-BE49-F238E27FC236}">
-                <a16:creationId xmlns:a16="http://schemas.microsoft.com/office/drawing/2014/main" id="{69049732-9047-4C0E-A2B0-523D38F59BF9}"/>
-              </a:ext>
-            </a:extLst>
-          </p:cNvPr>
+            <a:endParaRPr lang="en-US" dirty="0"/>
+          </a:p>
+        </p:txBody>
+      </p:sp>
+      <p:sp>
+        <p:nvSpPr>
+          <p:cNvPr id="4" name="Date Placeholder 3"/>
           <p:cNvSpPr>
             <a:spLocks noGrp="1"/>
           </p:cNvSpPr>
@@ -667,7 +3225,7 @@
           <a:p>
             <a:fld id="{BB57D48A-DF84-4AD1-B677-45A21F9EA7A8}" type="datetimeFigureOut">
               <a:rPr lang="en-US" smtClean="0"/>
-              <a:t>9/14/2021</a:t>
+              <a:t>11/13/2021</a:t>
             </a:fld>
             <a:endParaRPr lang="en-US"/>
           </a:p>
@@ -675,13 +3233,7 @@
       </p:sp>
       <p:sp>
         <p:nvSpPr>
-          <p:cNvPr id="5" name="Footer Placeholder 4">
-            <a:extLst>
-              <a:ext uri="{FF2B5EF4-FFF2-40B4-BE49-F238E27FC236}">
-                <a16:creationId xmlns:a16="http://schemas.microsoft.com/office/drawing/2014/main" id="{0B4EF4E2-E6BB-4BA9-A66E-B6A8D8F4C8E8}"/>
-              </a:ext>
-            </a:extLst>
-          </p:cNvPr>
+          <p:cNvPr id="5" name="Footer Placeholder 4"/>
           <p:cNvSpPr>
             <a:spLocks noGrp="1"/>
           </p:cNvSpPr>
@@ -700,13 +3252,7 @@
       </p:sp>
       <p:sp>
         <p:nvSpPr>
-          <p:cNvPr id="6" name="Slide Number Placeholder 5">
-            <a:extLst>
-              <a:ext uri="{FF2B5EF4-FFF2-40B4-BE49-F238E27FC236}">
-                <a16:creationId xmlns:a16="http://schemas.microsoft.com/office/drawing/2014/main" id="{F70C58D9-3490-4554-8EEA-F1DCCF921357}"/>
-              </a:ext>
-            </a:extLst>
-          </p:cNvPr>
+          <p:cNvPr id="6" name="Slide Number Placeholder 5"/>
           <p:cNvSpPr>
             <a:spLocks noGrp="1"/>
           </p:cNvSpPr>
@@ -730,7 +3276,7 @@
     </p:spTree>
     <p:extLst>
       <p:ext uri="{BB962C8B-B14F-4D97-AF65-F5344CB8AC3E}">
-        <p14:creationId xmlns:p14="http://schemas.microsoft.com/office/powerpoint/2010/main" val="2847130451"/>
+        <p14:creationId xmlns:p14="http://schemas.microsoft.com/office/powerpoint/2010/main" val="2867539187"/>
       </p:ext>
     </p:extLst>
   </p:cSld>
@@ -759,13 +3305,7 @@
       </p:grpSpPr>
       <p:sp>
         <p:nvSpPr>
-          <p:cNvPr id="2" name="Title 1">
-            <a:extLst>
-              <a:ext uri="{FF2B5EF4-FFF2-40B4-BE49-F238E27FC236}">
-                <a16:creationId xmlns:a16="http://schemas.microsoft.com/office/drawing/2014/main" id="{FC7F7C9D-F81F-4534-98C7-E26173AA3C6C}"/>
-              </a:ext>
-            </a:extLst>
-          </p:cNvPr>
+          <p:cNvPr id="2" name="Title 1"/>
           <p:cNvSpPr>
             <a:spLocks noGrp="1"/>
           </p:cNvSpPr>
@@ -782,18 +3322,13 @@
               <a:rPr lang="en-US"/>
               <a:t>Click to edit Master title style</a:t>
             </a:r>
-          </a:p>
-        </p:txBody>
-      </p:sp>
-      <p:sp>
-        <p:nvSpPr>
-          <p:cNvPr id="3" name="Content Placeholder 2">
-            <a:extLst>
-              <a:ext uri="{FF2B5EF4-FFF2-40B4-BE49-F238E27FC236}">
-                <a16:creationId xmlns:a16="http://schemas.microsoft.com/office/drawing/2014/main" id="{E9DCA655-855A-4BAE-AABF-4D1D73354DAF}"/>
-              </a:ext>
-            </a:extLst>
-          </p:cNvPr>
+            <a:endParaRPr lang="en-US" dirty="0"/>
+          </a:p>
+        </p:txBody>
+      </p:sp>
+      <p:sp>
+        <p:nvSpPr>
+          <p:cNvPr id="3" name="Content Placeholder 2"/>
           <p:cNvSpPr>
             <a:spLocks noGrp="1"/>
           </p:cNvSpPr>
@@ -839,18 +3374,13 @@
               <a:rPr lang="en-US"/>
               <a:t>Fifth level</a:t>
             </a:r>
-          </a:p>
-        </p:txBody>
-      </p:sp>
-      <p:sp>
-        <p:nvSpPr>
-          <p:cNvPr id="4" name="Date Placeholder 3">
-            <a:extLst>
-              <a:ext uri="{FF2B5EF4-FFF2-40B4-BE49-F238E27FC236}">
-                <a16:creationId xmlns:a16="http://schemas.microsoft.com/office/drawing/2014/main" id="{CA17FCBB-D096-4825-9350-7CCEFE61CB1A}"/>
-              </a:ext>
-            </a:extLst>
-          </p:cNvPr>
+            <a:endParaRPr lang="en-US" dirty="0"/>
+          </a:p>
+        </p:txBody>
+      </p:sp>
+      <p:sp>
+        <p:nvSpPr>
+          <p:cNvPr id="7" name="Date Placeholder 3"/>
           <p:cNvSpPr>
             <a:spLocks noGrp="1"/>
           </p:cNvSpPr>
@@ -865,7 +3395,7 @@
           <a:p>
             <a:fld id="{BB57D48A-DF84-4AD1-B677-45A21F9EA7A8}" type="datetimeFigureOut">
               <a:rPr lang="en-US" smtClean="0"/>
-              <a:t>9/14/2021</a:t>
+              <a:t>11/13/2021</a:t>
             </a:fld>
             <a:endParaRPr lang="en-US"/>
           </a:p>
@@ -873,13 +3403,7 @@
       </p:sp>
       <p:sp>
         <p:nvSpPr>
-          <p:cNvPr id="5" name="Footer Placeholder 4">
-            <a:extLst>
-              <a:ext uri="{FF2B5EF4-FFF2-40B4-BE49-F238E27FC236}">
-                <a16:creationId xmlns:a16="http://schemas.microsoft.com/office/drawing/2014/main" id="{4D4910C9-0E7F-4FBF-B2C4-E3AC36B71EBB}"/>
-              </a:ext>
-            </a:extLst>
-          </p:cNvPr>
+          <p:cNvPr id="5" name="Footer Placeholder 4"/>
           <p:cNvSpPr>
             <a:spLocks noGrp="1"/>
           </p:cNvSpPr>
@@ -898,13 +3422,7 @@
       </p:sp>
       <p:sp>
         <p:nvSpPr>
-          <p:cNvPr id="6" name="Slide Number Placeholder 5">
-            <a:extLst>
-              <a:ext uri="{FF2B5EF4-FFF2-40B4-BE49-F238E27FC236}">
-                <a16:creationId xmlns:a16="http://schemas.microsoft.com/office/drawing/2014/main" id="{7A7F3583-83F6-4694-8E72-342E555127A8}"/>
-              </a:ext>
-            </a:extLst>
-          </p:cNvPr>
+          <p:cNvPr id="6" name="Slide Number Placeholder 5"/>
           <p:cNvSpPr>
             <a:spLocks noGrp="1"/>
           </p:cNvSpPr>
@@ -928,7 +3446,7 @@
     </p:spTree>
     <p:extLst>
       <p:ext uri="{BB962C8B-B14F-4D97-AF65-F5344CB8AC3E}">
-        <p14:creationId xmlns:p14="http://schemas.microsoft.com/office/powerpoint/2010/main" val="1671147584"/>
+        <p14:creationId xmlns:p14="http://schemas.microsoft.com/office/powerpoint/2010/main" val="2448200224"/>
       </p:ext>
     </p:extLst>
   </p:cSld>
@@ -957,13 +3475,7 @@
       </p:grpSpPr>
       <p:sp>
         <p:nvSpPr>
-          <p:cNvPr id="2" name="Title 1">
-            <a:extLst>
-              <a:ext uri="{FF2B5EF4-FFF2-40B4-BE49-F238E27FC236}">
-                <a16:creationId xmlns:a16="http://schemas.microsoft.com/office/drawing/2014/main" id="{EDEB6507-FCC7-4114-AC3C-71DC07F0907F}"/>
-              </a:ext>
-            </a:extLst>
-          </p:cNvPr>
+          <p:cNvPr id="2" name="Title 1"/>
           <p:cNvSpPr>
             <a:spLocks noGrp="1"/>
           </p:cNvSpPr>
@@ -973,15 +3485,15 @@
         </p:nvSpPr>
         <p:spPr>
           <a:xfrm>
-            <a:off x="831850" y="1709738"/>
-            <a:ext cx="10515600" cy="2852737"/>
+            <a:off x="1154956" y="2861733"/>
+            <a:ext cx="8825657" cy="1915647"/>
           </a:xfrm>
         </p:spPr>
         <p:txBody>
           <a:bodyPr anchor="b"/>
           <a:lstStyle>
-            <a:lvl1pPr>
-              <a:defRPr sz="6000"/>
+            <a:lvl1pPr algn="l">
+              <a:defRPr sz="4000" b="0" cap="none"/>
             </a:lvl1pPr>
           </a:lstStyle>
           <a:p>
@@ -989,18 +3501,13 @@
               <a:rPr lang="en-US"/>
               <a:t>Click to edit Master title style</a:t>
             </a:r>
-          </a:p>
-        </p:txBody>
-      </p:sp>
-      <p:sp>
-        <p:nvSpPr>
-          <p:cNvPr id="3" name="Text Placeholder 2">
-            <a:extLst>
-              <a:ext uri="{FF2B5EF4-FFF2-40B4-BE49-F238E27FC236}">
-                <a16:creationId xmlns:a16="http://schemas.microsoft.com/office/drawing/2014/main" id="{C1ADAF35-0369-421F-AF26-12223FCEAD69}"/>
-              </a:ext>
-            </a:extLst>
-          </p:cNvPr>
+            <a:endParaRPr lang="en-US" dirty="0"/>
+          </a:p>
+        </p:txBody>
+      </p:sp>
+      <p:sp>
+        <p:nvSpPr>
+          <p:cNvPr id="3" name="Text Placeholder 2"/>
           <p:cNvSpPr>
             <a:spLocks noGrp="1"/>
           </p:cNvSpPr>
@@ -1010,26 +3517,27 @@
         </p:nvSpPr>
         <p:spPr>
           <a:xfrm>
-            <a:off x="831850" y="4589463"/>
-            <a:ext cx="10515600" cy="1500187"/>
+            <a:off x="1154955" y="4777381"/>
+            <a:ext cx="8825658" cy="860400"/>
           </a:xfrm>
         </p:spPr>
         <p:txBody>
-          <a:bodyPr/>
+          <a:bodyPr anchor="t"/>
           <a:lstStyle>
-            <a:lvl1pPr marL="0" indent="0">
-              <a:buNone/>
-              <a:defRPr sz="2400">
+            <a:lvl1pPr marL="0" indent="0" algn="l">
+              <a:buNone/>
+              <a:defRPr sz="2000" cap="all">
                 <a:solidFill>
-                  <a:schemeClr val="tx1">
-                    <a:tint val="75000"/>
+                  <a:schemeClr val="bg2">
+                    <a:lumMod val="40000"/>
+                    <a:lumOff val="60000"/>
                   </a:schemeClr>
                 </a:solidFill>
               </a:defRPr>
             </a:lvl1pPr>
             <a:lvl2pPr marL="457200" indent="0">
               <a:buNone/>
-              <a:defRPr sz="2000">
+              <a:defRPr sz="1800">
                 <a:solidFill>
                   <a:schemeClr val="tx1">
                     <a:tint val="75000"/>
@@ -1039,7 +3547,7 @@
             </a:lvl2pPr>
             <a:lvl3pPr marL="914400" indent="0">
               <a:buNone/>
-              <a:defRPr sz="1800">
+              <a:defRPr sz="1600">
                 <a:solidFill>
                   <a:schemeClr val="tx1">
                     <a:tint val="75000"/>
@@ -1049,7 +3557,7 @@
             </a:lvl3pPr>
             <a:lvl4pPr marL="1371600" indent="0">
               <a:buNone/>
-              <a:defRPr sz="1600">
+              <a:defRPr sz="1400">
                 <a:solidFill>
                   <a:schemeClr val="tx1">
                     <a:tint val="75000"/>
@@ -1059,7 +3567,7 @@
             </a:lvl4pPr>
             <a:lvl5pPr marL="1828800" indent="0">
               <a:buNone/>
-              <a:defRPr sz="1600">
+              <a:defRPr sz="1400">
                 <a:solidFill>
                   <a:schemeClr val="tx1">
                     <a:tint val="75000"/>
@@ -1069,7 +3577,7 @@
             </a:lvl5pPr>
             <a:lvl6pPr marL="2286000" indent="0">
               <a:buNone/>
-              <a:defRPr sz="1600">
+              <a:defRPr sz="1400">
                 <a:solidFill>
                   <a:schemeClr val="tx1">
                     <a:tint val="75000"/>
@@ -1079,7 +3587,7 @@
             </a:lvl6pPr>
             <a:lvl7pPr marL="2743200" indent="0">
               <a:buNone/>
-              <a:defRPr sz="1600">
+              <a:defRPr sz="1400">
                 <a:solidFill>
                   <a:schemeClr val="tx1">
                     <a:tint val="75000"/>
@@ -1089,7 +3597,7 @@
             </a:lvl7pPr>
             <a:lvl8pPr marL="3200400" indent="0">
               <a:buNone/>
-              <a:defRPr sz="1600">
+              <a:defRPr sz="1400">
                 <a:solidFill>
                   <a:schemeClr val="tx1">
                     <a:tint val="75000"/>
@@ -1099,7 +3607,7 @@
             </a:lvl8pPr>
             <a:lvl9pPr marL="3657600" indent="0">
               <a:buNone/>
-              <a:defRPr sz="1600">
+              <a:defRPr sz="1400">
                 <a:solidFill>
                   <a:schemeClr val="tx1">
                     <a:tint val="75000"/>
@@ -1119,13 +3627,7 @@
       </p:sp>
       <p:sp>
         <p:nvSpPr>
-          <p:cNvPr id="4" name="Date Placeholder 3">
-            <a:extLst>
-              <a:ext uri="{FF2B5EF4-FFF2-40B4-BE49-F238E27FC236}">
-                <a16:creationId xmlns:a16="http://schemas.microsoft.com/office/drawing/2014/main" id="{C1299CE6-11CB-4D07-979C-BECB9085FA86}"/>
-              </a:ext>
-            </a:extLst>
-          </p:cNvPr>
+          <p:cNvPr id="4" name="Date Placeholder 3"/>
           <p:cNvSpPr>
             <a:spLocks noGrp="1"/>
           </p:cNvSpPr>
@@ -1140,7 +3642,7 @@
           <a:p>
             <a:fld id="{BB57D48A-DF84-4AD1-B677-45A21F9EA7A8}" type="datetimeFigureOut">
               <a:rPr lang="en-US" smtClean="0"/>
-              <a:t>9/14/2021</a:t>
+              <a:t>11/13/2021</a:t>
             </a:fld>
             <a:endParaRPr lang="en-US"/>
           </a:p>
@@ -1148,13 +3650,7 @@
       </p:sp>
       <p:sp>
         <p:nvSpPr>
-          <p:cNvPr id="5" name="Footer Placeholder 4">
-            <a:extLst>
-              <a:ext uri="{FF2B5EF4-FFF2-40B4-BE49-F238E27FC236}">
-                <a16:creationId xmlns:a16="http://schemas.microsoft.com/office/drawing/2014/main" id="{521F6AC9-33B8-435B-BBC6-D4940829BEC6}"/>
-              </a:ext>
-            </a:extLst>
-          </p:cNvPr>
+          <p:cNvPr id="5" name="Footer Placeholder 4"/>
           <p:cNvSpPr>
             <a:spLocks noGrp="1"/>
           </p:cNvSpPr>
@@ -1173,13 +3669,7 @@
       </p:sp>
       <p:sp>
         <p:nvSpPr>
-          <p:cNvPr id="6" name="Slide Number Placeholder 5">
-            <a:extLst>
-              <a:ext uri="{FF2B5EF4-FFF2-40B4-BE49-F238E27FC236}">
-                <a16:creationId xmlns:a16="http://schemas.microsoft.com/office/drawing/2014/main" id="{132FCB8E-39BA-4039-A6D7-E0DA14718A4A}"/>
-              </a:ext>
-            </a:extLst>
-          </p:cNvPr>
+          <p:cNvPr id="6" name="Slide Number Placeholder 5"/>
           <p:cNvSpPr>
             <a:spLocks noGrp="1"/>
           </p:cNvSpPr>
@@ -1203,7 +3693,7 @@
     </p:spTree>
     <p:extLst>
       <p:ext uri="{BB962C8B-B14F-4D97-AF65-F5344CB8AC3E}">
-        <p14:creationId xmlns:p14="http://schemas.microsoft.com/office/powerpoint/2010/main" val="340847499"/>
+        <p14:creationId xmlns:p14="http://schemas.microsoft.com/office/powerpoint/2010/main" val="3204503608"/>
       </p:ext>
     </p:extLst>
   </p:cSld>
@@ -1232,13 +3722,7 @@
       </p:grpSpPr>
       <p:sp>
         <p:nvSpPr>
-          <p:cNvPr id="2" name="Title 1">
-            <a:extLst>
-              <a:ext uri="{FF2B5EF4-FFF2-40B4-BE49-F238E27FC236}">
-                <a16:creationId xmlns:a16="http://schemas.microsoft.com/office/drawing/2014/main" id="{E4D2E70D-5E9C-4368-B963-B08B59488A89}"/>
-              </a:ext>
-            </a:extLst>
-          </p:cNvPr>
+          <p:cNvPr id="2" name="Title 1"/>
           <p:cNvSpPr>
             <a:spLocks noGrp="1"/>
           </p:cNvSpPr>
@@ -1255,18 +3739,13 @@
               <a:rPr lang="en-US"/>
               <a:t>Click to edit Master title style</a:t>
             </a:r>
-          </a:p>
-        </p:txBody>
-      </p:sp>
-      <p:sp>
-        <p:nvSpPr>
-          <p:cNvPr id="3" name="Content Placeholder 2">
-            <a:extLst>
-              <a:ext uri="{FF2B5EF4-FFF2-40B4-BE49-F238E27FC236}">
-                <a16:creationId xmlns:a16="http://schemas.microsoft.com/office/drawing/2014/main" id="{13B67CE8-98C4-46A6-AF5A-4B89BFC27640}"/>
-              </a:ext>
-            </a:extLst>
-          </p:cNvPr>
+            <a:endParaRPr lang="en-US" dirty="0"/>
+          </a:p>
+        </p:txBody>
+      </p:sp>
+      <p:sp>
+        <p:nvSpPr>
+          <p:cNvPr id="3" name="Content Placeholder 2"/>
           <p:cNvSpPr>
             <a:spLocks noGrp="1"/>
           </p:cNvSpPr>
@@ -1276,13 +3755,43 @@
         </p:nvSpPr>
         <p:spPr>
           <a:xfrm>
-            <a:off x="838200" y="1825625"/>
-            <a:ext cx="5181600" cy="4351338"/>
+            <a:off x="1103312" y="2060575"/>
+            <a:ext cx="4396339" cy="4195763"/>
           </a:xfrm>
         </p:spPr>
         <p:txBody>
-          <a:bodyPr/>
-          <a:lstStyle/>
+          <a:bodyPr>
+            <a:normAutofit/>
+          </a:bodyPr>
+          <a:lstStyle>
+            <a:lvl1pPr>
+              <a:defRPr sz="1800"/>
+            </a:lvl1pPr>
+            <a:lvl2pPr>
+              <a:defRPr sz="1600"/>
+            </a:lvl2pPr>
+            <a:lvl3pPr>
+              <a:defRPr sz="1400"/>
+            </a:lvl3pPr>
+            <a:lvl4pPr>
+              <a:defRPr sz="1200"/>
+            </a:lvl4pPr>
+            <a:lvl5pPr>
+              <a:defRPr sz="1200"/>
+            </a:lvl5pPr>
+            <a:lvl6pPr>
+              <a:defRPr sz="1200"/>
+            </a:lvl6pPr>
+            <a:lvl7pPr>
+              <a:defRPr sz="1200"/>
+            </a:lvl7pPr>
+            <a:lvl8pPr>
+              <a:defRPr sz="1200"/>
+            </a:lvl8pPr>
+            <a:lvl9pPr>
+              <a:defRPr sz="1200"/>
+            </a:lvl9pPr>
+          </a:lstStyle>
           <a:p>
             <a:pPr lvl="0"/>
             <a:r>
@@ -1317,18 +3826,13 @@
               <a:rPr lang="en-US"/>
               <a:t>Fifth level</a:t>
             </a:r>
-          </a:p>
-        </p:txBody>
-      </p:sp>
-      <p:sp>
-        <p:nvSpPr>
-          <p:cNvPr id="4" name="Content Placeholder 3">
-            <a:extLst>
-              <a:ext uri="{FF2B5EF4-FFF2-40B4-BE49-F238E27FC236}">
-                <a16:creationId xmlns:a16="http://schemas.microsoft.com/office/drawing/2014/main" id="{5B453A20-EBFC-4C75-9A8E-4D3357BC326E}"/>
-              </a:ext>
-            </a:extLst>
-          </p:cNvPr>
+            <a:endParaRPr lang="en-US" dirty="0"/>
+          </a:p>
+        </p:txBody>
+      </p:sp>
+      <p:sp>
+        <p:nvSpPr>
+          <p:cNvPr id="4" name="Content Placeholder 3"/>
           <p:cNvSpPr>
             <a:spLocks noGrp="1"/>
           </p:cNvSpPr>
@@ -1338,13 +3842,43 @@
         </p:nvSpPr>
         <p:spPr>
           <a:xfrm>
-            <a:off x="6172200" y="1825625"/>
-            <a:ext cx="5181600" cy="4351338"/>
+            <a:off x="5654493" y="2056092"/>
+            <a:ext cx="4396341" cy="4200245"/>
           </a:xfrm>
         </p:spPr>
         <p:txBody>
-          <a:bodyPr/>
-          <a:lstStyle/>
+          <a:bodyPr>
+            <a:normAutofit/>
+          </a:bodyPr>
+          <a:lstStyle>
+            <a:lvl1pPr>
+              <a:defRPr sz="1800"/>
+            </a:lvl1pPr>
+            <a:lvl2pPr>
+              <a:defRPr sz="1600"/>
+            </a:lvl2pPr>
+            <a:lvl3pPr>
+              <a:defRPr sz="1400"/>
+            </a:lvl3pPr>
+            <a:lvl4pPr>
+              <a:defRPr sz="1200"/>
+            </a:lvl4pPr>
+            <a:lvl5pPr>
+              <a:defRPr sz="1200"/>
+            </a:lvl5pPr>
+            <a:lvl6pPr>
+              <a:defRPr sz="1200"/>
+            </a:lvl6pPr>
+            <a:lvl7pPr>
+              <a:defRPr sz="1200"/>
+            </a:lvl7pPr>
+            <a:lvl8pPr>
+              <a:defRPr sz="1200"/>
+            </a:lvl8pPr>
+            <a:lvl9pPr>
+              <a:defRPr sz="1200"/>
+            </a:lvl9pPr>
+          </a:lstStyle>
           <a:p>
             <a:pPr lvl="0"/>
             <a:r>
@@ -1379,18 +3913,13 @@
               <a:rPr lang="en-US"/>
               <a:t>Fifth level</a:t>
             </a:r>
-          </a:p>
-        </p:txBody>
-      </p:sp>
-      <p:sp>
-        <p:nvSpPr>
-          <p:cNvPr id="5" name="Date Placeholder 4">
-            <a:extLst>
-              <a:ext uri="{FF2B5EF4-FFF2-40B4-BE49-F238E27FC236}">
-                <a16:creationId xmlns:a16="http://schemas.microsoft.com/office/drawing/2014/main" id="{3B3B9604-7FCC-445F-941E-AC25F85FB40D}"/>
-              </a:ext>
-            </a:extLst>
-          </p:cNvPr>
+            <a:endParaRPr lang="en-US" dirty="0"/>
+          </a:p>
+        </p:txBody>
+      </p:sp>
+      <p:sp>
+        <p:nvSpPr>
+          <p:cNvPr id="5" name="Date Placeholder 4"/>
           <p:cNvSpPr>
             <a:spLocks noGrp="1"/>
           </p:cNvSpPr>
@@ -1405,7 +3934,7 @@
           <a:p>
             <a:fld id="{BB57D48A-DF84-4AD1-B677-45A21F9EA7A8}" type="datetimeFigureOut">
               <a:rPr lang="en-US" smtClean="0"/>
-              <a:t>9/14/2021</a:t>
+              <a:t>11/13/2021</a:t>
             </a:fld>
             <a:endParaRPr lang="en-US"/>
           </a:p>
@@ -1413,13 +3942,7 @@
       </p:sp>
       <p:sp>
         <p:nvSpPr>
-          <p:cNvPr id="6" name="Footer Placeholder 5">
-            <a:extLst>
-              <a:ext uri="{FF2B5EF4-FFF2-40B4-BE49-F238E27FC236}">
-                <a16:creationId xmlns:a16="http://schemas.microsoft.com/office/drawing/2014/main" id="{3B28E609-1CB0-4D49-A86E-9B17BDC7915B}"/>
-              </a:ext>
-            </a:extLst>
-          </p:cNvPr>
+          <p:cNvPr id="6" name="Footer Placeholder 5"/>
           <p:cNvSpPr>
             <a:spLocks noGrp="1"/>
           </p:cNvSpPr>
@@ -1438,13 +3961,7 @@
       </p:sp>
       <p:sp>
         <p:nvSpPr>
-          <p:cNvPr id="7" name="Slide Number Placeholder 6">
-            <a:extLst>
-              <a:ext uri="{FF2B5EF4-FFF2-40B4-BE49-F238E27FC236}">
-                <a16:creationId xmlns:a16="http://schemas.microsoft.com/office/drawing/2014/main" id="{668E196D-87C6-4F89-A993-B618A515060E}"/>
-              </a:ext>
-            </a:extLst>
-          </p:cNvPr>
+          <p:cNvPr id="7" name="Slide Number Placeholder 6"/>
           <p:cNvSpPr>
             <a:spLocks noGrp="1"/>
           </p:cNvSpPr>
@@ -1468,7 +3985,7 @@
     </p:spTree>
     <p:extLst>
       <p:ext uri="{BB962C8B-B14F-4D97-AF65-F5344CB8AC3E}">
-        <p14:creationId xmlns:p14="http://schemas.microsoft.com/office/powerpoint/2010/main" val="963857762"/>
+        <p14:creationId xmlns:p14="http://schemas.microsoft.com/office/powerpoint/2010/main" val="603620490"/>
       </p:ext>
     </p:extLst>
   </p:cSld>
@@ -1497,65 +4014,62 @@
       </p:grpSpPr>
       <p:sp>
         <p:nvSpPr>
-          <p:cNvPr id="2" name="Title 1">
-            <a:extLst>
-              <a:ext uri="{FF2B5EF4-FFF2-40B4-BE49-F238E27FC236}">
-                <a16:creationId xmlns:a16="http://schemas.microsoft.com/office/drawing/2014/main" id="{58A81FEE-DB0D-4397-A614-DEB08B89CF06}"/>
-              </a:ext>
-            </a:extLst>
-          </p:cNvPr>
+          <p:cNvPr id="2" name="Title 1"/>
           <p:cNvSpPr>
             <a:spLocks noGrp="1"/>
           </p:cNvSpPr>
           <p:nvPr>
             <p:ph type="title"/>
+          </p:nvPr>
+        </p:nvSpPr>
+        <p:spPr/>
+        <p:txBody>
+          <a:bodyPr/>
+          <a:lstStyle>
+            <a:lvl1pPr>
+              <a:defRPr/>
+            </a:lvl1pPr>
+          </a:lstStyle>
+          <a:p>
+            <a:r>
+              <a:rPr lang="en-US"/>
+              <a:t>Click to edit Master title style</a:t>
+            </a:r>
+            <a:endParaRPr lang="en-US" dirty="0"/>
+          </a:p>
+        </p:txBody>
+      </p:sp>
+      <p:sp>
+        <p:nvSpPr>
+          <p:cNvPr id="3" name="Text Placeholder 2"/>
+          <p:cNvSpPr>
+            <a:spLocks noGrp="1"/>
+          </p:cNvSpPr>
+          <p:nvPr>
+            <p:ph type="body" idx="1"/>
           </p:nvPr>
         </p:nvSpPr>
         <p:spPr>
           <a:xfrm>
-            <a:off x="839788" y="365125"/>
-            <a:ext cx="10515600" cy="1325563"/>
+            <a:off x="1103313" y="1905000"/>
+            <a:ext cx="4396338" cy="576262"/>
           </a:xfrm>
         </p:spPr>
         <p:txBody>
-          <a:bodyPr/>
-          <a:lstStyle/>
-          <a:p>
-            <a:r>
-              <a:rPr lang="en-US"/>
-              <a:t>Click to edit Master title style</a:t>
-            </a:r>
-          </a:p>
-        </p:txBody>
-      </p:sp>
-      <p:sp>
-        <p:nvSpPr>
-          <p:cNvPr id="3" name="Text Placeholder 2">
-            <a:extLst>
-              <a:ext uri="{FF2B5EF4-FFF2-40B4-BE49-F238E27FC236}">
-                <a16:creationId xmlns:a16="http://schemas.microsoft.com/office/drawing/2014/main" id="{C6790AFA-FBB0-4981-BBA3-76D01053C029}"/>
-              </a:ext>
-            </a:extLst>
-          </p:cNvPr>
-          <p:cNvSpPr>
-            <a:spLocks noGrp="1"/>
-          </p:cNvSpPr>
-          <p:nvPr>
-            <p:ph type="body" idx="1"/>
-          </p:nvPr>
-        </p:nvSpPr>
-        <p:spPr>
-          <a:xfrm>
-            <a:off x="839788" y="1681163"/>
-            <a:ext cx="5157787" cy="823912"/>
-          </a:xfrm>
-        </p:spPr>
-        <p:txBody>
-          <a:bodyPr anchor="b"/>
+          <a:bodyPr anchor="b">
+            <a:noAutofit/>
+          </a:bodyPr>
           <a:lstStyle>
             <a:lvl1pPr marL="0" indent="0">
               <a:buNone/>
-              <a:defRPr sz="2400" b="1"/>
+              <a:defRPr sz="2400" b="0">
+                <a:solidFill>
+                  <a:schemeClr val="bg2">
+                    <a:lumMod val="40000"/>
+                    <a:lumOff val="60000"/>
+                  </a:schemeClr>
+                </a:solidFill>
+              </a:defRPr>
             </a:lvl1pPr>
             <a:lvl2pPr marL="457200" indent="0">
               <a:buNone/>
@@ -1601,13 +4115,7 @@
       </p:sp>
       <p:sp>
         <p:nvSpPr>
-          <p:cNvPr id="4" name="Content Placeholder 3">
-            <a:extLst>
-              <a:ext uri="{FF2B5EF4-FFF2-40B4-BE49-F238E27FC236}">
-                <a16:creationId xmlns:a16="http://schemas.microsoft.com/office/drawing/2014/main" id="{11A4E793-6867-4E0C-A86E-90A67A9ABBCB}"/>
-              </a:ext>
-            </a:extLst>
-          </p:cNvPr>
+          <p:cNvPr id="4" name="Content Placeholder 3"/>
           <p:cNvSpPr>
             <a:spLocks noGrp="1"/>
           </p:cNvSpPr>
@@ -1617,13 +4125,43 @@
         </p:nvSpPr>
         <p:spPr>
           <a:xfrm>
-            <a:off x="839788" y="2505075"/>
-            <a:ext cx="5157787" cy="3684588"/>
+            <a:off x="1103312" y="2514600"/>
+            <a:ext cx="4396339" cy="3741738"/>
           </a:xfrm>
         </p:spPr>
         <p:txBody>
-          <a:bodyPr/>
-          <a:lstStyle/>
+          <a:bodyPr>
+            <a:normAutofit/>
+          </a:bodyPr>
+          <a:lstStyle>
+            <a:lvl1pPr>
+              <a:defRPr sz="1800"/>
+            </a:lvl1pPr>
+            <a:lvl2pPr>
+              <a:defRPr sz="1600"/>
+            </a:lvl2pPr>
+            <a:lvl3pPr>
+              <a:defRPr sz="1400"/>
+            </a:lvl3pPr>
+            <a:lvl4pPr>
+              <a:defRPr sz="1200"/>
+            </a:lvl4pPr>
+            <a:lvl5pPr>
+              <a:defRPr sz="1200"/>
+            </a:lvl5pPr>
+            <a:lvl6pPr>
+              <a:defRPr sz="1200"/>
+            </a:lvl6pPr>
+            <a:lvl7pPr>
+              <a:defRPr sz="1200"/>
+            </a:lvl7pPr>
+            <a:lvl8pPr>
+              <a:defRPr sz="1200"/>
+            </a:lvl8pPr>
+            <a:lvl9pPr>
+              <a:defRPr sz="1200"/>
+            </a:lvl9pPr>
+          </a:lstStyle>
           <a:p>
             <a:pPr lvl="0"/>
             <a:r>
@@ -1658,18 +4196,13 @@
               <a:rPr lang="en-US"/>
               <a:t>Fifth level</a:t>
             </a:r>
-          </a:p>
-        </p:txBody>
-      </p:sp>
-      <p:sp>
-        <p:nvSpPr>
-          <p:cNvPr id="5" name="Text Placeholder 4">
-            <a:extLst>
-              <a:ext uri="{FF2B5EF4-FFF2-40B4-BE49-F238E27FC236}">
-                <a16:creationId xmlns:a16="http://schemas.microsoft.com/office/drawing/2014/main" id="{33121AEC-EA02-40B7-A743-4EAD8D4B79F1}"/>
-              </a:ext>
-            </a:extLst>
-          </p:cNvPr>
+            <a:endParaRPr lang="en-US" dirty="0"/>
+          </a:p>
+        </p:txBody>
+      </p:sp>
+      <p:sp>
+        <p:nvSpPr>
+          <p:cNvPr id="5" name="Text Placeholder 4"/>
           <p:cNvSpPr>
             <a:spLocks noGrp="1"/>
           </p:cNvSpPr>
@@ -1679,16 +4212,25 @@
         </p:nvSpPr>
         <p:spPr>
           <a:xfrm>
-            <a:off x="6172200" y="1681163"/>
-            <a:ext cx="5183188" cy="823912"/>
+            <a:off x="5654495" y="1905000"/>
+            <a:ext cx="4396339" cy="576262"/>
           </a:xfrm>
         </p:spPr>
         <p:txBody>
-          <a:bodyPr anchor="b"/>
+          <a:bodyPr anchor="b">
+            <a:noAutofit/>
+          </a:bodyPr>
           <a:lstStyle>
             <a:lvl1pPr marL="0" indent="0">
               <a:buNone/>
-              <a:defRPr sz="2400" b="1"/>
+              <a:defRPr sz="2400" b="0">
+                <a:solidFill>
+                  <a:schemeClr val="bg2">
+                    <a:lumMod val="40000"/>
+                    <a:lumOff val="60000"/>
+                  </a:schemeClr>
+                </a:solidFill>
+              </a:defRPr>
             </a:lvl1pPr>
             <a:lvl2pPr marL="457200" indent="0">
               <a:buNone/>
@@ -1734,13 +4276,7 @@
       </p:sp>
       <p:sp>
         <p:nvSpPr>
-          <p:cNvPr id="6" name="Content Placeholder 5">
-            <a:extLst>
-              <a:ext uri="{FF2B5EF4-FFF2-40B4-BE49-F238E27FC236}">
-                <a16:creationId xmlns:a16="http://schemas.microsoft.com/office/drawing/2014/main" id="{C279CD28-244E-414A-9CB9-937E984F68F7}"/>
-              </a:ext>
-            </a:extLst>
-          </p:cNvPr>
+          <p:cNvPr id="6" name="Content Placeholder 5"/>
           <p:cNvSpPr>
             <a:spLocks noGrp="1"/>
           </p:cNvSpPr>
@@ -1750,13 +4286,43 @@
         </p:nvSpPr>
         <p:spPr>
           <a:xfrm>
-            <a:off x="6172200" y="2505075"/>
-            <a:ext cx="5183188" cy="3684588"/>
+            <a:off x="5654495" y="2514600"/>
+            <a:ext cx="4396339" cy="3741738"/>
           </a:xfrm>
         </p:spPr>
         <p:txBody>
-          <a:bodyPr/>
-          <a:lstStyle/>
+          <a:bodyPr>
+            <a:normAutofit/>
+          </a:bodyPr>
+          <a:lstStyle>
+            <a:lvl1pPr>
+              <a:defRPr sz="1800"/>
+            </a:lvl1pPr>
+            <a:lvl2pPr>
+              <a:defRPr sz="1600"/>
+            </a:lvl2pPr>
+            <a:lvl3pPr>
+              <a:defRPr sz="1400"/>
+            </a:lvl3pPr>
+            <a:lvl4pPr>
+              <a:defRPr sz="1200"/>
+            </a:lvl4pPr>
+            <a:lvl5pPr>
+              <a:defRPr sz="1200"/>
+            </a:lvl5pPr>
+            <a:lvl6pPr>
+              <a:defRPr sz="1200"/>
+            </a:lvl6pPr>
+            <a:lvl7pPr>
+              <a:defRPr sz="1200"/>
+            </a:lvl7pPr>
+            <a:lvl8pPr>
+              <a:defRPr sz="1200"/>
+            </a:lvl8pPr>
+            <a:lvl9pPr>
+              <a:defRPr sz="1200"/>
+            </a:lvl9pPr>
+          </a:lstStyle>
           <a:p>
             <a:pPr lvl="0"/>
             <a:r>
@@ -1791,18 +4357,13 @@
               <a:rPr lang="en-US"/>
               <a:t>Fifth level</a:t>
             </a:r>
-          </a:p>
-        </p:txBody>
-      </p:sp>
-      <p:sp>
-        <p:nvSpPr>
-          <p:cNvPr id="7" name="Date Placeholder 6">
-            <a:extLst>
-              <a:ext uri="{FF2B5EF4-FFF2-40B4-BE49-F238E27FC236}">
-                <a16:creationId xmlns:a16="http://schemas.microsoft.com/office/drawing/2014/main" id="{4389FEFD-C476-4C58-B52B-80C8512DC5D9}"/>
-              </a:ext>
-            </a:extLst>
-          </p:cNvPr>
+            <a:endParaRPr lang="en-US" dirty="0"/>
+          </a:p>
+        </p:txBody>
+      </p:sp>
+      <p:sp>
+        <p:nvSpPr>
+          <p:cNvPr id="7" name="Date Placeholder 6"/>
           <p:cNvSpPr>
             <a:spLocks noGrp="1"/>
           </p:cNvSpPr>
@@ -1817,7 +4378,7 @@
           <a:p>
             <a:fld id="{BB57D48A-DF84-4AD1-B677-45A21F9EA7A8}" type="datetimeFigureOut">
               <a:rPr lang="en-US" smtClean="0"/>
-              <a:t>9/14/2021</a:t>
+              <a:t>11/13/2021</a:t>
             </a:fld>
             <a:endParaRPr lang="en-US"/>
           </a:p>
@@ -1825,13 +4386,7 @@
       </p:sp>
       <p:sp>
         <p:nvSpPr>
-          <p:cNvPr id="8" name="Footer Placeholder 7">
-            <a:extLst>
-              <a:ext uri="{FF2B5EF4-FFF2-40B4-BE49-F238E27FC236}">
-                <a16:creationId xmlns:a16="http://schemas.microsoft.com/office/drawing/2014/main" id="{AF50320D-6723-47CC-8EBA-D029B50643A9}"/>
-              </a:ext>
-            </a:extLst>
-          </p:cNvPr>
+          <p:cNvPr id="8" name="Footer Placeholder 7"/>
           <p:cNvSpPr>
             <a:spLocks noGrp="1"/>
           </p:cNvSpPr>
@@ -1850,13 +4405,7 @@
       </p:sp>
       <p:sp>
         <p:nvSpPr>
-          <p:cNvPr id="9" name="Slide Number Placeholder 8">
-            <a:extLst>
-              <a:ext uri="{FF2B5EF4-FFF2-40B4-BE49-F238E27FC236}">
-                <a16:creationId xmlns:a16="http://schemas.microsoft.com/office/drawing/2014/main" id="{6C49FD33-0D7E-4DA7-B66A-A7A055836D38}"/>
-              </a:ext>
-            </a:extLst>
-          </p:cNvPr>
+          <p:cNvPr id="9" name="Slide Number Placeholder 8"/>
           <p:cNvSpPr>
             <a:spLocks noGrp="1"/>
           </p:cNvSpPr>
@@ -1880,7 +4429,7 @@
     </p:spTree>
     <p:extLst>
       <p:ext uri="{BB962C8B-B14F-4D97-AF65-F5344CB8AC3E}">
-        <p14:creationId xmlns:p14="http://schemas.microsoft.com/office/powerpoint/2010/main" val="4060370782"/>
+        <p14:creationId xmlns:p14="http://schemas.microsoft.com/office/powerpoint/2010/main" val="3213894439"/>
       </p:ext>
     </p:extLst>
   </p:cSld>
@@ -1909,13 +4458,7 @@
       </p:grpSpPr>
       <p:sp>
         <p:nvSpPr>
-          <p:cNvPr id="2" name="Title 1">
-            <a:extLst>
-              <a:ext uri="{FF2B5EF4-FFF2-40B4-BE49-F238E27FC236}">
-                <a16:creationId xmlns:a16="http://schemas.microsoft.com/office/drawing/2014/main" id="{A5D0460D-AA97-4FB4-9C40-4B17D9CD1922}"/>
-              </a:ext>
-            </a:extLst>
-          </p:cNvPr>
+          <p:cNvPr id="2" name="Title 1"/>
           <p:cNvSpPr>
             <a:spLocks noGrp="1"/>
           </p:cNvSpPr>
@@ -1932,18 +4475,13 @@
               <a:rPr lang="en-US"/>
               <a:t>Click to edit Master title style</a:t>
             </a:r>
-          </a:p>
-        </p:txBody>
-      </p:sp>
-      <p:sp>
-        <p:nvSpPr>
-          <p:cNvPr id="3" name="Date Placeholder 2">
-            <a:extLst>
-              <a:ext uri="{FF2B5EF4-FFF2-40B4-BE49-F238E27FC236}">
-                <a16:creationId xmlns:a16="http://schemas.microsoft.com/office/drawing/2014/main" id="{ABBBA359-2189-467D-9B1E-B5E65ADE8654}"/>
-              </a:ext>
-            </a:extLst>
-          </p:cNvPr>
+            <a:endParaRPr lang="en-US" dirty="0"/>
+          </a:p>
+        </p:txBody>
+      </p:sp>
+      <p:sp>
+        <p:nvSpPr>
+          <p:cNvPr id="7" name="Date Placeholder 2"/>
           <p:cNvSpPr>
             <a:spLocks noGrp="1"/>
           </p:cNvSpPr>
@@ -1958,7 +4496,7 @@
           <a:p>
             <a:fld id="{BB57D48A-DF84-4AD1-B677-45A21F9EA7A8}" type="datetimeFigureOut">
               <a:rPr lang="en-US" smtClean="0"/>
-              <a:t>9/14/2021</a:t>
+              <a:t>11/13/2021</a:t>
             </a:fld>
             <a:endParaRPr lang="en-US"/>
           </a:p>
@@ -1966,13 +4504,7 @@
       </p:sp>
       <p:sp>
         <p:nvSpPr>
-          <p:cNvPr id="4" name="Footer Placeholder 3">
-            <a:extLst>
-              <a:ext uri="{FF2B5EF4-FFF2-40B4-BE49-F238E27FC236}">
-                <a16:creationId xmlns:a16="http://schemas.microsoft.com/office/drawing/2014/main" id="{4A3EA13E-51DD-41B9-B189-7317538A6A3E}"/>
-              </a:ext>
-            </a:extLst>
-          </p:cNvPr>
+          <p:cNvPr id="5" name="Footer Placeholder 3"/>
           <p:cNvSpPr>
             <a:spLocks noGrp="1"/>
           </p:cNvSpPr>
@@ -1991,13 +4523,7 @@
       </p:sp>
       <p:sp>
         <p:nvSpPr>
-          <p:cNvPr id="5" name="Slide Number Placeholder 4">
-            <a:extLst>
-              <a:ext uri="{FF2B5EF4-FFF2-40B4-BE49-F238E27FC236}">
-                <a16:creationId xmlns:a16="http://schemas.microsoft.com/office/drawing/2014/main" id="{3ED2D8A4-3A3C-45E8-8C13-B0D2BB24DFD3}"/>
-              </a:ext>
-            </a:extLst>
-          </p:cNvPr>
+          <p:cNvPr id="6" name="Slide Number Placeholder 4"/>
           <p:cNvSpPr>
             <a:spLocks noGrp="1"/>
           </p:cNvSpPr>
@@ -2021,7 +4547,7 @@
     </p:spTree>
     <p:extLst>
       <p:ext uri="{BB962C8B-B14F-4D97-AF65-F5344CB8AC3E}">
-        <p14:creationId xmlns:p14="http://schemas.microsoft.com/office/powerpoint/2010/main" val="694786654"/>
+        <p14:creationId xmlns:p14="http://schemas.microsoft.com/office/powerpoint/2010/main" val="3610472609"/>
       </p:ext>
     </p:extLst>
   </p:cSld>
@@ -2050,13 +4576,7 @@
       </p:grpSpPr>
       <p:sp>
         <p:nvSpPr>
-          <p:cNvPr id="2" name="Date Placeholder 1">
-            <a:extLst>
-              <a:ext uri="{FF2B5EF4-FFF2-40B4-BE49-F238E27FC236}">
-                <a16:creationId xmlns:a16="http://schemas.microsoft.com/office/drawing/2014/main" id="{3768B112-23D6-4F0C-AB5A-8B87D72C4BB3}"/>
-              </a:ext>
-            </a:extLst>
-          </p:cNvPr>
+          <p:cNvPr id="7" name="Date Placeholder 1"/>
           <p:cNvSpPr>
             <a:spLocks noGrp="1"/>
           </p:cNvSpPr>
@@ -2071,7 +4591,7 @@
           <a:p>
             <a:fld id="{BB57D48A-DF84-4AD1-B677-45A21F9EA7A8}" type="datetimeFigureOut">
               <a:rPr lang="en-US" smtClean="0"/>
-              <a:t>9/14/2021</a:t>
+              <a:t>11/13/2021</a:t>
             </a:fld>
             <a:endParaRPr lang="en-US"/>
           </a:p>
@@ -2079,13 +4599,7 @@
       </p:sp>
       <p:sp>
         <p:nvSpPr>
-          <p:cNvPr id="3" name="Footer Placeholder 2">
-            <a:extLst>
-              <a:ext uri="{FF2B5EF4-FFF2-40B4-BE49-F238E27FC236}">
-                <a16:creationId xmlns:a16="http://schemas.microsoft.com/office/drawing/2014/main" id="{A85D1F3A-A3ED-4967-A3E2-2D6569A09223}"/>
-              </a:ext>
-            </a:extLst>
-          </p:cNvPr>
+          <p:cNvPr id="5" name="Footer Placeholder 2"/>
           <p:cNvSpPr>
             <a:spLocks noGrp="1"/>
           </p:cNvSpPr>
@@ -2104,13 +4618,7 @@
       </p:sp>
       <p:sp>
         <p:nvSpPr>
-          <p:cNvPr id="4" name="Slide Number Placeholder 3">
-            <a:extLst>
-              <a:ext uri="{FF2B5EF4-FFF2-40B4-BE49-F238E27FC236}">
-                <a16:creationId xmlns:a16="http://schemas.microsoft.com/office/drawing/2014/main" id="{A6A61EC0-3402-4623-9A92-E9C443974C60}"/>
-              </a:ext>
-            </a:extLst>
-          </p:cNvPr>
+          <p:cNvPr id="6" name="Slide Number Placeholder 3"/>
           <p:cNvSpPr>
             <a:spLocks noGrp="1"/>
           </p:cNvSpPr>
@@ -2134,7 +4642,7 @@
     </p:spTree>
     <p:extLst>
       <p:ext uri="{BB962C8B-B14F-4D97-AF65-F5344CB8AC3E}">
-        <p14:creationId xmlns:p14="http://schemas.microsoft.com/office/powerpoint/2010/main" val="4294214357"/>
+        <p14:creationId xmlns:p14="http://schemas.microsoft.com/office/powerpoint/2010/main" val="958806704"/>
       </p:ext>
     </p:extLst>
   </p:cSld>
@@ -2163,13 +4671,7 @@
       </p:grpSpPr>
       <p:sp>
         <p:nvSpPr>
-          <p:cNvPr id="2" name="Title 1">
-            <a:extLst>
-              <a:ext uri="{FF2B5EF4-FFF2-40B4-BE49-F238E27FC236}">
-                <a16:creationId xmlns:a16="http://schemas.microsoft.com/office/drawing/2014/main" id="{6E704A1C-0974-43DE-B633-8AF9534330FF}"/>
-              </a:ext>
-            </a:extLst>
-          </p:cNvPr>
+          <p:cNvPr id="2" name="Title 1"/>
           <p:cNvSpPr>
             <a:spLocks noGrp="1"/>
           </p:cNvSpPr>
@@ -2179,15 +4681,15 @@
         </p:nvSpPr>
         <p:spPr>
           <a:xfrm>
-            <a:off x="839788" y="457200"/>
-            <a:ext cx="3932237" cy="1600200"/>
+            <a:off x="1154953" y="1447800"/>
+            <a:ext cx="3401064" cy="1447800"/>
           </a:xfrm>
         </p:spPr>
         <p:txBody>
           <a:bodyPr anchor="b"/>
           <a:lstStyle>
-            <a:lvl1pPr>
-              <a:defRPr sz="3200"/>
+            <a:lvl1pPr algn="l">
+              <a:defRPr sz="2400" b="0"/>
             </a:lvl1pPr>
           </a:lstStyle>
           <a:p>
@@ -2195,18 +4697,13 @@
               <a:rPr lang="en-US"/>
               <a:t>Click to edit Master title style</a:t>
             </a:r>
-          </a:p>
-        </p:txBody>
-      </p:sp>
-      <p:sp>
-        <p:nvSpPr>
-          <p:cNvPr id="3" name="Content Placeholder 2">
-            <a:extLst>
-              <a:ext uri="{FF2B5EF4-FFF2-40B4-BE49-F238E27FC236}">
-                <a16:creationId xmlns:a16="http://schemas.microsoft.com/office/drawing/2014/main" id="{0EA5ACBA-B5A3-4A62-8E83-F2045D45B594}"/>
-              </a:ext>
-            </a:extLst>
-          </p:cNvPr>
+            <a:endParaRPr lang="en-US" dirty="0"/>
+          </a:p>
+        </p:txBody>
+      </p:sp>
+      <p:sp>
+        <p:nvSpPr>
+          <p:cNvPr id="3" name="Content Placeholder 2"/>
           <p:cNvSpPr>
             <a:spLocks noGrp="1"/>
           </p:cNvSpPr>
@@ -2216,39 +4713,41 @@
         </p:nvSpPr>
         <p:spPr>
           <a:xfrm>
-            <a:off x="5183188" y="987425"/>
-            <a:ext cx="6172200" cy="4873625"/>
+            <a:off x="4784616" y="1447800"/>
+            <a:ext cx="5195997" cy="4572000"/>
           </a:xfrm>
         </p:spPr>
         <p:txBody>
-          <a:bodyPr/>
+          <a:bodyPr anchor="ctr">
+            <a:normAutofit/>
+          </a:bodyPr>
           <a:lstStyle>
             <a:lvl1pPr>
-              <a:defRPr sz="3200"/>
+              <a:defRPr sz="2000"/>
             </a:lvl1pPr>
             <a:lvl2pPr>
-              <a:defRPr sz="2800"/>
+              <a:defRPr sz="1800"/>
             </a:lvl2pPr>
             <a:lvl3pPr>
-              <a:defRPr sz="2400"/>
+              <a:defRPr sz="1600"/>
             </a:lvl3pPr>
             <a:lvl4pPr>
-              <a:defRPr sz="2000"/>
+              <a:defRPr sz="1400"/>
             </a:lvl4pPr>
             <a:lvl5pPr>
-              <a:defRPr sz="2000"/>
+              <a:defRPr sz="1400"/>
             </a:lvl5pPr>
             <a:lvl6pPr>
-              <a:defRPr sz="2000"/>
+              <a:defRPr sz="1400"/>
             </a:lvl6pPr>
             <a:lvl7pPr>
-              <a:defRPr sz="2000"/>
+              <a:defRPr sz="1400"/>
             </a:lvl7pPr>
             <a:lvl8pPr>
-              <a:defRPr sz="2000"/>
+              <a:defRPr sz="1400"/>
             </a:lvl8pPr>
             <a:lvl9pPr>
-              <a:defRPr sz="2000"/>
+              <a:defRPr sz="1400"/>
             </a:lvl9pPr>
           </a:lstStyle>
           <a:p>
@@ -2285,18 +4784,13 @@
               <a:rPr lang="en-US"/>
               <a:t>Fifth level</a:t>
             </a:r>
-          </a:p>
-        </p:txBody>
-      </p:sp>
-      <p:sp>
-        <p:nvSpPr>
-          <p:cNvPr id="4" name="Text Placeholder 3">
-            <a:extLst>
-              <a:ext uri="{FF2B5EF4-FFF2-40B4-BE49-F238E27FC236}">
-                <a16:creationId xmlns:a16="http://schemas.microsoft.com/office/drawing/2014/main" id="{5AC71711-282D-4D2E-A543-51100A7305C1}"/>
-              </a:ext>
-            </a:extLst>
-          </p:cNvPr>
+            <a:endParaRPr lang="en-US" dirty="0"/>
+          </a:p>
+        </p:txBody>
+      </p:sp>
+      <p:sp>
+        <p:nvSpPr>
+          <p:cNvPr id="4" name="Text Placeholder 3"/>
           <p:cNvSpPr>
             <a:spLocks noGrp="1"/>
           </p:cNvSpPr>
@@ -2306,8 +4800,8 @@
         </p:nvSpPr>
         <p:spPr>
           <a:xfrm>
-            <a:off x="839788" y="2057400"/>
-            <a:ext cx="3932237" cy="3811588"/>
+            <a:off x="1154953" y="3129280"/>
+            <a:ext cx="3401063" cy="2895599"/>
           </a:xfrm>
         </p:spPr>
         <p:txBody>
@@ -2315,39 +4809,39 @@
           <a:lstStyle>
             <a:lvl1pPr marL="0" indent="0">
               <a:buNone/>
-              <a:defRPr sz="1600"/>
+              <a:defRPr sz="1400"/>
             </a:lvl1pPr>
             <a:lvl2pPr marL="457200" indent="0">
               <a:buNone/>
-              <a:defRPr sz="1400"/>
+              <a:defRPr sz="1200"/>
             </a:lvl2pPr>
             <a:lvl3pPr marL="914400" indent="0">
               <a:buNone/>
-              <a:defRPr sz="1200"/>
+              <a:defRPr sz="1000"/>
             </a:lvl3pPr>
             <a:lvl4pPr marL="1371600" indent="0">
               <a:buNone/>
-              <a:defRPr sz="1000"/>
+              <a:defRPr sz="900"/>
             </a:lvl4pPr>
             <a:lvl5pPr marL="1828800" indent="0">
               <a:buNone/>
-              <a:defRPr sz="1000"/>
+              <a:defRPr sz="900"/>
             </a:lvl5pPr>
             <a:lvl6pPr marL="2286000" indent="0">
               <a:buNone/>
-              <a:defRPr sz="1000"/>
+              <a:defRPr sz="900"/>
             </a:lvl6pPr>
             <a:lvl7pPr marL="2743200" indent="0">
               <a:buNone/>
-              <a:defRPr sz="1000"/>
+              <a:defRPr sz="900"/>
             </a:lvl7pPr>
             <a:lvl8pPr marL="3200400" indent="0">
               <a:buNone/>
-              <a:defRPr sz="1000"/>
+              <a:defRPr sz="900"/>
             </a:lvl8pPr>
             <a:lvl9pPr marL="3657600" indent="0">
               <a:buNone/>
-              <a:defRPr sz="1000"/>
+              <a:defRPr sz="900"/>
             </a:lvl9pPr>
           </a:lstStyle>
           <a:p>
@@ -2361,13 +4855,7 @@
       </p:sp>
       <p:sp>
         <p:nvSpPr>
-          <p:cNvPr id="5" name="Date Placeholder 4">
-            <a:extLst>
-              <a:ext uri="{FF2B5EF4-FFF2-40B4-BE49-F238E27FC236}">
-                <a16:creationId xmlns:a16="http://schemas.microsoft.com/office/drawing/2014/main" id="{6A2F5D93-B4DA-4FA5-A90E-8A9EF2E3EF5D}"/>
-              </a:ext>
-            </a:extLst>
-          </p:cNvPr>
+          <p:cNvPr id="7" name="Date Placeholder 4"/>
           <p:cNvSpPr>
             <a:spLocks noGrp="1"/>
           </p:cNvSpPr>
@@ -2382,7 +4870,7 @@
           <a:p>
             <a:fld id="{BB57D48A-DF84-4AD1-B677-45A21F9EA7A8}" type="datetimeFigureOut">
               <a:rPr lang="en-US" smtClean="0"/>
-              <a:t>9/14/2021</a:t>
+              <a:t>11/13/2021</a:t>
             </a:fld>
             <a:endParaRPr lang="en-US"/>
           </a:p>
@@ -2390,13 +4878,7 @@
       </p:sp>
       <p:sp>
         <p:nvSpPr>
-          <p:cNvPr id="6" name="Footer Placeholder 5">
-            <a:extLst>
-              <a:ext uri="{FF2B5EF4-FFF2-40B4-BE49-F238E27FC236}">
-                <a16:creationId xmlns:a16="http://schemas.microsoft.com/office/drawing/2014/main" id="{70AFBBDD-456B-48A4-8409-9C1A6D5AA7FD}"/>
-              </a:ext>
-            </a:extLst>
-          </p:cNvPr>
+          <p:cNvPr id="5" name="Footer Placeholder 5"/>
           <p:cNvSpPr>
             <a:spLocks noGrp="1"/>
           </p:cNvSpPr>
@@ -2415,13 +4897,7 @@
       </p:sp>
       <p:sp>
         <p:nvSpPr>
-          <p:cNvPr id="7" name="Slide Number Placeholder 6">
-            <a:extLst>
-              <a:ext uri="{FF2B5EF4-FFF2-40B4-BE49-F238E27FC236}">
-                <a16:creationId xmlns:a16="http://schemas.microsoft.com/office/drawing/2014/main" id="{A7F51754-91F5-44E4-B380-85041AC21B66}"/>
-              </a:ext>
-            </a:extLst>
-          </p:cNvPr>
+          <p:cNvPr id="6" name="Slide Number Placeholder 6"/>
           <p:cNvSpPr>
             <a:spLocks noGrp="1"/>
           </p:cNvSpPr>
@@ -2445,7 +4921,7 @@
     </p:spTree>
     <p:extLst>
       <p:ext uri="{BB962C8B-B14F-4D97-AF65-F5344CB8AC3E}">
-        <p14:creationId xmlns:p14="http://schemas.microsoft.com/office/powerpoint/2010/main" val="1223122990"/>
+        <p14:creationId xmlns:p14="http://schemas.microsoft.com/office/powerpoint/2010/main" val="1614518655"/>
       </p:ext>
     </p:extLst>
   </p:cSld>
@@ -2474,13 +4950,7 @@
       </p:grpSpPr>
       <p:sp>
         <p:nvSpPr>
-          <p:cNvPr id="2" name="Title 1">
-            <a:extLst>
-              <a:ext uri="{FF2B5EF4-FFF2-40B4-BE49-F238E27FC236}">
-                <a16:creationId xmlns:a16="http://schemas.microsoft.com/office/drawing/2014/main" id="{4EB91EC1-52B0-40D6-BAF6-9334217CD254}"/>
-              </a:ext>
-            </a:extLst>
-          </p:cNvPr>
+          <p:cNvPr id="2" name="Title 1"/>
           <p:cNvSpPr>
             <a:spLocks noGrp="1"/>
           </p:cNvSpPr>
@@ -2490,15 +4960,17 @@
         </p:nvSpPr>
         <p:spPr>
           <a:xfrm>
-            <a:off x="839788" y="457200"/>
-            <a:ext cx="3932237" cy="1600200"/>
+            <a:off x="1153907" y="1854192"/>
+            <a:ext cx="5092906" cy="1574808"/>
           </a:xfrm>
         </p:spPr>
         <p:txBody>
-          <a:bodyPr anchor="b"/>
+          <a:bodyPr anchor="b">
+            <a:normAutofit/>
+          </a:bodyPr>
           <a:lstStyle>
-            <a:lvl1pPr>
-              <a:defRPr sz="3200"/>
+            <a:lvl1pPr algn="l">
+              <a:defRPr sz="3600" b="0"/>
             </a:lvl1pPr>
           </a:lstStyle>
           <a:p>
@@ -2506,20 +4978,15 @@
               <a:rPr lang="en-US"/>
               <a:t>Click to edit Master title style</a:t>
             </a:r>
-          </a:p>
-        </p:txBody>
-      </p:sp>
-      <p:sp>
-        <p:nvSpPr>
-          <p:cNvPr id="3" name="Picture Placeholder 2">
-            <a:extLst>
-              <a:ext uri="{FF2B5EF4-FFF2-40B4-BE49-F238E27FC236}">
-                <a16:creationId xmlns:a16="http://schemas.microsoft.com/office/drawing/2014/main" id="{99080DB0-3993-43F1-98E2-4D2FD329082F}"/>
-              </a:ext>
-            </a:extLst>
-          </p:cNvPr>
-          <p:cNvSpPr>
-            <a:spLocks noGrp="1"/>
+            <a:endParaRPr lang="en-US" dirty="0"/>
+          </a:p>
+        </p:txBody>
+      </p:sp>
+      <p:sp>
+        <p:nvSpPr>
+          <p:cNvPr id="3" name="Picture Placeholder 2"/>
+          <p:cNvSpPr>
+            <a:spLocks noGrp="1" noChangeAspect="1"/>
           </p:cNvSpPr>
           <p:nvPr>
             <p:ph type="pic" idx="1"/>
@@ -2527,118 +4994,132 @@
         </p:nvSpPr>
         <p:spPr>
           <a:xfrm>
-            <a:off x="5183188" y="987425"/>
-            <a:ext cx="6172200" cy="4873625"/>
+            <a:off x="6949546" y="1143000"/>
+            <a:ext cx="3200400" cy="4572000"/>
           </a:xfrm>
+          <a:prstGeom prst="roundRect">
+            <a:avLst>
+              <a:gd name="adj" fmla="val 1858"/>
+            </a:avLst>
+          </a:prstGeom>
+          <a:effectLst>
+            <a:outerShdw blurRad="50800" dist="50800" dir="5400000" algn="tl" rotWithShape="0">
+              <a:srgbClr val="000000">
+                <a:alpha val="43000"/>
+              </a:srgbClr>
+            </a:outerShdw>
+          </a:effectLst>
         </p:spPr>
         <p:txBody>
-          <a:bodyPr/>
+          <a:bodyPr anchor="t">
+            <a:normAutofit/>
+          </a:bodyPr>
           <a:lstStyle>
-            <a:lvl1pPr marL="0" indent="0">
-              <a:buNone/>
-              <a:defRPr sz="3200"/>
-            </a:lvl1pPr>
-            <a:lvl2pPr marL="457200" indent="0">
-              <a:buNone/>
-              <a:defRPr sz="2800"/>
-            </a:lvl2pPr>
-            <a:lvl3pPr marL="914400" indent="0">
-              <a:buNone/>
-              <a:defRPr sz="2400"/>
-            </a:lvl3pPr>
-            <a:lvl4pPr marL="1371600" indent="0">
-              <a:buNone/>
-              <a:defRPr sz="2000"/>
-            </a:lvl4pPr>
-            <a:lvl5pPr marL="1828800" indent="0">
-              <a:buNone/>
-              <a:defRPr sz="2000"/>
-            </a:lvl5pPr>
-            <a:lvl6pPr marL="2286000" indent="0">
-              <a:buNone/>
-              <a:defRPr sz="2000"/>
-            </a:lvl6pPr>
-            <a:lvl7pPr marL="2743200" indent="0">
-              <a:buNone/>
-              <a:defRPr sz="2000"/>
-            </a:lvl7pPr>
-            <a:lvl8pPr marL="3200400" indent="0">
-              <a:buNone/>
-              <a:defRPr sz="2000"/>
-            </a:lvl8pPr>
-            <a:lvl9pPr marL="3657600" indent="0">
-              <a:buNone/>
-              <a:defRPr sz="2000"/>
-            </a:lvl9pPr>
-          </a:lstStyle>
-          <a:p>
-            <a:endParaRPr lang="en-US"/>
-          </a:p>
-        </p:txBody>
-      </p:sp>
-      <p:sp>
-        <p:nvSpPr>
-          <p:cNvPr id="4" name="Text Placeholder 3">
-            <a:extLst>
-              <a:ext uri="{FF2B5EF4-FFF2-40B4-BE49-F238E27FC236}">
-                <a16:creationId xmlns:a16="http://schemas.microsoft.com/office/drawing/2014/main" id="{92458924-A3C6-4445-B9D6-330214011B56}"/>
-              </a:ext>
-            </a:extLst>
-          </p:cNvPr>
-          <p:cNvSpPr>
-            <a:spLocks noGrp="1"/>
-          </p:cNvSpPr>
-          <p:nvPr>
-            <p:ph type="body" sz="half" idx="2"/>
-          </p:nvPr>
-        </p:nvSpPr>
-        <p:spPr>
-          <a:xfrm>
-            <a:off x="839788" y="2057400"/>
-            <a:ext cx="3932237" cy="3811588"/>
-          </a:xfrm>
-        </p:spPr>
-        <p:txBody>
-          <a:bodyPr/>
-          <a:lstStyle>
-            <a:lvl1pPr marL="0" indent="0">
+            <a:lvl1pPr marL="0" indent="0" algn="ctr">
               <a:buNone/>
               <a:defRPr sz="1600"/>
             </a:lvl1pPr>
             <a:lvl2pPr marL="457200" indent="0">
               <a:buNone/>
-              <a:defRPr sz="1400"/>
+              <a:defRPr sz="1600"/>
             </a:lvl2pPr>
             <a:lvl3pPr marL="914400" indent="0">
               <a:buNone/>
-              <a:defRPr sz="1200"/>
+              <a:defRPr sz="1600"/>
             </a:lvl3pPr>
             <a:lvl4pPr marL="1371600" indent="0">
               <a:buNone/>
-              <a:defRPr sz="1000"/>
+              <a:defRPr sz="1600"/>
             </a:lvl4pPr>
             <a:lvl5pPr marL="1828800" indent="0">
               <a:buNone/>
-              <a:defRPr sz="1000"/>
+              <a:defRPr sz="1600"/>
             </a:lvl5pPr>
             <a:lvl6pPr marL="2286000" indent="0">
               <a:buNone/>
-              <a:defRPr sz="1000"/>
+              <a:defRPr sz="1600"/>
             </a:lvl6pPr>
             <a:lvl7pPr marL="2743200" indent="0">
               <a:buNone/>
-              <a:defRPr sz="1000"/>
+              <a:defRPr sz="1600"/>
             </a:lvl7pPr>
             <a:lvl8pPr marL="3200400" indent="0">
               <a:buNone/>
-              <a:defRPr sz="1000"/>
+              <a:defRPr sz="1600"/>
             </a:lvl8pPr>
             <a:lvl9pPr marL="3657600" indent="0">
               <a:buNone/>
-              <a:defRPr sz="1000"/>
+              <a:defRPr sz="1600"/>
             </a:lvl9pPr>
           </a:lstStyle>
           <a:p>
+            <a:r>
+              <a:rPr lang="en-US"/>
+              <a:t>Click icon to add picture</a:t>
+            </a:r>
+            <a:endParaRPr lang="en-US" dirty="0"/>
+          </a:p>
+        </p:txBody>
+      </p:sp>
+      <p:sp>
+        <p:nvSpPr>
+          <p:cNvPr id="4" name="Text Placeholder 3"/>
+          <p:cNvSpPr>
+            <a:spLocks noGrp="1"/>
+          </p:cNvSpPr>
+          <p:nvPr>
+            <p:ph type="body" sz="half" idx="2"/>
+          </p:nvPr>
+        </p:nvSpPr>
+        <p:spPr>
+          <a:xfrm>
+            <a:off x="1154954" y="3657600"/>
+            <a:ext cx="5084979" cy="1371600"/>
+          </a:xfrm>
+        </p:spPr>
+        <p:txBody>
+          <a:bodyPr>
+            <a:normAutofit/>
+          </a:bodyPr>
+          <a:lstStyle>
+            <a:lvl1pPr marL="0" indent="0">
+              <a:buNone/>
+              <a:defRPr sz="1400"/>
+            </a:lvl1pPr>
+            <a:lvl2pPr marL="457200" indent="0">
+              <a:buNone/>
+              <a:defRPr sz="1200"/>
+            </a:lvl2pPr>
+            <a:lvl3pPr marL="914400" indent="0">
+              <a:buNone/>
+              <a:defRPr sz="1000"/>
+            </a:lvl3pPr>
+            <a:lvl4pPr marL="1371600" indent="0">
+              <a:buNone/>
+              <a:defRPr sz="900"/>
+            </a:lvl4pPr>
+            <a:lvl5pPr marL="1828800" indent="0">
+              <a:buNone/>
+              <a:defRPr sz="900"/>
+            </a:lvl5pPr>
+            <a:lvl6pPr marL="2286000" indent="0">
+              <a:buNone/>
+              <a:defRPr sz="900"/>
+            </a:lvl6pPr>
+            <a:lvl7pPr marL="2743200" indent="0">
+              <a:buNone/>
+              <a:defRPr sz="900"/>
+            </a:lvl7pPr>
+            <a:lvl8pPr marL="3200400" indent="0">
+              <a:buNone/>
+              <a:defRPr sz="900"/>
+            </a:lvl8pPr>
+            <a:lvl9pPr marL="3657600" indent="0">
+              <a:buNone/>
+              <a:defRPr sz="900"/>
+            </a:lvl9pPr>
+          </a:lstStyle>
+          <a:p>
             <a:pPr lvl="0"/>
             <a:r>
               <a:rPr lang="en-US"/>
@@ -2649,13 +5130,7 @@
       </p:sp>
       <p:sp>
         <p:nvSpPr>
-          <p:cNvPr id="5" name="Date Placeholder 4">
-            <a:extLst>
-              <a:ext uri="{FF2B5EF4-FFF2-40B4-BE49-F238E27FC236}">
-                <a16:creationId xmlns:a16="http://schemas.microsoft.com/office/drawing/2014/main" id="{61161765-CFE2-444F-B59D-00BF5B4BE1F7}"/>
-              </a:ext>
-            </a:extLst>
-          </p:cNvPr>
+          <p:cNvPr id="5" name="Date Placeholder 4"/>
           <p:cNvSpPr>
             <a:spLocks noGrp="1"/>
           </p:cNvSpPr>
@@ -2670,7 +5145,7 @@
           <a:p>
             <a:fld id="{BB57D48A-DF84-4AD1-B677-45A21F9EA7A8}" type="datetimeFigureOut">
               <a:rPr lang="en-US" smtClean="0"/>
-              <a:t>9/14/2021</a:t>
+              <a:t>11/13/2021</a:t>
             </a:fld>
             <a:endParaRPr lang="en-US"/>
           </a:p>
@@ -2678,13 +5153,7 @@
       </p:sp>
       <p:sp>
         <p:nvSpPr>
-          <p:cNvPr id="6" name="Footer Placeholder 5">
-            <a:extLst>
-              <a:ext uri="{FF2B5EF4-FFF2-40B4-BE49-F238E27FC236}">
-                <a16:creationId xmlns:a16="http://schemas.microsoft.com/office/drawing/2014/main" id="{4A9472A9-FF24-4F5B-8651-8C366932A264}"/>
-              </a:ext>
-            </a:extLst>
-          </p:cNvPr>
+          <p:cNvPr id="6" name="Footer Placeholder 5"/>
           <p:cNvSpPr>
             <a:spLocks noGrp="1"/>
           </p:cNvSpPr>
@@ -2703,13 +5172,7 @@
       </p:sp>
       <p:sp>
         <p:nvSpPr>
-          <p:cNvPr id="7" name="Slide Number Placeholder 6">
-            <a:extLst>
-              <a:ext uri="{FF2B5EF4-FFF2-40B4-BE49-F238E27FC236}">
-                <a16:creationId xmlns:a16="http://schemas.microsoft.com/office/drawing/2014/main" id="{1B592FBE-9725-424E-B702-67C81F4E3210}"/>
-              </a:ext>
-            </a:extLst>
-          </p:cNvPr>
+          <p:cNvPr id="7" name="Slide Number Placeholder 6"/>
           <p:cNvSpPr>
             <a:spLocks noGrp="1"/>
           </p:cNvSpPr>
@@ -2733,7 +5196,7 @@
     </p:spTree>
     <p:extLst>
       <p:ext uri="{BB962C8B-B14F-4D97-AF65-F5344CB8AC3E}">
-        <p14:creationId xmlns:p14="http://schemas.microsoft.com/office/powerpoint/2010/main" val="843207253"/>
+        <p14:creationId xmlns:p14="http://schemas.microsoft.com/office/powerpoint/2010/main" val="2830577944"/>
       </p:ext>
     </p:extLst>
   </p:cSld>
@@ -2747,8 +5210,8 @@
 <p:sldMaster xmlns:a="http://schemas.openxmlformats.org/drawingml/2006/main" xmlns:r="http://schemas.openxmlformats.org/officeDocument/2006/relationships" xmlns:p="http://schemas.openxmlformats.org/presentationml/2006/main">
   <p:cSld>
     <p:bg>
-      <p:bgRef idx="1001">
-        <a:schemeClr val="bg1"/>
+      <p:bgRef idx="1003">
+        <a:schemeClr val="bg2"/>
       </p:bgRef>
     </p:bg>
     <p:spTree>
@@ -2765,141 +5228,420 @@
           <a:chExt cx="0" cy="0"/>
         </a:xfrm>
       </p:grpSpPr>
-      <p:sp>
-        <p:nvSpPr>
-          <p:cNvPr id="2" name="Title Placeholder 1">
+      <p:pic>
+        <p:nvPicPr>
+          <p:cNvPr id="8" name="Picture 7"/>
+          <p:cNvPicPr>
+            <a:picLocks noChangeAspect="1"/>
+          </p:cNvPicPr>
+          <p:nvPr/>
+        </p:nvPicPr>
+        <p:blipFill rotWithShape="1">
+          <a:blip r:embed="rId19">
             <a:extLst>
-              <a:ext uri="{FF2B5EF4-FFF2-40B4-BE49-F238E27FC236}">
-                <a16:creationId xmlns:a16="http://schemas.microsoft.com/office/drawing/2014/main" id="{0AAF0C12-290E-4936-B79D-F6FD6F674B41}"/>
+              <a:ext uri="{28A0092B-C50C-407E-A947-70E740481C1C}">
+                <a14:useLocalDpi xmlns:a14="http://schemas.microsoft.com/office/drawing/2010/main" val="0"/>
               </a:ext>
             </a:extLst>
-          </p:cNvPr>
-          <p:cNvSpPr>
-            <a:spLocks noGrp="1"/>
-          </p:cNvSpPr>
-          <p:nvPr>
-            <p:ph type="title"/>
-          </p:nvPr>
-        </p:nvSpPr>
+          </a:blip>
+          <a:srcRect l="3613"/>
+          <a:stretch/>
+        </p:blipFill>
         <p:spPr>
           <a:xfrm>
-            <a:off x="838200" y="365125"/>
-            <a:ext cx="10515600" cy="1325563"/>
+            <a:off x="0" y="2669685"/>
+            <a:ext cx="4037012" cy="4188315"/>
           </a:xfrm>
           <a:prstGeom prst="rect">
             <a:avLst/>
           </a:prstGeom>
         </p:spPr>
-        <p:txBody>
-          <a:bodyPr vert="horz" lIns="91440" tIns="45720" rIns="91440" bIns="45720" rtlCol="0" anchor="ctr">
-            <a:normAutofit/>
-          </a:bodyPr>
-          <a:lstStyle/>
-          <a:p>
-            <a:r>
-              <a:rPr lang="en-US"/>
-              <a:t>Click to edit Master title style</a:t>
-            </a:r>
-          </a:p>
-        </p:txBody>
-      </p:sp>
-      <p:sp>
-        <p:nvSpPr>
-          <p:cNvPr id="3" name="Text Placeholder 2">
+      </p:pic>
+      <p:pic>
+        <p:nvPicPr>
+          <p:cNvPr id="7" name="Picture 6"/>
+          <p:cNvPicPr>
+            <a:picLocks noChangeAspect="1"/>
+          </p:cNvPicPr>
+          <p:nvPr/>
+        </p:nvPicPr>
+        <p:blipFill rotWithShape="1">
+          <a:blip r:embed="rId20">
             <a:extLst>
-              <a:ext uri="{FF2B5EF4-FFF2-40B4-BE49-F238E27FC236}">
-                <a16:creationId xmlns:a16="http://schemas.microsoft.com/office/drawing/2014/main" id="{560E4664-A149-48E0-8A31-32BDDA0A4950}"/>
+              <a:ext uri="{28A0092B-C50C-407E-A947-70E740481C1C}">
+                <a14:useLocalDpi xmlns:a14="http://schemas.microsoft.com/office/drawing/2010/main" val="0"/>
               </a:ext>
             </a:extLst>
-          </p:cNvPr>
-          <p:cNvSpPr>
-            <a:spLocks noGrp="1"/>
-          </p:cNvSpPr>
-          <p:nvPr>
-            <p:ph type="body" idx="1"/>
-          </p:nvPr>
-        </p:nvSpPr>
+          </a:blip>
+          <a:srcRect l="35640"/>
+          <a:stretch/>
+        </p:blipFill>
         <p:spPr>
           <a:xfrm>
-            <a:off x="838200" y="1825625"/>
-            <a:ext cx="10515600" cy="4351338"/>
+            <a:off x="0" y="2892347"/>
+            <a:ext cx="1522412" cy="2365453"/>
           </a:xfrm>
           <a:prstGeom prst="rect">
             <a:avLst/>
           </a:prstGeom>
         </p:spPr>
-        <p:txBody>
-          <a:bodyPr vert="horz" lIns="91440" tIns="45720" rIns="91440" bIns="45720" rtlCol="0">
-            <a:normAutofit/>
-          </a:bodyPr>
-          <a:lstStyle/>
-          <a:p>
-            <a:pPr lvl="0"/>
-            <a:r>
-              <a:rPr lang="en-US"/>
-              <a:t>Click to edit Master text styles</a:t>
-            </a:r>
-          </a:p>
-          <a:p>
-            <a:pPr lvl="1"/>
-            <a:r>
-              <a:rPr lang="en-US"/>
-              <a:t>Second level</a:t>
-            </a:r>
-          </a:p>
-          <a:p>
-            <a:pPr lvl="2"/>
-            <a:r>
-              <a:rPr lang="en-US"/>
-              <a:t>Third level</a:t>
-            </a:r>
-          </a:p>
-          <a:p>
-            <a:pPr lvl="3"/>
-            <a:r>
-              <a:rPr lang="en-US"/>
-              <a:t>Fourth level</a:t>
-            </a:r>
-          </a:p>
-          <a:p>
-            <a:pPr lvl="4"/>
-            <a:r>
-              <a:rPr lang="en-US"/>
-              <a:t>Fifth level</a:t>
-            </a:r>
-          </a:p>
-        </p:txBody>
-      </p:sp>
-      <p:sp>
-        <p:nvSpPr>
-          <p:cNvPr id="4" name="Date Placeholder 3">
+      </p:pic>
+      <p:sp>
+        <p:nvSpPr>
+          <p:cNvPr id="16" name="Oval 15"/>
+          <p:cNvSpPr/>
+          <p:nvPr/>
+        </p:nvSpPr>
+        <p:spPr>
+          <a:xfrm>
+            <a:off x="8609012" y="1676400"/>
+            <a:ext cx="2819400" cy="2819400"/>
+          </a:xfrm>
+          <a:prstGeom prst="ellipse">
+            <a:avLst/>
+          </a:prstGeom>
+          <a:gradFill flip="none" rotWithShape="1">
+            <a:gsLst>
+              <a:gs pos="0">
+                <a:schemeClr val="bg2">
+                  <a:lumMod val="60000"/>
+                  <a:lumOff val="40000"/>
+                  <a:alpha val="7000"/>
+                </a:schemeClr>
+              </a:gs>
+              <a:gs pos="69000">
+                <a:schemeClr val="bg2">
+                  <a:lumMod val="60000"/>
+                  <a:lumOff val="40000"/>
+                  <a:alpha val="0"/>
+                </a:schemeClr>
+              </a:gs>
+              <a:gs pos="36000">
+                <a:schemeClr val="bg2">
+                  <a:lumMod val="60000"/>
+                  <a:lumOff val="40000"/>
+                  <a:alpha val="6000"/>
+                </a:schemeClr>
+              </a:gs>
+            </a:gsLst>
+            <a:path path="circle">
+              <a:fillToRect l="50000" t="50000" r="50000" b="50000"/>
+            </a:path>
+            <a:tileRect/>
+          </a:gradFill>
+          <a:ln>
+            <a:noFill/>
+          </a:ln>
+          <a:effectLst/>
+        </p:spPr>
+        <p:style>
+          <a:lnRef idx="1">
+            <a:schemeClr val="accent1"/>
+          </a:lnRef>
+          <a:fillRef idx="3">
+            <a:schemeClr val="accent1"/>
+          </a:fillRef>
+          <a:effectRef idx="2">
+            <a:schemeClr val="accent1"/>
+          </a:effectRef>
+          <a:fontRef idx="minor">
+            <a:schemeClr val="lt1"/>
+          </a:fontRef>
+        </p:style>
+      </p:sp>
+      <p:pic>
+        <p:nvPicPr>
+          <p:cNvPr id="9" name="Picture 8"/>
+          <p:cNvPicPr>
+            <a:picLocks noChangeAspect="1"/>
+          </p:cNvPicPr>
+          <p:nvPr/>
+        </p:nvPicPr>
+        <p:blipFill rotWithShape="1">
+          <a:blip r:embed="rId21">
             <a:extLst>
-              <a:ext uri="{FF2B5EF4-FFF2-40B4-BE49-F238E27FC236}">
-                <a16:creationId xmlns:a16="http://schemas.microsoft.com/office/drawing/2014/main" id="{3E110A1F-11D3-4B5D-B407-D22233FFFC25}"/>
+              <a:ext uri="{28A0092B-C50C-407E-A947-70E740481C1C}">
+                <a14:useLocalDpi xmlns:a14="http://schemas.microsoft.com/office/drawing/2010/main" val="0"/>
               </a:ext>
             </a:extLst>
-          </p:cNvPr>
-          <p:cNvSpPr>
-            <a:spLocks noGrp="1"/>
-          </p:cNvSpPr>
-          <p:nvPr>
-            <p:ph type="dt" sz="half" idx="2"/>
-          </p:nvPr>
-        </p:nvSpPr>
+          </a:blip>
+          <a:srcRect t="28813"/>
+          <a:stretch/>
+        </p:blipFill>
         <p:spPr>
           <a:xfrm>
-            <a:off x="838200" y="6356350"/>
-            <a:ext cx="2743200" cy="365125"/>
+            <a:off x="7999412" y="0"/>
+            <a:ext cx="1603387" cy="1141407"/>
           </a:xfrm>
           <a:prstGeom prst="rect">
             <a:avLst/>
           </a:prstGeom>
         </p:spPr>
-        <p:txBody>
-          <a:bodyPr vert="horz" lIns="91440" tIns="45720" rIns="91440" bIns="45720" rtlCol="0" anchor="ctr"/>
+      </p:pic>
+      <p:pic>
+        <p:nvPicPr>
+          <p:cNvPr id="10" name="Picture 9"/>
+          <p:cNvPicPr>
+            <a:picLocks noChangeAspect="1"/>
+          </p:cNvPicPr>
+          <p:nvPr/>
+        </p:nvPicPr>
+        <p:blipFill rotWithShape="1">
+          <a:blip r:embed="rId22">
+            <a:extLst>
+              <a:ext uri="{28A0092B-C50C-407E-A947-70E740481C1C}">
+                <a14:useLocalDpi xmlns:a14="http://schemas.microsoft.com/office/drawing/2010/main" val="0"/>
+              </a:ext>
+            </a:extLst>
+          </a:blip>
+          <a:srcRect b="23320"/>
+          <a:stretch/>
+        </p:blipFill>
+        <p:spPr>
+          <a:xfrm>
+            <a:off x="8605878" y="6096000"/>
+            <a:ext cx="993734" cy="762000"/>
+          </a:xfrm>
+          <a:prstGeom prst="rect">
+            <a:avLst/>
+          </a:prstGeom>
+        </p:spPr>
+      </p:pic>
+      <p:sp>
+        <p:nvSpPr>
+          <p:cNvPr id="14" name="Rectangle 13"/>
+          <p:cNvSpPr/>
+          <p:nvPr/>
+        </p:nvSpPr>
+        <p:spPr>
+          <a:xfrm>
+            <a:off x="10437812" y="0"/>
+            <a:ext cx="685800" cy="1143000"/>
+          </a:xfrm>
+          <a:prstGeom prst="rect">
+            <a:avLst/>
+          </a:prstGeom>
+          <a:solidFill>
+            <a:schemeClr val="accent1"/>
+          </a:solidFill>
+          <a:ln>
+            <a:noFill/>
+          </a:ln>
+        </p:spPr>
+        <p:style>
+          <a:lnRef idx="1">
+            <a:schemeClr val="accent1"/>
+          </a:lnRef>
+          <a:fillRef idx="3">
+            <a:schemeClr val="accent1"/>
+          </a:fillRef>
+          <a:effectRef idx="2">
+            <a:schemeClr val="accent1"/>
+          </a:effectRef>
+          <a:fontRef idx="minor">
+            <a:schemeClr val="lt1"/>
+          </a:fontRef>
+        </p:style>
+      </p:sp>
+      <p:sp>
+        <p:nvSpPr>
+          <p:cNvPr id="2" name="Title Placeholder 1"/>
+          <p:cNvSpPr>
+            <a:spLocks noGrp="1"/>
+          </p:cNvSpPr>
+          <p:nvPr>
+            <p:ph type="title"/>
+          </p:nvPr>
+        </p:nvSpPr>
+        <p:spPr>
+          <a:xfrm>
+            <a:off x="646111" y="452718"/>
+            <a:ext cx="9404723" cy="1400530"/>
+          </a:xfrm>
+          <a:prstGeom prst="rect">
+            <a:avLst/>
+          </a:prstGeom>
+        </p:spPr>
+        <p:txBody>
+          <a:bodyPr vert="horz" lIns="91440" tIns="45720" rIns="91440" bIns="45720" rtlCol="0" anchor="t">
+            <a:noAutofit/>
+          </a:bodyPr>
+          <a:lstStyle/>
+          <a:p>
+            <a:r>
+              <a:rPr lang="en-US"/>
+              <a:t>Click to edit Master title style</a:t>
+            </a:r>
+            <a:endParaRPr lang="en-US" dirty="0"/>
+          </a:p>
+        </p:txBody>
+      </p:sp>
+      <p:sp>
+        <p:nvSpPr>
+          <p:cNvPr id="3" name="Text Placeholder 2"/>
+          <p:cNvSpPr>
+            <a:spLocks noGrp="1"/>
+          </p:cNvSpPr>
+          <p:nvPr>
+            <p:ph type="body" idx="1"/>
+          </p:nvPr>
+        </p:nvSpPr>
+        <p:spPr>
+          <a:xfrm>
+            <a:off x="1103312" y="2052918"/>
+            <a:ext cx="8946541" cy="4195481"/>
+          </a:xfrm>
+          <a:prstGeom prst="rect">
+            <a:avLst/>
+          </a:prstGeom>
+        </p:spPr>
+        <p:txBody>
+          <a:bodyPr vert="horz" lIns="91440" tIns="45720" rIns="91440" bIns="45720" rtlCol="0">
+            <a:normAutofit/>
+          </a:bodyPr>
+          <a:lstStyle/>
+          <a:p>
+            <a:pPr lvl="0"/>
+            <a:r>
+              <a:rPr lang="en-US"/>
+              <a:t>Click to edit Master text styles</a:t>
+            </a:r>
+          </a:p>
+          <a:p>
+            <a:pPr lvl="1"/>
+            <a:r>
+              <a:rPr lang="en-US"/>
+              <a:t>Second level</a:t>
+            </a:r>
+          </a:p>
+          <a:p>
+            <a:pPr lvl="2"/>
+            <a:r>
+              <a:rPr lang="en-US"/>
+              <a:t>Third level</a:t>
+            </a:r>
+          </a:p>
+          <a:p>
+            <a:pPr lvl="3"/>
+            <a:r>
+              <a:rPr lang="en-US"/>
+              <a:t>Fourth level</a:t>
+            </a:r>
+          </a:p>
+          <a:p>
+            <a:pPr lvl="4"/>
+            <a:r>
+              <a:rPr lang="en-US"/>
+              <a:t>Fifth level</a:t>
+            </a:r>
+            <a:endParaRPr lang="en-US" dirty="0"/>
+          </a:p>
+        </p:txBody>
+      </p:sp>
+      <p:sp>
+        <p:nvSpPr>
+          <p:cNvPr id="4" name="Date Placeholder 3"/>
+          <p:cNvSpPr>
+            <a:spLocks noGrp="1"/>
+          </p:cNvSpPr>
+          <p:nvPr>
+            <p:ph type="dt" sz="half" idx="2"/>
+          </p:nvPr>
+        </p:nvSpPr>
+        <p:spPr>
+          <a:xfrm rot="5400000">
+            <a:off x="10155639" y="1790701"/>
+            <a:ext cx="990599" cy="304799"/>
+          </a:xfrm>
+          <a:prstGeom prst="rect">
+            <a:avLst/>
+          </a:prstGeom>
+        </p:spPr>
+        <p:txBody>
+          <a:bodyPr vert="horz" lIns="91440" tIns="45720" rIns="91440" bIns="45720" rtlCol="0" anchor="t"/>
           <a:lstStyle>
             <a:lvl1pPr algn="l">
-              <a:defRPr sz="1200">
+              <a:defRPr sz="1100" b="0" i="0">
+                <a:solidFill>
+                  <a:schemeClr val="tx1">
+                    <a:tint val="75000"/>
+                    <a:alpha val="60000"/>
+                  </a:schemeClr>
+                </a:solidFill>
+              </a:defRPr>
+            </a:lvl1pPr>
+          </a:lstStyle>
+          <a:p>
+            <a:fld id="{BB57D48A-DF84-4AD1-B677-45A21F9EA7A8}" type="datetimeFigureOut">
+              <a:rPr lang="en-US" smtClean="0"/>
+              <a:t>11/13/2021</a:t>
+            </a:fld>
+            <a:endParaRPr lang="en-US"/>
+          </a:p>
+        </p:txBody>
+      </p:sp>
+      <p:sp>
+        <p:nvSpPr>
+          <p:cNvPr id="5" name="Footer Placeholder 4"/>
+          <p:cNvSpPr>
+            <a:spLocks noGrp="1"/>
+          </p:cNvSpPr>
+          <p:nvPr>
+            <p:ph type="ftr" sz="quarter" idx="3"/>
+          </p:nvPr>
+        </p:nvSpPr>
+        <p:spPr>
+          <a:xfrm rot="5400000">
+            <a:off x="8951573" y="3225297"/>
+            <a:ext cx="3859795" cy="304801"/>
+          </a:xfrm>
+          <a:prstGeom prst="rect">
+            <a:avLst/>
+          </a:prstGeom>
+        </p:spPr>
+        <p:txBody>
+          <a:bodyPr vert="horz" lIns="91440" tIns="45720" rIns="91440" bIns="45720" rtlCol="0" anchor="b"/>
+          <a:lstStyle>
+            <a:lvl1pPr algn="l">
+              <a:defRPr sz="1100" b="0" i="0">
+                <a:solidFill>
+                  <a:schemeClr val="tx1">
+                    <a:tint val="75000"/>
+                    <a:alpha val="60000"/>
+                  </a:schemeClr>
+                </a:solidFill>
+              </a:defRPr>
+            </a:lvl1pPr>
+          </a:lstStyle>
+          <a:p>
+            <a:endParaRPr lang="en-US"/>
+          </a:p>
+        </p:txBody>
+      </p:sp>
+      <p:sp>
+        <p:nvSpPr>
+          <p:cNvPr id="6" name="Slide Number Placeholder 5"/>
+          <p:cNvSpPr>
+            <a:spLocks noGrp="1"/>
+          </p:cNvSpPr>
+          <p:nvPr>
+            <p:ph type="sldNum" sz="quarter" idx="4"/>
+          </p:nvPr>
+        </p:nvSpPr>
+        <p:spPr bwMode="gray">
+          <a:xfrm>
+            <a:off x="10352540" y="295729"/>
+            <a:ext cx="838199" cy="767687"/>
+          </a:xfrm>
+          <a:prstGeom prst="rect">
+            <a:avLst/>
+          </a:prstGeom>
+        </p:spPr>
+        <p:txBody>
+          <a:bodyPr vert="horz" lIns="91440" tIns="45720" rIns="91440" bIns="45720" rtlCol="0" anchor="b"/>
+          <a:lstStyle>
+            <a:lvl1pPr algn="ctr">
+              <a:defRPr sz="2800" b="0" i="0">
                 <a:solidFill>
                   <a:schemeClr val="tx1">
                     <a:tint val="75000"/>
@@ -2909,96 +5651,6 @@
             </a:lvl1pPr>
           </a:lstStyle>
           <a:p>
-            <a:fld id="{BB57D48A-DF84-4AD1-B677-45A21F9EA7A8}" type="datetimeFigureOut">
-              <a:rPr lang="en-US" smtClean="0"/>
-              <a:t>9/14/2021</a:t>
-            </a:fld>
-            <a:endParaRPr lang="en-US"/>
-          </a:p>
-        </p:txBody>
-      </p:sp>
-      <p:sp>
-        <p:nvSpPr>
-          <p:cNvPr id="5" name="Footer Placeholder 4">
-            <a:extLst>
-              <a:ext uri="{FF2B5EF4-FFF2-40B4-BE49-F238E27FC236}">
-                <a16:creationId xmlns:a16="http://schemas.microsoft.com/office/drawing/2014/main" id="{E38928A2-FE55-45DA-BDE5-61B57466D256}"/>
-              </a:ext>
-            </a:extLst>
-          </p:cNvPr>
-          <p:cNvSpPr>
-            <a:spLocks noGrp="1"/>
-          </p:cNvSpPr>
-          <p:nvPr>
-            <p:ph type="ftr" sz="quarter" idx="3"/>
-          </p:nvPr>
-        </p:nvSpPr>
-        <p:spPr>
-          <a:xfrm>
-            <a:off x="4038600" y="6356350"/>
-            <a:ext cx="4114800" cy="365125"/>
-          </a:xfrm>
-          <a:prstGeom prst="rect">
-            <a:avLst/>
-          </a:prstGeom>
-        </p:spPr>
-        <p:txBody>
-          <a:bodyPr vert="horz" lIns="91440" tIns="45720" rIns="91440" bIns="45720" rtlCol="0" anchor="ctr"/>
-          <a:lstStyle>
-            <a:lvl1pPr algn="ctr">
-              <a:defRPr sz="1200">
-                <a:solidFill>
-                  <a:schemeClr val="tx1">
-                    <a:tint val="75000"/>
-                  </a:schemeClr>
-                </a:solidFill>
-              </a:defRPr>
-            </a:lvl1pPr>
-          </a:lstStyle>
-          <a:p>
-            <a:endParaRPr lang="en-US"/>
-          </a:p>
-        </p:txBody>
-      </p:sp>
-      <p:sp>
-        <p:nvSpPr>
-          <p:cNvPr id="6" name="Slide Number Placeholder 5">
-            <a:extLst>
-              <a:ext uri="{FF2B5EF4-FFF2-40B4-BE49-F238E27FC236}">
-                <a16:creationId xmlns:a16="http://schemas.microsoft.com/office/drawing/2014/main" id="{2A311F0E-F9F7-4FCB-A536-AADADDC94C16}"/>
-              </a:ext>
-            </a:extLst>
-          </p:cNvPr>
-          <p:cNvSpPr>
-            <a:spLocks noGrp="1"/>
-          </p:cNvSpPr>
-          <p:nvPr>
-            <p:ph type="sldNum" sz="quarter" idx="4"/>
-          </p:nvPr>
-        </p:nvSpPr>
-        <p:spPr>
-          <a:xfrm>
-            <a:off x="8610600" y="6356350"/>
-            <a:ext cx="2743200" cy="365125"/>
-          </a:xfrm>
-          <a:prstGeom prst="rect">
-            <a:avLst/>
-          </a:prstGeom>
-        </p:spPr>
-        <p:txBody>
-          <a:bodyPr vert="horz" lIns="91440" tIns="45720" rIns="91440" bIns="45720" rtlCol="0" anchor="ctr"/>
-          <a:lstStyle>
-            <a:lvl1pPr algn="r">
-              <a:defRPr sz="1200">
-                <a:solidFill>
-                  <a:schemeClr val="tx1">
-                    <a:tint val="75000"/>
-                  </a:schemeClr>
-                </a:solidFill>
-              </a:defRPr>
-            </a:lvl1pPr>
-          </a:lstStyle>
-          <a:p>
             <a:fld id="{1DE00D2E-5CE5-4399-8D2A-C20CB3DC5E77}" type="slidenum">
               <a:rPr lang="en-US" smtClean="0"/>
               <a:t>‹#›</a:t>
@@ -3010,35 +5662,121 @@
     </p:spTree>
     <p:extLst>
       <p:ext uri="{BB962C8B-B14F-4D97-AF65-F5344CB8AC3E}">
-        <p14:creationId xmlns:p14="http://schemas.microsoft.com/office/powerpoint/2010/main" val="777022399"/>
+        <p14:creationId xmlns:p14="http://schemas.microsoft.com/office/powerpoint/2010/main" val="2098877973"/>
       </p:ext>
     </p:extLst>
   </p:cSld>
-  <p:clrMap bg1="lt1" tx1="dk1" bg2="lt2" tx2="dk2" accent1="accent1" accent2="accent2" accent3="accent3" accent4="accent4" accent5="accent5" accent6="accent6" hlink="hlink" folHlink="folHlink"/>
+  <p:clrMap bg1="dk1" tx1="lt1" bg2="dk2" tx2="lt2" accent1="accent1" accent2="accent2" accent3="accent3" accent4="accent4" accent5="accent5" accent6="accent6" hlink="hlink" folHlink="folHlink"/>
   <p:sldLayoutIdLst>
-    <p:sldLayoutId id="2147483649" r:id="rId1"/>
-    <p:sldLayoutId id="2147483650" r:id="rId2"/>
-    <p:sldLayoutId id="2147483651" r:id="rId3"/>
-    <p:sldLayoutId id="2147483652" r:id="rId4"/>
-    <p:sldLayoutId id="2147483653" r:id="rId5"/>
-    <p:sldLayoutId id="2147483654" r:id="rId6"/>
-    <p:sldLayoutId id="2147483655" r:id="rId7"/>
-    <p:sldLayoutId id="2147483656" r:id="rId8"/>
-    <p:sldLayoutId id="2147483657" r:id="rId9"/>
-    <p:sldLayoutId id="2147483658" r:id="rId10"/>
-    <p:sldLayoutId id="2147483659" r:id="rId11"/>
+    <p:sldLayoutId id="2147483757" r:id="rId1"/>
+    <p:sldLayoutId id="2147483758" r:id="rId2"/>
+    <p:sldLayoutId id="2147483759" r:id="rId3"/>
+    <p:sldLayoutId id="2147483760" r:id="rId4"/>
+    <p:sldLayoutId id="2147483761" r:id="rId5"/>
+    <p:sldLayoutId id="2147483762" r:id="rId6"/>
+    <p:sldLayoutId id="2147483763" r:id="rId7"/>
+    <p:sldLayoutId id="2147483764" r:id="rId8"/>
+    <p:sldLayoutId id="2147483765" r:id="rId9"/>
+    <p:sldLayoutId id="2147483766" r:id="rId10"/>
+    <p:sldLayoutId id="2147483767" r:id="rId11"/>
+    <p:sldLayoutId id="2147483768" r:id="rId12"/>
+    <p:sldLayoutId id="2147483769" r:id="rId13"/>
+    <p:sldLayoutId id="2147483770" r:id="rId14"/>
+    <p:sldLayoutId id="2147483771" r:id="rId15"/>
+    <p:sldLayoutId id="2147483772" r:id="rId16"/>
+    <p:sldLayoutId id="2147483773" r:id="rId17"/>
   </p:sldLayoutIdLst>
   <p:txStyles>
     <p:titleStyle>
-      <a:lvl1pPr algn="l" defTabSz="914400" rtl="0" eaLnBrk="1" latinLnBrk="0" hangingPunct="1">
-        <a:lnSpc>
-          <a:spcPct val="90000"/>
-        </a:lnSpc>
+      <a:lvl1pPr algn="l" defTabSz="457200" rtl="0" eaLnBrk="1" latinLnBrk="0" hangingPunct="1">
         <a:spcBef>
           <a:spcPct val="0"/>
         </a:spcBef>
         <a:buNone/>
-        <a:defRPr sz="4400" kern="1200">
+        <a:defRPr sz="4200" b="0" i="0" kern="1200">
+          <a:solidFill>
+            <a:schemeClr val="tx2"/>
+          </a:solidFill>
+          <a:latin typeface="+mj-lt"/>
+          <a:ea typeface="+mj-ea"/>
+          <a:cs typeface="+mj-cs"/>
+        </a:defRPr>
+      </a:lvl1pPr>
+      <a:lvl2pPr eaLnBrk="1" hangingPunct="1">
+        <a:defRPr>
+          <a:solidFill>
+            <a:schemeClr val="tx2"/>
+          </a:solidFill>
+        </a:defRPr>
+      </a:lvl2pPr>
+      <a:lvl3pPr eaLnBrk="1" hangingPunct="1">
+        <a:defRPr>
+          <a:solidFill>
+            <a:schemeClr val="tx2"/>
+          </a:solidFill>
+        </a:defRPr>
+      </a:lvl3pPr>
+      <a:lvl4pPr eaLnBrk="1" hangingPunct="1">
+        <a:defRPr>
+          <a:solidFill>
+            <a:schemeClr val="tx2"/>
+          </a:solidFill>
+        </a:defRPr>
+      </a:lvl4pPr>
+      <a:lvl5pPr eaLnBrk="1" hangingPunct="1">
+        <a:defRPr>
+          <a:solidFill>
+            <a:schemeClr val="tx2"/>
+          </a:solidFill>
+        </a:defRPr>
+      </a:lvl5pPr>
+      <a:lvl6pPr eaLnBrk="1" hangingPunct="1">
+        <a:defRPr>
+          <a:solidFill>
+            <a:schemeClr val="tx2"/>
+          </a:solidFill>
+        </a:defRPr>
+      </a:lvl6pPr>
+      <a:lvl7pPr eaLnBrk="1" hangingPunct="1">
+        <a:defRPr>
+          <a:solidFill>
+            <a:schemeClr val="tx2"/>
+          </a:solidFill>
+        </a:defRPr>
+      </a:lvl7pPr>
+      <a:lvl8pPr eaLnBrk="1" hangingPunct="1">
+        <a:defRPr>
+          <a:solidFill>
+            <a:schemeClr val="tx2"/>
+          </a:solidFill>
+        </a:defRPr>
+      </a:lvl8pPr>
+      <a:lvl9pPr eaLnBrk="1" hangingPunct="1">
+        <a:defRPr>
+          <a:solidFill>
+            <a:schemeClr val="tx2"/>
+          </a:solidFill>
+        </a:defRPr>
+      </a:lvl9pPr>
+    </p:titleStyle>
+    <p:bodyStyle>
+      <a:lvl1pPr marL="342900" indent="-342900" algn="l" defTabSz="457200" rtl="0" eaLnBrk="1" latinLnBrk="0" hangingPunct="1">
+        <a:spcBef>
+          <a:spcPts val="1000"/>
+        </a:spcBef>
+        <a:spcAft>
+          <a:spcPts val="0"/>
+        </a:spcAft>
+        <a:buClr>
+          <a:schemeClr val="bg2">
+            <a:lumMod val="40000"/>
+            <a:lumOff val="60000"/>
+          </a:schemeClr>
+        </a:buClr>
+        <a:buSzPct val="80000"/>
+        <a:buFont typeface="Wingdings 3" charset="2"/>
+        <a:buChar char=""/>
+        <a:defRPr sz="2000" b="0" i="0" kern="1200">
           <a:solidFill>
             <a:schemeClr val="tx1"/>
           </a:solidFill>
@@ -3047,18 +5785,213 @@
           <a:cs typeface="+mj-cs"/>
         </a:defRPr>
       </a:lvl1pPr>
-    </p:titleStyle>
-    <p:bodyStyle>
-      <a:lvl1pPr marL="228600" indent="-228600" algn="l" defTabSz="914400" rtl="0" eaLnBrk="1" latinLnBrk="0" hangingPunct="1">
-        <a:lnSpc>
-          <a:spcPct val="90000"/>
-        </a:lnSpc>
+      <a:lvl2pPr marL="742950" indent="-285750" algn="l" defTabSz="457200" rtl="0" eaLnBrk="1" latinLnBrk="0" hangingPunct="1">
         <a:spcBef>
           <a:spcPts val="1000"/>
         </a:spcBef>
-        <a:buFont typeface="Arial" panose="020B0604020202020204" pitchFamily="34" charset="0"/>
-        <a:buChar char="•"/>
-        <a:defRPr sz="2800" kern="1200">
+        <a:spcAft>
+          <a:spcPts val="0"/>
+        </a:spcAft>
+        <a:buClr>
+          <a:schemeClr val="bg2">
+            <a:lumMod val="40000"/>
+            <a:lumOff val="60000"/>
+          </a:schemeClr>
+        </a:buClr>
+        <a:buSzPct val="80000"/>
+        <a:buFont typeface="Wingdings 3" charset="2"/>
+        <a:buChar char=""/>
+        <a:defRPr sz="1800" b="0" i="0" kern="1200">
+          <a:solidFill>
+            <a:schemeClr val="tx1"/>
+          </a:solidFill>
+          <a:latin typeface="+mj-lt"/>
+          <a:ea typeface="+mj-ea"/>
+          <a:cs typeface="+mj-cs"/>
+        </a:defRPr>
+      </a:lvl2pPr>
+      <a:lvl3pPr marL="1143000" indent="-228600" algn="l" defTabSz="457200" rtl="0" eaLnBrk="1" latinLnBrk="0" hangingPunct="1">
+        <a:spcBef>
+          <a:spcPts val="1000"/>
+        </a:spcBef>
+        <a:spcAft>
+          <a:spcPts val="0"/>
+        </a:spcAft>
+        <a:buClr>
+          <a:schemeClr val="bg2">
+            <a:lumMod val="40000"/>
+            <a:lumOff val="60000"/>
+          </a:schemeClr>
+        </a:buClr>
+        <a:buSzPct val="80000"/>
+        <a:buFont typeface="Wingdings 3" charset="2"/>
+        <a:buChar char=""/>
+        <a:defRPr sz="1600" b="0" i="0" kern="1200">
+          <a:solidFill>
+            <a:schemeClr val="tx1"/>
+          </a:solidFill>
+          <a:latin typeface="+mj-lt"/>
+          <a:ea typeface="+mj-ea"/>
+          <a:cs typeface="+mj-cs"/>
+        </a:defRPr>
+      </a:lvl3pPr>
+      <a:lvl4pPr marL="1600200" indent="-228600" algn="l" defTabSz="457200" rtl="0" eaLnBrk="1" latinLnBrk="0" hangingPunct="1">
+        <a:spcBef>
+          <a:spcPts val="1000"/>
+        </a:spcBef>
+        <a:spcAft>
+          <a:spcPts val="0"/>
+        </a:spcAft>
+        <a:buClr>
+          <a:schemeClr val="bg2">
+            <a:lumMod val="40000"/>
+            <a:lumOff val="60000"/>
+          </a:schemeClr>
+        </a:buClr>
+        <a:buSzPct val="80000"/>
+        <a:buFont typeface="Wingdings 3" charset="2"/>
+        <a:buChar char=""/>
+        <a:defRPr sz="1400" b="0" i="0" kern="1200">
+          <a:solidFill>
+            <a:schemeClr val="tx1"/>
+          </a:solidFill>
+          <a:latin typeface="+mj-lt"/>
+          <a:ea typeface="+mj-ea"/>
+          <a:cs typeface="+mj-cs"/>
+        </a:defRPr>
+      </a:lvl4pPr>
+      <a:lvl5pPr marL="2057400" indent="-228600" algn="l" defTabSz="457200" rtl="0" eaLnBrk="1" latinLnBrk="0" hangingPunct="1">
+        <a:spcBef>
+          <a:spcPts val="1000"/>
+        </a:spcBef>
+        <a:spcAft>
+          <a:spcPts val="0"/>
+        </a:spcAft>
+        <a:buClr>
+          <a:schemeClr val="bg2">
+            <a:lumMod val="40000"/>
+            <a:lumOff val="60000"/>
+          </a:schemeClr>
+        </a:buClr>
+        <a:buSzPct val="80000"/>
+        <a:buFont typeface="Wingdings 3" charset="2"/>
+        <a:buChar char=""/>
+        <a:defRPr sz="1400" b="0" i="0" kern="1200">
+          <a:solidFill>
+            <a:schemeClr val="tx1"/>
+          </a:solidFill>
+          <a:latin typeface="+mj-lt"/>
+          <a:ea typeface="+mj-ea"/>
+          <a:cs typeface="+mj-cs"/>
+        </a:defRPr>
+      </a:lvl5pPr>
+      <a:lvl6pPr marL="2506000" indent="-228600" algn="l" defTabSz="457200" rtl="0" eaLnBrk="1" latinLnBrk="0" hangingPunct="1">
+        <a:spcBef>
+          <a:spcPts val="1000"/>
+        </a:spcBef>
+        <a:spcAft>
+          <a:spcPts val="0"/>
+        </a:spcAft>
+        <a:buClr>
+          <a:schemeClr val="bg2">
+            <a:lumMod val="40000"/>
+            <a:lumOff val="60000"/>
+          </a:schemeClr>
+        </a:buClr>
+        <a:buSzPct val="80000"/>
+        <a:buFont typeface="Wingdings 3" charset="2"/>
+        <a:buChar char=""/>
+        <a:defRPr sz="1400" b="0" i="0" kern="1200">
+          <a:solidFill>
+            <a:schemeClr val="tx1"/>
+          </a:solidFill>
+          <a:latin typeface="+mj-lt"/>
+          <a:ea typeface="+mj-ea"/>
+          <a:cs typeface="+mj-cs"/>
+        </a:defRPr>
+      </a:lvl6pPr>
+      <a:lvl7pPr marL="2971800" indent="-228600" algn="l" defTabSz="457200" rtl="0" eaLnBrk="1" latinLnBrk="0" hangingPunct="1">
+        <a:spcBef>
+          <a:spcPts val="1000"/>
+        </a:spcBef>
+        <a:spcAft>
+          <a:spcPts val="0"/>
+        </a:spcAft>
+        <a:buClr>
+          <a:schemeClr val="bg2">
+            <a:lumMod val="40000"/>
+            <a:lumOff val="60000"/>
+          </a:schemeClr>
+        </a:buClr>
+        <a:buSzPct val="80000"/>
+        <a:buFont typeface="Wingdings 3" charset="2"/>
+        <a:buChar char=""/>
+        <a:defRPr sz="1400" b="0" i="0" kern="1200">
+          <a:solidFill>
+            <a:schemeClr val="tx1"/>
+          </a:solidFill>
+          <a:latin typeface="+mj-lt"/>
+          <a:ea typeface="+mj-ea"/>
+          <a:cs typeface="+mj-cs"/>
+        </a:defRPr>
+      </a:lvl7pPr>
+      <a:lvl8pPr marL="3429000" indent="-228600" algn="l" defTabSz="457200" rtl="0" eaLnBrk="1" latinLnBrk="0" hangingPunct="1">
+        <a:spcBef>
+          <a:spcPts val="1000"/>
+        </a:spcBef>
+        <a:spcAft>
+          <a:spcPts val="0"/>
+        </a:spcAft>
+        <a:buClr>
+          <a:schemeClr val="bg2">
+            <a:lumMod val="40000"/>
+            <a:lumOff val="60000"/>
+          </a:schemeClr>
+        </a:buClr>
+        <a:buSzPct val="80000"/>
+        <a:buFont typeface="Wingdings 3" charset="2"/>
+        <a:buChar char=""/>
+        <a:defRPr sz="1400" b="0" i="0" kern="1200">
+          <a:solidFill>
+            <a:schemeClr val="tx1"/>
+          </a:solidFill>
+          <a:latin typeface="+mj-lt"/>
+          <a:ea typeface="+mj-ea"/>
+          <a:cs typeface="+mj-cs"/>
+        </a:defRPr>
+      </a:lvl8pPr>
+      <a:lvl9pPr marL="3886200" indent="-228600" algn="l" defTabSz="457200" rtl="0" eaLnBrk="1" latinLnBrk="0" hangingPunct="1">
+        <a:spcBef>
+          <a:spcPts val="1000"/>
+        </a:spcBef>
+        <a:spcAft>
+          <a:spcPts val="0"/>
+        </a:spcAft>
+        <a:buClr>
+          <a:schemeClr val="bg2">
+            <a:lumMod val="40000"/>
+            <a:lumOff val="60000"/>
+          </a:schemeClr>
+        </a:buClr>
+        <a:buSzPct val="80000"/>
+        <a:buFont typeface="Wingdings 3" charset="2"/>
+        <a:buChar char=""/>
+        <a:defRPr sz="1400" b="0" i="0" kern="1200">
+          <a:solidFill>
+            <a:schemeClr val="tx1"/>
+          </a:solidFill>
+          <a:latin typeface="+mj-lt"/>
+          <a:ea typeface="+mj-ea"/>
+          <a:cs typeface="+mj-cs"/>
+        </a:defRPr>
+      </a:lvl9pPr>
+    </p:bodyStyle>
+    <p:otherStyle>
+      <a:defPPr>
+        <a:defRPr lang="en-US"/>
+      </a:defPPr>
+      <a:lvl1pPr marL="0" algn="l" defTabSz="457200" rtl="0" eaLnBrk="1" latinLnBrk="0" hangingPunct="1">
+        <a:defRPr sz="1800" kern="1200">
           <a:solidFill>
             <a:schemeClr val="tx1"/>
           </a:solidFill>
@@ -3067,16 +6000,8 @@
           <a:cs typeface="+mn-cs"/>
         </a:defRPr>
       </a:lvl1pPr>
-      <a:lvl2pPr marL="685800" indent="-228600" algn="l" defTabSz="914400" rtl="0" eaLnBrk="1" latinLnBrk="0" hangingPunct="1">
-        <a:lnSpc>
-          <a:spcPct val="90000"/>
-        </a:lnSpc>
-        <a:spcBef>
-          <a:spcPts val="500"/>
-        </a:spcBef>
-        <a:buFont typeface="Arial" panose="020B0604020202020204" pitchFamily="34" charset="0"/>
-        <a:buChar char="•"/>
-        <a:defRPr sz="2400" kern="1200">
+      <a:lvl2pPr marL="457200" algn="l" defTabSz="457200" rtl="0" eaLnBrk="1" latinLnBrk="0" hangingPunct="1">
+        <a:defRPr sz="1800" kern="1200">
           <a:solidFill>
             <a:schemeClr val="tx1"/>
           </a:solidFill>
@@ -3085,16 +6010,8 @@
           <a:cs typeface="+mn-cs"/>
         </a:defRPr>
       </a:lvl2pPr>
-      <a:lvl3pPr marL="1143000" indent="-228600" algn="l" defTabSz="914400" rtl="0" eaLnBrk="1" latinLnBrk="0" hangingPunct="1">
-        <a:lnSpc>
-          <a:spcPct val="90000"/>
-        </a:lnSpc>
-        <a:spcBef>
-          <a:spcPts val="500"/>
-        </a:spcBef>
-        <a:buFont typeface="Arial" panose="020B0604020202020204" pitchFamily="34" charset="0"/>
-        <a:buChar char="•"/>
-        <a:defRPr sz="2000" kern="1200">
+      <a:lvl3pPr marL="914400" algn="l" defTabSz="457200" rtl="0" eaLnBrk="1" latinLnBrk="0" hangingPunct="1">
+        <a:defRPr sz="1800" kern="1200">
           <a:solidFill>
             <a:schemeClr val="tx1"/>
           </a:solidFill>
@@ -3103,15 +6020,7 @@
           <a:cs typeface="+mn-cs"/>
         </a:defRPr>
       </a:lvl3pPr>
-      <a:lvl4pPr marL="1600200" indent="-228600" algn="l" defTabSz="914400" rtl="0" eaLnBrk="1" latinLnBrk="0" hangingPunct="1">
-        <a:lnSpc>
-          <a:spcPct val="90000"/>
-        </a:lnSpc>
-        <a:spcBef>
-          <a:spcPts val="500"/>
-        </a:spcBef>
-        <a:buFont typeface="Arial" panose="020B0604020202020204" pitchFamily="34" charset="0"/>
-        <a:buChar char="•"/>
+      <a:lvl4pPr marL="1371600" algn="l" defTabSz="457200" rtl="0" eaLnBrk="1" latinLnBrk="0" hangingPunct="1">
         <a:defRPr sz="1800" kern="1200">
           <a:solidFill>
             <a:schemeClr val="tx1"/>
@@ -3121,15 +6030,7 @@
           <a:cs typeface="+mn-cs"/>
         </a:defRPr>
       </a:lvl4pPr>
-      <a:lvl5pPr marL="2057400" indent="-228600" algn="l" defTabSz="914400" rtl="0" eaLnBrk="1" latinLnBrk="0" hangingPunct="1">
-        <a:lnSpc>
-          <a:spcPct val="90000"/>
-        </a:lnSpc>
-        <a:spcBef>
-          <a:spcPts val="500"/>
-        </a:spcBef>
-        <a:buFont typeface="Arial" panose="020B0604020202020204" pitchFamily="34" charset="0"/>
-        <a:buChar char="•"/>
+      <a:lvl5pPr marL="1828800" algn="l" defTabSz="457200" rtl="0" eaLnBrk="1" latinLnBrk="0" hangingPunct="1">
         <a:defRPr sz="1800" kern="1200">
           <a:solidFill>
             <a:schemeClr val="tx1"/>
@@ -3139,15 +6040,7 @@
           <a:cs typeface="+mn-cs"/>
         </a:defRPr>
       </a:lvl5pPr>
-      <a:lvl6pPr marL="2514600" indent="-228600" algn="l" defTabSz="914400" rtl="0" eaLnBrk="1" latinLnBrk="0" hangingPunct="1">
-        <a:lnSpc>
-          <a:spcPct val="90000"/>
-        </a:lnSpc>
-        <a:spcBef>
-          <a:spcPts val="500"/>
-        </a:spcBef>
-        <a:buFont typeface="Arial" panose="020B0604020202020204" pitchFamily="34" charset="0"/>
-        <a:buChar char="•"/>
+      <a:lvl6pPr marL="2286000" algn="l" defTabSz="457200" rtl="0" eaLnBrk="1" latinLnBrk="0" hangingPunct="1">
         <a:defRPr sz="1800" kern="1200">
           <a:solidFill>
             <a:schemeClr val="tx1"/>
@@ -3157,15 +6050,7 @@
           <a:cs typeface="+mn-cs"/>
         </a:defRPr>
       </a:lvl6pPr>
-      <a:lvl7pPr marL="2971800" indent="-228600" algn="l" defTabSz="914400" rtl="0" eaLnBrk="1" latinLnBrk="0" hangingPunct="1">
-        <a:lnSpc>
-          <a:spcPct val="90000"/>
-        </a:lnSpc>
-        <a:spcBef>
-          <a:spcPts val="500"/>
-        </a:spcBef>
-        <a:buFont typeface="Arial" panose="020B0604020202020204" pitchFamily="34" charset="0"/>
-        <a:buChar char="•"/>
+      <a:lvl7pPr marL="2743200" algn="l" defTabSz="457200" rtl="0" eaLnBrk="1" latinLnBrk="0" hangingPunct="1">
         <a:defRPr sz="1800" kern="1200">
           <a:solidFill>
             <a:schemeClr val="tx1"/>
@@ -3175,15 +6060,7 @@
           <a:cs typeface="+mn-cs"/>
         </a:defRPr>
       </a:lvl7pPr>
-      <a:lvl8pPr marL="3429000" indent="-228600" algn="l" defTabSz="914400" rtl="0" eaLnBrk="1" latinLnBrk="0" hangingPunct="1">
-        <a:lnSpc>
-          <a:spcPct val="90000"/>
-        </a:lnSpc>
-        <a:spcBef>
-          <a:spcPts val="500"/>
-        </a:spcBef>
-        <a:buFont typeface="Arial" panose="020B0604020202020204" pitchFamily="34" charset="0"/>
-        <a:buChar char="•"/>
+      <a:lvl8pPr marL="3200400" algn="l" defTabSz="457200" rtl="0" eaLnBrk="1" latinLnBrk="0" hangingPunct="1">
         <a:defRPr sz="1800" kern="1200">
           <a:solidFill>
             <a:schemeClr val="tx1"/>
@@ -3193,110 +6070,7 @@
           <a:cs typeface="+mn-cs"/>
         </a:defRPr>
       </a:lvl8pPr>
-      <a:lvl9pPr marL="3886200" indent="-228600" algn="l" defTabSz="914400" rtl="0" eaLnBrk="1" latinLnBrk="0" hangingPunct="1">
-        <a:lnSpc>
-          <a:spcPct val="90000"/>
-        </a:lnSpc>
-        <a:spcBef>
-          <a:spcPts val="500"/>
-        </a:spcBef>
-        <a:buFont typeface="Arial" panose="020B0604020202020204" pitchFamily="34" charset="0"/>
-        <a:buChar char="•"/>
-        <a:defRPr sz="1800" kern="1200">
-          <a:solidFill>
-            <a:schemeClr val="tx1"/>
-          </a:solidFill>
-          <a:latin typeface="+mn-lt"/>
-          <a:ea typeface="+mn-ea"/>
-          <a:cs typeface="+mn-cs"/>
-        </a:defRPr>
-      </a:lvl9pPr>
-    </p:bodyStyle>
-    <p:otherStyle>
-      <a:defPPr>
-        <a:defRPr lang="en-US"/>
-      </a:defPPr>
-      <a:lvl1pPr marL="0" algn="l" defTabSz="914400" rtl="0" eaLnBrk="1" latinLnBrk="0" hangingPunct="1">
-        <a:defRPr sz="1800" kern="1200">
-          <a:solidFill>
-            <a:schemeClr val="tx1"/>
-          </a:solidFill>
-          <a:latin typeface="+mn-lt"/>
-          <a:ea typeface="+mn-ea"/>
-          <a:cs typeface="+mn-cs"/>
-        </a:defRPr>
-      </a:lvl1pPr>
-      <a:lvl2pPr marL="457200" algn="l" defTabSz="914400" rtl="0" eaLnBrk="1" latinLnBrk="0" hangingPunct="1">
-        <a:defRPr sz="1800" kern="1200">
-          <a:solidFill>
-            <a:schemeClr val="tx1"/>
-          </a:solidFill>
-          <a:latin typeface="+mn-lt"/>
-          <a:ea typeface="+mn-ea"/>
-          <a:cs typeface="+mn-cs"/>
-        </a:defRPr>
-      </a:lvl2pPr>
-      <a:lvl3pPr marL="914400" algn="l" defTabSz="914400" rtl="0" eaLnBrk="1" latinLnBrk="0" hangingPunct="1">
-        <a:defRPr sz="1800" kern="1200">
-          <a:solidFill>
-            <a:schemeClr val="tx1"/>
-          </a:solidFill>
-          <a:latin typeface="+mn-lt"/>
-          <a:ea typeface="+mn-ea"/>
-          <a:cs typeface="+mn-cs"/>
-        </a:defRPr>
-      </a:lvl3pPr>
-      <a:lvl4pPr marL="1371600" algn="l" defTabSz="914400" rtl="0" eaLnBrk="1" latinLnBrk="0" hangingPunct="1">
-        <a:defRPr sz="1800" kern="1200">
-          <a:solidFill>
-            <a:schemeClr val="tx1"/>
-          </a:solidFill>
-          <a:latin typeface="+mn-lt"/>
-          <a:ea typeface="+mn-ea"/>
-          <a:cs typeface="+mn-cs"/>
-        </a:defRPr>
-      </a:lvl4pPr>
-      <a:lvl5pPr marL="1828800" algn="l" defTabSz="914400" rtl="0" eaLnBrk="1" latinLnBrk="0" hangingPunct="1">
-        <a:defRPr sz="1800" kern="1200">
-          <a:solidFill>
-            <a:schemeClr val="tx1"/>
-          </a:solidFill>
-          <a:latin typeface="+mn-lt"/>
-          <a:ea typeface="+mn-ea"/>
-          <a:cs typeface="+mn-cs"/>
-        </a:defRPr>
-      </a:lvl5pPr>
-      <a:lvl6pPr marL="2286000" algn="l" defTabSz="914400" rtl="0" eaLnBrk="1" latinLnBrk="0" hangingPunct="1">
-        <a:defRPr sz="1800" kern="1200">
-          <a:solidFill>
-            <a:schemeClr val="tx1"/>
-          </a:solidFill>
-          <a:latin typeface="+mn-lt"/>
-          <a:ea typeface="+mn-ea"/>
-          <a:cs typeface="+mn-cs"/>
-        </a:defRPr>
-      </a:lvl6pPr>
-      <a:lvl7pPr marL="2743200" algn="l" defTabSz="914400" rtl="0" eaLnBrk="1" latinLnBrk="0" hangingPunct="1">
-        <a:defRPr sz="1800" kern="1200">
-          <a:solidFill>
-            <a:schemeClr val="tx1"/>
-          </a:solidFill>
-          <a:latin typeface="+mn-lt"/>
-          <a:ea typeface="+mn-ea"/>
-          <a:cs typeface="+mn-cs"/>
-        </a:defRPr>
-      </a:lvl7pPr>
-      <a:lvl8pPr marL="3200400" algn="l" defTabSz="914400" rtl="0" eaLnBrk="1" latinLnBrk="0" hangingPunct="1">
-        <a:defRPr sz="1800" kern="1200">
-          <a:solidFill>
-            <a:schemeClr val="tx1"/>
-          </a:solidFill>
-          <a:latin typeface="+mn-lt"/>
-          <a:ea typeface="+mn-ea"/>
-          <a:cs typeface="+mn-cs"/>
-        </a:defRPr>
-      </a:lvl8pPr>
-      <a:lvl9pPr marL="3657600" algn="l" defTabSz="914400" rtl="0" eaLnBrk="1" latinLnBrk="0" hangingPunct="1">
+      <a:lvl9pPr marL="3657600" algn="l" defTabSz="457200" rtl="0" eaLnBrk="1" latinLnBrk="0" hangingPunct="1">
         <a:defRPr sz="1800" kern="1200">
           <a:solidFill>
             <a:schemeClr val="tx1"/>
@@ -3397,6 +6171,371 @@
 </p:sld>
 </file>
 
+<file path=ppt/slides/slide10.xml><?xml version="1.0" encoding="utf-8"?>
+<p:sld xmlns:a="http://schemas.openxmlformats.org/drawingml/2006/main" xmlns:r="http://schemas.openxmlformats.org/officeDocument/2006/relationships" xmlns:p="http://schemas.openxmlformats.org/presentationml/2006/main">
+  <p:cSld>
+    <p:spTree>
+      <p:nvGrpSpPr>
+        <p:cNvPr id="1" name=""/>
+        <p:cNvGrpSpPr/>
+        <p:nvPr/>
+      </p:nvGrpSpPr>
+      <p:grpSpPr>
+        <a:xfrm>
+          <a:off x="0" y="0"/>
+          <a:ext cx="0" cy="0"/>
+          <a:chOff x="0" y="0"/>
+          <a:chExt cx="0" cy="0"/>
+        </a:xfrm>
+      </p:grpSpPr>
+      <p:sp>
+        <p:nvSpPr>
+          <p:cNvPr id="2" name="Title 1">
+            <a:extLst>
+              <a:ext uri="{FF2B5EF4-FFF2-40B4-BE49-F238E27FC236}">
+                <a16:creationId xmlns:a16="http://schemas.microsoft.com/office/drawing/2014/main" id="{5C4F34F2-E9A4-4CD0-8620-0EEC0F541D14}"/>
+              </a:ext>
+            </a:extLst>
+          </p:cNvPr>
+          <p:cNvSpPr>
+            <a:spLocks noGrp="1"/>
+          </p:cNvSpPr>
+          <p:nvPr>
+            <p:ph type="title"/>
+          </p:nvPr>
+        </p:nvSpPr>
+        <p:spPr/>
+        <p:txBody>
+          <a:bodyPr/>
+          <a:lstStyle/>
+          <a:p>
+            <a:r>
+              <a:rPr lang="en-US" dirty="0"/>
+              <a:t>ANALYSIS</a:t>
+            </a:r>
+          </a:p>
+        </p:txBody>
+      </p:sp>
+      <p:pic>
+        <p:nvPicPr>
+          <p:cNvPr id="7170" name="Picture 2">
+            <a:extLst>
+              <a:ext uri="{FF2B5EF4-FFF2-40B4-BE49-F238E27FC236}">
+                <a16:creationId xmlns:a16="http://schemas.microsoft.com/office/drawing/2014/main" id="{0FB84971-18E6-43B2-B241-F3C526AC26CF}"/>
+              </a:ext>
+            </a:extLst>
+          </p:cNvPr>
+          <p:cNvPicPr>
+            <a:picLocks noGrp="1" noChangeAspect="1" noChangeArrowheads="1"/>
+          </p:cNvPicPr>
+          <p:nvPr>
+            <p:ph idx="1"/>
+          </p:nvPr>
+        </p:nvPicPr>
+        <p:blipFill>
+          <a:blip r:embed="rId2">
+            <a:extLst>
+              <a:ext uri="{28A0092B-C50C-407E-A947-70E740481C1C}">
+                <a14:useLocalDpi xmlns:a14="http://schemas.microsoft.com/office/drawing/2010/main" val="0"/>
+              </a:ext>
+            </a:extLst>
+          </a:blip>
+          <a:srcRect/>
+          <a:stretch>
+            <a:fillRect/>
+          </a:stretch>
+        </p:blipFill>
+        <p:spPr bwMode="auto">
+          <a:xfrm>
+            <a:off x="4784725" y="1541417"/>
+            <a:ext cx="6252322" cy="3901440"/>
+          </a:xfrm>
+          <a:prstGeom prst="rect">
+            <a:avLst/>
+          </a:prstGeom>
+          <a:noFill/>
+          <a:extLst>
+            <a:ext uri="{909E8E84-426E-40DD-AFC4-6F175D3DCCD1}">
+              <a14:hiddenFill xmlns:a14="http://schemas.microsoft.com/office/drawing/2010/main">
+                <a:solidFill>
+                  <a:srgbClr val="FFFFFF"/>
+                </a:solidFill>
+              </a14:hiddenFill>
+            </a:ext>
+          </a:extLst>
+        </p:spPr>
+      </p:pic>
+      <p:sp>
+        <p:nvSpPr>
+          <p:cNvPr id="4" name="Text Placeholder 3">
+            <a:extLst>
+              <a:ext uri="{FF2B5EF4-FFF2-40B4-BE49-F238E27FC236}">
+                <a16:creationId xmlns:a16="http://schemas.microsoft.com/office/drawing/2014/main" id="{80CAE5C7-6CAF-4AC5-A36E-C4F6BEF20BE5}"/>
+              </a:ext>
+            </a:extLst>
+          </p:cNvPr>
+          <p:cNvSpPr>
+            <a:spLocks noGrp="1"/>
+          </p:cNvSpPr>
+          <p:nvPr>
+            <p:ph type="body" sz="half" idx="2"/>
+          </p:nvPr>
+        </p:nvSpPr>
+        <p:spPr/>
+        <p:txBody>
+          <a:bodyPr/>
+          <a:lstStyle/>
+          <a:p>
+            <a:pPr marL="285750" indent="-285750">
+              <a:buFont typeface="Arial" panose="020B0604020202020204" pitchFamily="34" charset="0"/>
+              <a:buChar char="•"/>
+            </a:pPr>
+            <a:r>
+              <a:rPr lang="en-US" dirty="0"/>
+              <a:t>Every state has its budget reduced due to the arrival of COVID-19.</a:t>
+            </a:r>
+          </a:p>
+        </p:txBody>
+      </p:sp>
+    </p:spTree>
+    <p:extLst>
+      <p:ext uri="{BB962C8B-B14F-4D97-AF65-F5344CB8AC3E}">
+        <p14:creationId xmlns:p14="http://schemas.microsoft.com/office/powerpoint/2010/main" val="42151251"/>
+      </p:ext>
+    </p:extLst>
+  </p:cSld>
+  <p:clrMapOvr>
+    <a:masterClrMapping/>
+  </p:clrMapOvr>
+</p:sld>
+</file>
+
+<file path=ppt/slides/slide11.xml><?xml version="1.0" encoding="utf-8"?>
+<p:sld xmlns:a="http://schemas.openxmlformats.org/drawingml/2006/main" xmlns:r="http://schemas.openxmlformats.org/officeDocument/2006/relationships" xmlns:p="http://schemas.openxmlformats.org/presentationml/2006/main">
+  <p:cSld>
+    <p:spTree>
+      <p:nvGrpSpPr>
+        <p:cNvPr id="1" name=""/>
+        <p:cNvGrpSpPr/>
+        <p:nvPr/>
+      </p:nvGrpSpPr>
+      <p:grpSpPr>
+        <a:xfrm>
+          <a:off x="0" y="0"/>
+          <a:ext cx="0" cy="0"/>
+          <a:chOff x="0" y="0"/>
+          <a:chExt cx="0" cy="0"/>
+        </a:xfrm>
+      </p:grpSpPr>
+      <p:sp>
+        <p:nvSpPr>
+          <p:cNvPr id="2" name="Title 1">
+            <a:extLst>
+              <a:ext uri="{FF2B5EF4-FFF2-40B4-BE49-F238E27FC236}">
+                <a16:creationId xmlns:a16="http://schemas.microsoft.com/office/drawing/2014/main" id="{506531D3-C948-4D54-83F2-AC9A5ECFE050}"/>
+              </a:ext>
+            </a:extLst>
+          </p:cNvPr>
+          <p:cNvSpPr>
+            <a:spLocks noGrp="1"/>
+          </p:cNvSpPr>
+          <p:nvPr>
+            <p:ph type="title"/>
+          </p:nvPr>
+        </p:nvSpPr>
+        <p:spPr/>
+        <p:txBody>
+          <a:bodyPr/>
+          <a:lstStyle/>
+          <a:p>
+            <a:r>
+              <a:rPr lang="en-US" dirty="0"/>
+              <a:t>CONCLUSION</a:t>
+            </a:r>
+          </a:p>
+        </p:txBody>
+      </p:sp>
+      <p:sp>
+        <p:nvSpPr>
+          <p:cNvPr id="3" name="Content Placeholder 2">
+            <a:extLst>
+              <a:ext uri="{FF2B5EF4-FFF2-40B4-BE49-F238E27FC236}">
+                <a16:creationId xmlns:a16="http://schemas.microsoft.com/office/drawing/2014/main" id="{234273E0-963B-4786-B67D-AAED851593DF}"/>
+              </a:ext>
+            </a:extLst>
+          </p:cNvPr>
+          <p:cNvSpPr>
+            <a:spLocks noGrp="1"/>
+          </p:cNvSpPr>
+          <p:nvPr>
+            <p:ph idx="1"/>
+          </p:nvPr>
+        </p:nvSpPr>
+        <p:spPr/>
+        <p:txBody>
+          <a:bodyPr>
+            <a:normAutofit/>
+          </a:bodyPr>
+          <a:lstStyle/>
+          <a:p>
+            <a:r>
+              <a:rPr lang="en-US" dirty="0"/>
+              <a:t>Covid-19 came as a shock and it’s effect can’t be overemphasized, on economy, manufacturing companies and consumers.</a:t>
+            </a:r>
+          </a:p>
+          <a:p>
+            <a:r>
+              <a:rPr lang="en-US" dirty="0"/>
+              <a:t>States with high population densities tend to have higher number of confirmed cases. This affirms to the significance of social distancing as a method of keeping safe to avoid contracting the virus.</a:t>
+            </a:r>
+          </a:p>
+          <a:p>
+            <a:r>
+              <a:rPr lang="en-US" dirty="0"/>
+              <a:t>Despite </a:t>
+            </a:r>
+            <a:r>
+              <a:rPr lang="en-US" dirty="0" err="1"/>
+              <a:t>Borno</a:t>
+            </a:r>
+            <a:r>
+              <a:rPr lang="en-US" dirty="0"/>
+              <a:t> state having a high fragility value and high Health system due to poor health facilities, the number of cases recorded was still quite low. Reason being that the population density is low.</a:t>
+            </a:r>
+          </a:p>
+          <a:p>
+            <a:r>
+              <a:rPr lang="en-US" dirty="0"/>
+              <a:t>GDP of Q2 of 2020 was most affected because of the restrictions made by government to reduce the spread of the virus.</a:t>
+            </a:r>
+          </a:p>
+          <a:p>
+            <a:r>
+              <a:rPr lang="en-US" dirty="0"/>
+              <a:t>There was a reduction in budget for every single state due to covid</a:t>
+            </a:r>
+          </a:p>
+        </p:txBody>
+      </p:sp>
+    </p:spTree>
+    <p:extLst>
+      <p:ext uri="{BB962C8B-B14F-4D97-AF65-F5344CB8AC3E}">
+        <p14:creationId xmlns:p14="http://schemas.microsoft.com/office/powerpoint/2010/main" val="3506130547"/>
+      </p:ext>
+    </p:extLst>
+  </p:cSld>
+  <p:clrMapOvr>
+    <a:masterClrMapping/>
+  </p:clrMapOvr>
+</p:sld>
+</file>
+
+<file path=ppt/slides/slide12.xml><?xml version="1.0" encoding="utf-8"?>
+<p:sld xmlns:a="http://schemas.openxmlformats.org/drawingml/2006/main" xmlns:r="http://schemas.openxmlformats.org/officeDocument/2006/relationships" xmlns:p="http://schemas.openxmlformats.org/presentationml/2006/main">
+  <p:cSld>
+    <p:spTree>
+      <p:nvGrpSpPr>
+        <p:cNvPr id="1" name=""/>
+        <p:cNvGrpSpPr/>
+        <p:nvPr/>
+      </p:nvGrpSpPr>
+      <p:grpSpPr>
+        <a:xfrm>
+          <a:off x="0" y="0"/>
+          <a:ext cx="0" cy="0"/>
+          <a:chOff x="0" y="0"/>
+          <a:chExt cx="0" cy="0"/>
+        </a:xfrm>
+      </p:grpSpPr>
+      <p:sp>
+        <p:nvSpPr>
+          <p:cNvPr id="2" name="Title 1">
+            <a:extLst>
+              <a:ext uri="{FF2B5EF4-FFF2-40B4-BE49-F238E27FC236}">
+                <a16:creationId xmlns:a16="http://schemas.microsoft.com/office/drawing/2014/main" id="{31BDB988-02FB-44B2-9E2F-63BC3E70DE17}"/>
+              </a:ext>
+            </a:extLst>
+          </p:cNvPr>
+          <p:cNvSpPr>
+            <a:spLocks noGrp="1"/>
+          </p:cNvSpPr>
+          <p:nvPr>
+            <p:ph type="title"/>
+          </p:nvPr>
+        </p:nvSpPr>
+        <p:spPr/>
+        <p:txBody>
+          <a:bodyPr/>
+          <a:lstStyle/>
+          <a:p>
+            <a:r>
+              <a:rPr lang="en-US" dirty="0"/>
+              <a:t>REFERENCES</a:t>
+            </a:r>
+          </a:p>
+        </p:txBody>
+      </p:sp>
+      <p:sp>
+        <p:nvSpPr>
+          <p:cNvPr id="3" name="Content Placeholder 2">
+            <a:extLst>
+              <a:ext uri="{FF2B5EF4-FFF2-40B4-BE49-F238E27FC236}">
+                <a16:creationId xmlns:a16="http://schemas.microsoft.com/office/drawing/2014/main" id="{3A97A97F-30DC-4BF5-BCCC-444B71D8CB11}"/>
+              </a:ext>
+            </a:extLst>
+          </p:cNvPr>
+          <p:cNvSpPr>
+            <a:spLocks noGrp="1"/>
+          </p:cNvSpPr>
+          <p:nvPr>
+            <p:ph idx="1"/>
+          </p:nvPr>
+        </p:nvSpPr>
+        <p:spPr/>
+        <p:txBody>
+          <a:bodyPr/>
+          <a:lstStyle/>
+          <a:p>
+            <a:r>
+              <a:rPr lang="en-US" dirty="0"/>
+              <a:t>Bloomberg report on economics</a:t>
+            </a:r>
+          </a:p>
+          <a:p>
+            <a:r>
+              <a:rPr lang="en-US" dirty="0"/>
+              <a:t>Nigeria economic alert (</a:t>
+            </a:r>
+            <a:r>
+              <a:rPr lang="en-US" dirty="0" err="1"/>
+              <a:t>Pwc</a:t>
+            </a:r>
+            <a:r>
+              <a:rPr lang="en-US" dirty="0"/>
+              <a:t>)</a:t>
+            </a:r>
+          </a:p>
+          <a:p>
+            <a:pPr marL="0" indent="0">
+              <a:buNone/>
+            </a:pPr>
+            <a:endParaRPr lang="en-US" dirty="0"/>
+          </a:p>
+        </p:txBody>
+      </p:sp>
+    </p:spTree>
+    <p:extLst>
+      <p:ext uri="{BB962C8B-B14F-4D97-AF65-F5344CB8AC3E}">
+        <p14:creationId xmlns:p14="http://schemas.microsoft.com/office/powerpoint/2010/main" val="30731897"/>
+      </p:ext>
+    </p:extLst>
+  </p:cSld>
+  <p:clrMapOvr>
+    <a:masterClrMapping/>
+  </p:clrMapOvr>
+</p:sld>
+</file>
+
 <file path=ppt/slides/slide2.xml><?xml version="1.0" encoding="utf-8"?>
 <p:sld xmlns:a="http://schemas.openxmlformats.org/drawingml/2006/main" xmlns:r="http://schemas.openxmlformats.org/officeDocument/2006/relationships" xmlns:p="http://schemas.openxmlformats.org/presentationml/2006/main">
   <p:cSld>
@@ -3466,39 +6605,36 @@
           <a:lstStyle/>
           <a:p>
             <a:r>
-              <a:rPr lang="en-US" sz="2400" b="0" i="0" dirty="0">
-                <a:effectLst/>
+              <a:rPr lang="en-US" dirty="0">
                 <a:latin typeface="Jost"/>
               </a:rPr>
               <a:t>Coronavirus disease (COVID-19) is an infectious disease caused by a newly discovered coronavirus, and it has affected major parts of the world. Nigeria, a West-African country, has also been affected by the COVID-19 pandemic after recording its first case on 27th February 2020.</a:t>
             </a:r>
             <a:br>
-              <a:rPr lang="en-US" sz="2400" dirty="0"/>
+              <a:rPr lang="en-US" dirty="0"/>
             </a:br>
             <a:br>
-              <a:rPr lang="en-US" sz="2400" dirty="0"/>
+              <a:rPr lang="en-US" dirty="0"/>
             </a:br>
             <a:r>
-              <a:rPr lang="en-US" sz="2400" b="0" i="0" dirty="0">
-                <a:effectLst/>
+              <a:rPr lang="en-US" dirty="0">
                 <a:latin typeface="Jost"/>
               </a:rPr>
               <a:t>Nigeria is a country with 37 states - Federal Capital Territory included- and a fast-growing economic environment with about 200 million citizens. COVID-19 has affected several country activities as the country steadily progressed from its first case to shutting down major airports, state-wide lockdown, curfews, and reviving its economy.</a:t>
             </a:r>
             <a:br>
-              <a:rPr lang="en-US" sz="2400" dirty="0"/>
+              <a:rPr lang="en-US" dirty="0"/>
             </a:br>
             <a:br>
-              <a:rPr lang="en-US" sz="2400" dirty="0"/>
+              <a:rPr lang="en-US" dirty="0"/>
             </a:br>
             <a:r>
-              <a:rPr lang="en-US" sz="2400" b="0" i="0" dirty="0">
-                <a:effectLst/>
+              <a:rPr lang="en-US" dirty="0">
                 <a:latin typeface="Jost"/>
               </a:rPr>
               <a:t>In this project ,I employ data science &amp; analytics skills to collect data, explore the data, perform analysis, create visualizations, and generate insights.</a:t>
             </a:r>
-            <a:endParaRPr lang="en-US" sz="2400" dirty="0"/>
+            <a:endParaRPr lang="en-US" dirty="0"/>
           </a:p>
         </p:txBody>
       </p:sp>
@@ -3578,7 +6714,9 @@
         </p:nvSpPr>
         <p:spPr/>
         <p:txBody>
-          <a:bodyPr/>
+          <a:bodyPr>
+            <a:normAutofit/>
+          </a:bodyPr>
           <a:lstStyle/>
           <a:p>
             <a:r>
@@ -3781,74 +6919,186 @@
         <p:spPr/>
         <p:txBody>
           <a:bodyPr>
+            <a:normAutofit/>
+          </a:bodyPr>
+          <a:lstStyle/>
+          <a:p>
+            <a:endParaRPr lang="en-US" dirty="0"/>
+          </a:p>
+          <a:p>
+            <a:endParaRPr lang="en-US" dirty="0"/>
+          </a:p>
+          <a:p>
+            <a:endParaRPr lang="en-US" dirty="0"/>
+          </a:p>
+          <a:p>
+            <a:endParaRPr lang="en-US" dirty="0"/>
+          </a:p>
+          <a:p>
+            <a:endParaRPr lang="en-US" dirty="0"/>
+          </a:p>
+          <a:p>
+            <a:endParaRPr lang="en-US" dirty="0"/>
+          </a:p>
+          <a:p>
+            <a:endParaRPr lang="en-US" dirty="0"/>
+          </a:p>
+          <a:p>
+            <a:endParaRPr lang="en-US" dirty="0"/>
+          </a:p>
+          <a:p>
+            <a:endParaRPr lang="en-US" dirty="0"/>
+          </a:p>
+        </p:txBody>
+      </p:sp>
+      <p:sp>
+        <p:nvSpPr>
+          <p:cNvPr id="4" name="Text Placeholder 3">
+            <a:extLst>
+              <a:ext uri="{FF2B5EF4-FFF2-40B4-BE49-F238E27FC236}">
+                <a16:creationId xmlns:a16="http://schemas.microsoft.com/office/drawing/2014/main" id="{FCF6AC95-3096-4997-8E0C-3A90784A7B59}"/>
+              </a:ext>
+            </a:extLst>
+          </p:cNvPr>
+          <p:cNvSpPr>
+            <a:spLocks noGrp="1"/>
+          </p:cNvSpPr>
+          <p:nvPr>
+            <p:ph type="body" sz="half" idx="2"/>
+          </p:nvPr>
+        </p:nvSpPr>
+        <p:spPr/>
+        <p:txBody>
+          <a:bodyPr>
             <a:normAutofit lnSpcReduction="10000"/>
           </a:bodyPr>
           <a:lstStyle/>
           <a:p>
+            <a:pPr marL="285750" indent="-285750">
+              <a:buFont typeface="Arial" panose="020B0604020202020204" pitchFamily="34" charset="0"/>
+              <a:buChar char="•"/>
+            </a:pPr>
             <a:r>
               <a:rPr lang="en-US" dirty="0"/>
-              <a:t>Top confirmed cases were from Lagos, FCT, Rivers, Kaduna and </a:t>
-            </a:r>
-            <a:r>
-              <a:rPr lang="en-US" dirty="0" err="1"/>
-              <a:t>Pleatue</a:t>
-            </a:r>
+              <a:t>From the table, we can see Lagos records the highest number of confirmed cases, followed by FCT, the two economic hub of the Nation.</a:t>
+            </a:r>
+          </a:p>
+          <a:p>
+            <a:pPr marL="285750" indent="-285750">
+              <a:buFont typeface="Arial" panose="020B0604020202020204" pitchFamily="34" charset="0"/>
+              <a:buChar char="•"/>
+            </a:pPr>
             <a:r>
               <a:rPr lang="en-US" dirty="0"/>
-              <a:t>. Top discharged cases follow same pattern for first 5 states. </a:t>
-            </a:r>
-          </a:p>
-          <a:p>
+              <a:t>There’s a linear relationship between confirmed and discharged cases</a:t>
+            </a:r>
+          </a:p>
+          <a:p>
+            <a:pPr marL="285750" indent="-285750">
+              <a:buFont typeface="Arial" panose="020B0604020202020204" pitchFamily="34" charset="0"/>
+              <a:buChar char="•"/>
+            </a:pPr>
             <a:r>
               <a:rPr lang="en-US" dirty="0"/>
-              <a:t>Top death cases are Lagos, Edo, Oyo, FCT.</a:t>
-            </a:r>
-          </a:p>
-          <a:p>
-            <a:r>
-              <a:rPr lang="en-US" dirty="0"/>
-              <a:t>Relationship between confirmed cases and discharged cases are linear until August 2021,when discharged cases dropped.</a:t>
-            </a:r>
-          </a:p>
-          <a:p>
-            <a:r>
-              <a:rPr lang="en-US" dirty="0"/>
-              <a:t>Death case is linear to confirmed cases </a:t>
-            </a:r>
-            <a:r>
-              <a:rPr lang="en-US" dirty="0" err="1"/>
-              <a:t>i.e</a:t>
-            </a:r>
-            <a:r>
-              <a:rPr lang="en-US" dirty="0"/>
-              <a:t> the more the confirmed cases, the more the death cases.</a:t>
-            </a:r>
-          </a:p>
-          <a:p>
-            <a:r>
-              <a:rPr lang="en-US" dirty="0"/>
-              <a:t>23</a:t>
-            </a:r>
-            <a:r>
-              <a:rPr lang="en-US" baseline="30000" dirty="0"/>
-              <a:t>rd</a:t>
-            </a:r>
-            <a:r>
-              <a:rPr lang="en-US" dirty="0"/>
-              <a:t> of January 2021 was the day with highest infection rate.</a:t>
-            </a:r>
-          </a:p>
-          <a:p>
-            <a:r>
-              <a:rPr lang="en-US" dirty="0"/>
-              <a:t>For most states CCVI index is indirectly proportional to confirmed cases.</a:t>
-            </a:r>
-          </a:p>
-          <a:p>
-            <a:endParaRPr lang="en-US" dirty="0"/>
-          </a:p>
-        </p:txBody>
-      </p:sp>
+              <a:t>The two tables follow same pattern in that, cases with highest cases has highest number of discharged patient and vice versa.</a:t>
+            </a:r>
+          </a:p>
+        </p:txBody>
+      </p:sp>
+      <p:pic>
+        <p:nvPicPr>
+          <p:cNvPr id="2050" name="Picture 2">
+            <a:extLst>
+              <a:ext uri="{FF2B5EF4-FFF2-40B4-BE49-F238E27FC236}">
+                <a16:creationId xmlns:a16="http://schemas.microsoft.com/office/drawing/2014/main" id="{6A20B282-21BC-4CA2-8574-739236E41887}"/>
+              </a:ext>
+            </a:extLst>
+          </p:cNvPr>
+          <p:cNvPicPr>
+            <a:picLocks noChangeAspect="1" noChangeArrowheads="1"/>
+          </p:cNvPicPr>
+          <p:nvPr/>
+        </p:nvPicPr>
+        <p:blipFill>
+          <a:blip r:embed="rId2">
+            <a:extLst>
+              <a:ext uri="{28A0092B-C50C-407E-A947-70E740481C1C}">
+                <a14:useLocalDpi xmlns:a14="http://schemas.microsoft.com/office/drawing/2010/main" val="0"/>
+              </a:ext>
+            </a:extLst>
+          </a:blip>
+          <a:srcRect/>
+          <a:stretch>
+            <a:fillRect/>
+          </a:stretch>
+        </p:blipFill>
+        <p:spPr bwMode="auto">
+          <a:xfrm>
+            <a:off x="4122761" y="31206"/>
+            <a:ext cx="6252431" cy="3048412"/>
+          </a:xfrm>
+          <a:prstGeom prst="rect">
+            <a:avLst/>
+          </a:prstGeom>
+          <a:noFill/>
+          <a:extLst>
+            <a:ext uri="{909E8E84-426E-40DD-AFC4-6F175D3DCCD1}">
+              <a14:hiddenFill xmlns:a14="http://schemas.microsoft.com/office/drawing/2010/main">
+                <a:solidFill>
+                  <a:srgbClr val="FFFFFF"/>
+                </a:solidFill>
+              </a14:hiddenFill>
+            </a:ext>
+          </a:extLst>
+        </p:spPr>
+      </p:pic>
+      <p:pic>
+        <p:nvPicPr>
+          <p:cNvPr id="2052" name="Picture 4">
+            <a:extLst>
+              <a:ext uri="{FF2B5EF4-FFF2-40B4-BE49-F238E27FC236}">
+                <a16:creationId xmlns:a16="http://schemas.microsoft.com/office/drawing/2014/main" id="{7DD2BFA3-95AC-4974-97E4-2675BA895332}"/>
+              </a:ext>
+            </a:extLst>
+          </p:cNvPr>
+          <p:cNvPicPr>
+            <a:picLocks noChangeAspect="1" noChangeArrowheads="1"/>
+          </p:cNvPicPr>
+          <p:nvPr/>
+        </p:nvPicPr>
+        <p:blipFill>
+          <a:blip r:embed="rId3">
+            <a:extLst>
+              <a:ext uri="{28A0092B-C50C-407E-A947-70E740481C1C}">
+                <a14:useLocalDpi xmlns:a14="http://schemas.microsoft.com/office/drawing/2010/main" val="0"/>
+              </a:ext>
+            </a:extLst>
+          </a:blip>
+          <a:srcRect/>
+          <a:stretch>
+            <a:fillRect/>
+          </a:stretch>
+        </p:blipFill>
+        <p:spPr bwMode="auto">
+          <a:xfrm>
+            <a:off x="5559676" y="3634377"/>
+            <a:ext cx="6252432" cy="3048412"/>
+          </a:xfrm>
+          <a:prstGeom prst="rect">
+            <a:avLst/>
+          </a:prstGeom>
+          <a:noFill/>
+          <a:extLst>
+            <a:ext uri="{909E8E84-426E-40DD-AFC4-6F175D3DCCD1}">
+              <a14:hiddenFill xmlns:a14="http://schemas.microsoft.com/office/drawing/2010/main">
+                <a:solidFill>
+                  <a:srgbClr val="FFFFFF"/>
+                </a:solidFill>
+              </a14:hiddenFill>
+            </a:ext>
+          </a:extLst>
+        </p:spPr>
+      </p:pic>
     </p:spTree>
     <p:extLst>
       <p:ext uri="{BB962C8B-B14F-4D97-AF65-F5344CB8AC3E}">
@@ -3907,48 +7157,101 @@
           </a:p>
         </p:txBody>
       </p:sp>
-      <p:sp>
-        <p:nvSpPr>
-          <p:cNvPr id="3" name="Content Placeholder 2">
+      <p:pic>
+        <p:nvPicPr>
+          <p:cNvPr id="3074" name="Picture 2">
             <a:extLst>
               <a:ext uri="{FF2B5EF4-FFF2-40B4-BE49-F238E27FC236}">
-                <a16:creationId xmlns:a16="http://schemas.microsoft.com/office/drawing/2014/main" id="{942B2D85-C404-4203-93FF-CC2C07BA7BBB}"/>
+                <a16:creationId xmlns:a16="http://schemas.microsoft.com/office/drawing/2014/main" id="{E128BAC2-D782-4031-8E1A-02197DDABC46}"/>
               </a:ext>
             </a:extLst>
           </p:cNvPr>
-          <p:cNvSpPr>
-            <a:spLocks noGrp="1"/>
-          </p:cNvSpPr>
-          <p:nvPr>
-            <p:ph idx="1"/>
-          </p:nvPr>
-        </p:nvSpPr>
-        <p:spPr/>
-        <p:txBody>
-          <a:bodyPr/>
+          <p:cNvPicPr>
+            <a:picLocks noGrp="1" noChangeAspect="1" noChangeArrowheads="1"/>
+          </p:cNvPicPr>
+          <p:nvPr>
+            <p:ph sz="half" idx="1"/>
+          </p:nvPr>
+        </p:nvPicPr>
+        <p:blipFill>
+          <a:blip r:embed="rId2">
+            <a:extLst>
+              <a:ext uri="{28A0092B-C50C-407E-A947-70E740481C1C}">
+                <a14:useLocalDpi xmlns:a14="http://schemas.microsoft.com/office/drawing/2010/main" val="0"/>
+              </a:ext>
+            </a:extLst>
+          </a:blip>
+          <a:srcRect/>
+          <a:stretch>
+            <a:fillRect/>
+          </a:stretch>
+        </p:blipFill>
+        <p:spPr bwMode="auto">
+          <a:xfrm>
+            <a:off x="197621" y="1463261"/>
+            <a:ext cx="4626928" cy="2211755"/>
+          </a:xfrm>
+          <a:prstGeom prst="rect">
+            <a:avLst/>
+          </a:prstGeom>
+          <a:noFill/>
+          <a:extLst>
+            <a:ext uri="{909E8E84-426E-40DD-AFC4-6F175D3DCCD1}">
+              <a14:hiddenFill xmlns:a14="http://schemas.microsoft.com/office/drawing/2010/main">
+                <a:solidFill>
+                  <a:srgbClr val="FFFFFF"/>
+                </a:solidFill>
+              </a14:hiddenFill>
+            </a:ext>
+          </a:extLst>
+        </p:spPr>
+      </p:pic>
+      <p:sp>
+        <p:nvSpPr>
+          <p:cNvPr id="5" name="Content Placeholder 4">
+            <a:extLst>
+              <a:ext uri="{FF2B5EF4-FFF2-40B4-BE49-F238E27FC236}">
+                <a16:creationId xmlns:a16="http://schemas.microsoft.com/office/drawing/2014/main" id="{2D190BFD-B510-4AE5-923A-08D09FA2DFD3}"/>
+              </a:ext>
+            </a:extLst>
+          </p:cNvPr>
+          <p:cNvSpPr>
+            <a:spLocks noGrp="1"/>
+          </p:cNvSpPr>
+          <p:nvPr>
+            <p:ph sz="half" idx="2"/>
+          </p:nvPr>
+        </p:nvSpPr>
+        <p:spPr/>
+        <p:txBody>
+          <a:bodyPr>
+            <a:normAutofit/>
+          </a:bodyPr>
           <a:lstStyle/>
           <a:p>
             <a:r>
               <a:rPr lang="en-US" dirty="0"/>
-              <a:t>There’s a direct linear relationship between confirmed cases and population density. </a:t>
+              <a:t>This graph is similar to that of confirmed cases and discovered cases, but Edo has the highest death cases as opposed to FCT.</a:t>
             </a:r>
           </a:p>
           <a:p>
             <a:r>
               <a:rPr lang="en-US" dirty="0"/>
-              <a:t>There’s an indirect relationship between confirmed cases and each of Age, Fragility, Health system, socio-Economic and Acute IHR</a:t>
+              <a:t>Also, Delta wasn’t part of top 10 confirmed cases, but has the seventh highest death cases. Below Lagos, Edo, FCT, Oyo, Rivers and Kano.</a:t>
             </a:r>
           </a:p>
           <a:p>
             <a:r>
               <a:rPr lang="en-US" dirty="0"/>
-              <a:t>Effect of the pandemic was felt in the second quarter of 2020, when a lot of restriction was made. Q2 in 2020 has the lowest GDP since 2014.</a:t>
-            </a:r>
-          </a:p>
-          <a:p>
+              <a:t>Delta was replaced by Edo here, since Edo has 7</a:t>
+            </a:r>
+            <a:r>
+              <a:rPr lang="en-US" baseline="30000" dirty="0"/>
+              <a:t>th</a:t>
+            </a:r>
             <a:r>
               <a:rPr lang="en-US" dirty="0"/>
-              <a:t>According to the Manufacturing Association of Nigeria (MAN), manufacturers’ inventory of unsold goods rose to a record high of N402.4 billion as consumer spending fell.</a:t>
+              <a:t> highest confirmed/recovered cases.</a:t>
             </a:r>
           </a:p>
         </p:txBody>
@@ -3985,10 +7288,10 @@
       </p:grpSpPr>
       <p:sp>
         <p:nvSpPr>
-          <p:cNvPr id="2" name="Title 1">
+          <p:cNvPr id="4" name="Title 3">
             <a:extLst>
               <a:ext uri="{FF2B5EF4-FFF2-40B4-BE49-F238E27FC236}">
-                <a16:creationId xmlns:a16="http://schemas.microsoft.com/office/drawing/2014/main" id="{506531D3-C948-4D54-83F2-AC9A5ECFE050}"/>
+                <a16:creationId xmlns:a16="http://schemas.microsoft.com/office/drawing/2014/main" id="{EEA34C79-D985-4A6A-B877-5324F3ABFAF0}"/>
               </a:ext>
             </a:extLst>
           </p:cNvPr>
@@ -4004,19 +7307,16 @@
           <a:bodyPr/>
           <a:lstStyle/>
           <a:p>
-            <a:r>
-              <a:rPr lang="en-US" dirty="0"/>
-              <a:t>CONCLUSION</a:t>
-            </a:r>
-          </a:p>
-        </p:txBody>
-      </p:sp>
-      <p:sp>
-        <p:nvSpPr>
-          <p:cNvPr id="3" name="Content Placeholder 2">
+            <a:endParaRPr lang="en-US" dirty="0"/>
+          </a:p>
+        </p:txBody>
+      </p:sp>
+      <p:sp>
+        <p:nvSpPr>
+          <p:cNvPr id="5" name="Content Placeholder 4">
             <a:extLst>
               <a:ext uri="{FF2B5EF4-FFF2-40B4-BE49-F238E27FC236}">
-                <a16:creationId xmlns:a16="http://schemas.microsoft.com/office/drawing/2014/main" id="{234273E0-963B-4786-B67D-AAED851593DF}"/>
+                <a16:creationId xmlns:a16="http://schemas.microsoft.com/office/drawing/2014/main" id="{B6771209-78DF-4100-B430-79708209B04F}"/>
               </a:ext>
             </a:extLst>
           </p:cNvPr>
@@ -4032,43 +7332,232 @@
           <a:bodyPr/>
           <a:lstStyle/>
           <a:p>
+            <a:endParaRPr lang="en-US" dirty="0"/>
+          </a:p>
+        </p:txBody>
+      </p:sp>
+      <p:sp>
+        <p:nvSpPr>
+          <p:cNvPr id="6" name="Text Placeholder 5">
+            <a:extLst>
+              <a:ext uri="{FF2B5EF4-FFF2-40B4-BE49-F238E27FC236}">
+                <a16:creationId xmlns:a16="http://schemas.microsoft.com/office/drawing/2014/main" id="{AF5005F3-ECDF-4116-9A4F-55C9425A79FE}"/>
+              </a:ext>
+            </a:extLst>
+          </p:cNvPr>
+          <p:cNvSpPr>
+            <a:spLocks noGrp="1"/>
+          </p:cNvSpPr>
+          <p:nvPr>
+            <p:ph type="body" sz="half" idx="2"/>
+          </p:nvPr>
+        </p:nvSpPr>
+        <p:spPr>
+          <a:xfrm>
+            <a:off x="1154953" y="3129280"/>
+            <a:ext cx="3401063" cy="3289808"/>
+          </a:xfrm>
+        </p:spPr>
+        <p:txBody>
+          <a:bodyPr>
+            <a:normAutofit/>
+          </a:bodyPr>
+          <a:lstStyle/>
+          <a:p>
+            <a:pPr marL="285750" indent="-285750">
+              <a:buFont typeface="Arial" panose="020B0604020202020204" pitchFamily="34" charset="0"/>
+              <a:buChar char="•"/>
+            </a:pPr>
             <a:r>
               <a:rPr lang="en-US" dirty="0"/>
-              <a:t>Covid-19 came as a shock and it’s effect can’t be overemphasized, on economy, manufacturing companies and consumers.</a:t>
-            </a:r>
-          </a:p>
-          <a:p>
+              <a:t>The virus was first discovered in Nigeria late 2019 and it started spreading rapidly, increasingly, till date.</a:t>
+            </a:r>
+          </a:p>
+          <a:p>
+            <a:pPr marL="285750" indent="-285750">
+              <a:buFont typeface="Arial" panose="020B0604020202020204" pitchFamily="34" charset="0"/>
+              <a:buChar char="•"/>
+            </a:pPr>
             <a:r>
               <a:rPr lang="en-US" dirty="0"/>
-              <a:t>Countries with high population densities tend to have higher number of confirmed cases. This affirms to the significance of social distancing as a method of keeping safe to avoid contracting the virus.</a:t>
-            </a:r>
-          </a:p>
-          <a:p>
+              <a:t>There’s a similar trend for death cases, in increases with increase in number of confirmed cases.</a:t>
+            </a:r>
+          </a:p>
+          <a:p>
+            <a:pPr marL="285750" indent="-285750">
+              <a:buFont typeface="Arial" panose="020B0604020202020204" pitchFamily="34" charset="0"/>
+              <a:buChar char="•"/>
+            </a:pPr>
             <a:r>
               <a:rPr lang="en-US" dirty="0"/>
-              <a:t>Despite </a:t>
-            </a:r>
-            <a:r>
-              <a:rPr lang="en-US" dirty="0" err="1"/>
-              <a:t>Borno</a:t>
-            </a:r>
+              <a:t>Graph of recovered cases follows same pattern until it reached August 2021, recovered cases dropped drastically.</a:t>
+            </a:r>
+          </a:p>
+          <a:p>
+            <a:pPr marL="285750" indent="-285750">
+              <a:buFont typeface="Arial" panose="020B0604020202020204" pitchFamily="34" charset="0"/>
+              <a:buChar char="•"/>
+            </a:pPr>
             <a:r>
               <a:rPr lang="en-US" dirty="0"/>
-              <a:t> state having a high fragility value and high Health system due to poor health facilities, the number of cases recorded was still quite low. Reason being that the population density is low.</a:t>
-            </a:r>
-          </a:p>
-          <a:p>
+              <a:t>23</a:t>
+            </a:r>
+            <a:r>
+              <a:rPr lang="en-US" baseline="30000" dirty="0"/>
+              <a:t>rd</a:t>
+            </a:r>
             <a:r>
               <a:rPr lang="en-US" dirty="0"/>
-              <a:t>GDP of Q2 of 2020 was most affected because of the restrictions made by government to reduce the spread of the virus.</a:t>
-            </a:r>
-          </a:p>
-        </p:txBody>
-      </p:sp>
+              <a:t> of January was the day with highest infection rate.</a:t>
+            </a:r>
+          </a:p>
+        </p:txBody>
+      </p:sp>
+      <p:pic>
+        <p:nvPicPr>
+          <p:cNvPr id="4098" name="Picture 2">
+            <a:extLst>
+              <a:ext uri="{FF2B5EF4-FFF2-40B4-BE49-F238E27FC236}">
+                <a16:creationId xmlns:a16="http://schemas.microsoft.com/office/drawing/2014/main" id="{13F76EE6-952F-4E48-AC79-A347CDE07566}"/>
+              </a:ext>
+            </a:extLst>
+          </p:cNvPr>
+          <p:cNvPicPr>
+            <a:picLocks noChangeAspect="1" noChangeArrowheads="1"/>
+          </p:cNvPicPr>
+          <p:nvPr/>
+        </p:nvPicPr>
+        <p:blipFill>
+          <a:blip r:embed="rId2">
+            <a:extLst>
+              <a:ext uri="{28A0092B-C50C-407E-A947-70E740481C1C}">
+                <a14:useLocalDpi xmlns:a14="http://schemas.microsoft.com/office/drawing/2010/main" val="0"/>
+              </a:ext>
+            </a:extLst>
+          </a:blip>
+          <a:srcRect/>
+          <a:stretch>
+            <a:fillRect/>
+          </a:stretch>
+        </p:blipFill>
+        <p:spPr bwMode="auto">
+          <a:xfrm>
+            <a:off x="4831393" y="341101"/>
+            <a:ext cx="5195997" cy="2605573"/>
+          </a:xfrm>
+          <a:prstGeom prst="rect">
+            <a:avLst/>
+          </a:prstGeom>
+          <a:noFill/>
+          <a:extLst>
+            <a:ext uri="{909E8E84-426E-40DD-AFC4-6F175D3DCCD1}">
+              <a14:hiddenFill xmlns:a14="http://schemas.microsoft.com/office/drawing/2010/main">
+                <a:solidFill>
+                  <a:srgbClr val="FFFFFF"/>
+                </a:solidFill>
+              </a14:hiddenFill>
+            </a:ext>
+          </a:extLst>
+        </p:spPr>
+      </p:pic>
+      <p:pic>
+        <p:nvPicPr>
+          <p:cNvPr id="4100" name="Picture 4">
+            <a:extLst>
+              <a:ext uri="{FF2B5EF4-FFF2-40B4-BE49-F238E27FC236}">
+                <a16:creationId xmlns:a16="http://schemas.microsoft.com/office/drawing/2014/main" id="{3CBE3E6B-7DEC-4C13-9CB4-52B2C98B6B9E}"/>
+              </a:ext>
+            </a:extLst>
+          </p:cNvPr>
+          <p:cNvPicPr>
+            <a:picLocks noChangeAspect="1" noChangeArrowheads="1"/>
+          </p:cNvPicPr>
+          <p:nvPr/>
+        </p:nvPicPr>
+        <p:blipFill>
+          <a:blip r:embed="rId3">
+            <a:extLst>
+              <a:ext uri="{28A0092B-C50C-407E-A947-70E740481C1C}">
+                <a14:useLocalDpi xmlns:a14="http://schemas.microsoft.com/office/drawing/2010/main" val="0"/>
+              </a:ext>
+            </a:extLst>
+          </a:blip>
+          <a:srcRect/>
+          <a:stretch>
+            <a:fillRect/>
+          </a:stretch>
+        </p:blipFill>
+        <p:spPr bwMode="auto">
+          <a:xfrm>
+            <a:off x="4784614" y="3414227"/>
+            <a:ext cx="5238951" cy="2605573"/>
+          </a:xfrm>
+          <a:prstGeom prst="rect">
+            <a:avLst/>
+          </a:prstGeom>
+          <a:noFill/>
+          <a:extLst>
+            <a:ext uri="{909E8E84-426E-40DD-AFC4-6F175D3DCCD1}">
+              <a14:hiddenFill xmlns:a14="http://schemas.microsoft.com/office/drawing/2010/main">
+                <a:solidFill>
+                  <a:srgbClr val="FFFFFF"/>
+                </a:solidFill>
+              </a14:hiddenFill>
+            </a:ext>
+          </a:extLst>
+        </p:spPr>
+      </p:pic>
+      <p:pic>
+        <p:nvPicPr>
+          <p:cNvPr id="4102" name="Picture 6">
+            <a:extLst>
+              <a:ext uri="{FF2B5EF4-FFF2-40B4-BE49-F238E27FC236}">
+                <a16:creationId xmlns:a16="http://schemas.microsoft.com/office/drawing/2014/main" id="{E90048D9-BE5F-48B6-A7A3-08D155999AFE}"/>
+              </a:ext>
+            </a:extLst>
+          </p:cNvPr>
+          <p:cNvPicPr>
+            <a:picLocks noChangeAspect="1" noChangeArrowheads="1"/>
+          </p:cNvPicPr>
+          <p:nvPr/>
+        </p:nvPicPr>
+        <p:blipFill>
+          <a:blip r:embed="rId4">
+            <a:extLst>
+              <a:ext uri="{28A0092B-C50C-407E-A947-70E740481C1C}">
+                <a14:useLocalDpi xmlns:a14="http://schemas.microsoft.com/office/drawing/2010/main" val="0"/>
+              </a:ext>
+            </a:extLst>
+          </a:blip>
+          <a:srcRect/>
+          <a:stretch>
+            <a:fillRect/>
+          </a:stretch>
+        </p:blipFill>
+        <p:spPr bwMode="auto">
+          <a:xfrm>
+            <a:off x="126602" y="341101"/>
+            <a:ext cx="4636008" cy="2671339"/>
+          </a:xfrm>
+          <a:prstGeom prst="rect">
+            <a:avLst/>
+          </a:prstGeom>
+          <a:noFill/>
+          <a:extLst>
+            <a:ext uri="{909E8E84-426E-40DD-AFC4-6F175D3DCCD1}">
+              <a14:hiddenFill xmlns:a14="http://schemas.microsoft.com/office/drawing/2010/main">
+                <a:solidFill>
+                  <a:srgbClr val="FFFFFF"/>
+                </a:solidFill>
+              </a14:hiddenFill>
+            </a:ext>
+          </a:extLst>
+        </p:spPr>
+      </p:pic>
     </p:spTree>
     <p:extLst>
       <p:ext uri="{BB962C8B-B14F-4D97-AF65-F5344CB8AC3E}">
-        <p14:creationId xmlns:p14="http://schemas.microsoft.com/office/powerpoint/2010/main" val="3506130547"/>
+        <p14:creationId xmlns:p14="http://schemas.microsoft.com/office/powerpoint/2010/main" val="2611926511"/>
       </p:ext>
     </p:extLst>
   </p:cSld>
@@ -4097,10 +7586,10 @@
       </p:grpSpPr>
       <p:sp>
         <p:nvSpPr>
-          <p:cNvPr id="2" name="Title 1">
+          <p:cNvPr id="4" name="Title 3">
             <a:extLst>
               <a:ext uri="{FF2B5EF4-FFF2-40B4-BE49-F238E27FC236}">
-                <a16:creationId xmlns:a16="http://schemas.microsoft.com/office/drawing/2014/main" id="{31BDB988-02FB-44B2-9E2F-63BC3E70DE17}"/>
+                <a16:creationId xmlns:a16="http://schemas.microsoft.com/office/drawing/2014/main" id="{A2C87F74-AC4F-42AE-AC36-3A0F890ED053}"/>
               </a:ext>
             </a:extLst>
           </p:cNvPr>
@@ -4118,17 +7607,17 @@
           <a:p>
             <a:r>
               <a:rPr lang="en-US" dirty="0"/>
-              <a:t>REFERENCES</a:t>
-            </a:r>
-          </a:p>
-        </p:txBody>
-      </p:sp>
-      <p:sp>
-        <p:nvSpPr>
-          <p:cNvPr id="3" name="Content Placeholder 2">
+              <a:t>ANALYSIS</a:t>
+            </a:r>
+          </a:p>
+        </p:txBody>
+      </p:sp>
+      <p:sp>
+        <p:nvSpPr>
+          <p:cNvPr id="5" name="Content Placeholder 4">
             <a:extLst>
               <a:ext uri="{FF2B5EF4-FFF2-40B4-BE49-F238E27FC236}">
-                <a16:creationId xmlns:a16="http://schemas.microsoft.com/office/drawing/2014/main" id="{3A97A97F-30DC-4BF5-BCCC-444B71D8CB11}"/>
+                <a16:creationId xmlns:a16="http://schemas.microsoft.com/office/drawing/2014/main" id="{F73BED16-4FAB-4CA7-8454-BC95E1274224}"/>
               </a:ext>
             </a:extLst>
           </p:cNvPr>
@@ -4144,34 +7633,310 @@
           <a:bodyPr/>
           <a:lstStyle/>
           <a:p>
+            <a:endParaRPr lang="en-US"/>
+          </a:p>
+        </p:txBody>
+      </p:sp>
+      <p:sp>
+        <p:nvSpPr>
+          <p:cNvPr id="6" name="Text Placeholder 5">
+            <a:extLst>
+              <a:ext uri="{FF2B5EF4-FFF2-40B4-BE49-F238E27FC236}">
+                <a16:creationId xmlns:a16="http://schemas.microsoft.com/office/drawing/2014/main" id="{3EC935D6-4AA2-4926-82A5-A9205D1FE3E2}"/>
+              </a:ext>
+            </a:extLst>
+          </p:cNvPr>
+          <p:cNvSpPr>
+            <a:spLocks noGrp="1"/>
+          </p:cNvSpPr>
+          <p:nvPr>
+            <p:ph type="body" sz="half" idx="2"/>
+          </p:nvPr>
+        </p:nvSpPr>
+        <p:spPr/>
+        <p:txBody>
+          <a:bodyPr>
+            <a:normAutofit/>
+          </a:bodyPr>
+          <a:lstStyle/>
+          <a:p>
+            <a:pPr marL="285750" indent="-285750">
+              <a:buFont typeface="Arial" panose="020B0604020202020204" pitchFamily="34" charset="0"/>
+              <a:buChar char="•"/>
+            </a:pPr>
             <a:r>
               <a:rPr lang="en-US" dirty="0"/>
-              <a:t>Bloomberg report on economics</a:t>
-            </a:r>
-          </a:p>
-          <a:p>
+              <a:t>There is a positive relationship between Population density and Confirmed cases, </a:t>
+            </a:r>
+            <a:r>
+              <a:rPr lang="en-US" dirty="0" err="1"/>
+              <a:t>i.e</a:t>
+            </a:r>
             <a:r>
               <a:rPr lang="en-US" dirty="0"/>
-              <a:t>Nigeria economic alert (</a:t>
-            </a:r>
-            <a:r>
-              <a:rPr lang="en-US" dirty="0" err="1"/>
-              <a:t>Pwc</a:t>
-            </a:r>
+              <a:t> the higher the density, the higher the cases confirmed. This clearly explains why Lagos recorded the highest number of cases.</a:t>
+            </a:r>
+          </a:p>
+          <a:p>
+            <a:pPr marL="285750" indent="-285750">
+              <a:buFont typeface="Arial" panose="020B0604020202020204" pitchFamily="34" charset="0"/>
+              <a:buChar char="•"/>
+            </a:pPr>
             <a:r>
               <a:rPr lang="en-US" dirty="0"/>
-              <a:t>)</a:t>
-            </a:r>
-          </a:p>
-          <a:p>
-            <a:endParaRPr lang="en-US" dirty="0"/>
-          </a:p>
-        </p:txBody>
-      </p:sp>
+              <a:t>The better the health system, the lower the number of confirmed cases.</a:t>
+            </a:r>
+          </a:p>
+        </p:txBody>
+      </p:sp>
+      <p:pic>
+        <p:nvPicPr>
+          <p:cNvPr id="5122" name="Picture 2">
+            <a:extLst>
+              <a:ext uri="{FF2B5EF4-FFF2-40B4-BE49-F238E27FC236}">
+                <a16:creationId xmlns:a16="http://schemas.microsoft.com/office/drawing/2014/main" id="{94AFF4D4-EEC8-450E-A019-6AF8E24A44F5}"/>
+              </a:ext>
+            </a:extLst>
+          </p:cNvPr>
+          <p:cNvPicPr>
+            <a:picLocks noChangeAspect="1" noChangeArrowheads="1"/>
+          </p:cNvPicPr>
+          <p:nvPr/>
+        </p:nvPicPr>
+        <p:blipFill>
+          <a:blip r:embed="rId2">
+            <a:extLst>
+              <a:ext uri="{28A0092B-C50C-407E-A947-70E740481C1C}">
+                <a14:useLocalDpi xmlns:a14="http://schemas.microsoft.com/office/drawing/2010/main" val="0"/>
+              </a:ext>
+            </a:extLst>
+          </a:blip>
+          <a:srcRect/>
+          <a:stretch>
+            <a:fillRect/>
+          </a:stretch>
+        </p:blipFill>
+        <p:spPr bwMode="auto">
+          <a:xfrm>
+            <a:off x="4784616" y="568235"/>
+            <a:ext cx="5195997" cy="2705100"/>
+          </a:xfrm>
+          <a:prstGeom prst="rect">
+            <a:avLst/>
+          </a:prstGeom>
+          <a:noFill/>
+          <a:extLst>
+            <a:ext uri="{909E8E84-426E-40DD-AFC4-6F175D3DCCD1}">
+              <a14:hiddenFill xmlns:a14="http://schemas.microsoft.com/office/drawing/2010/main">
+                <a:solidFill>
+                  <a:srgbClr val="FFFFFF"/>
+                </a:solidFill>
+              </a14:hiddenFill>
+            </a:ext>
+          </a:extLst>
+        </p:spPr>
+      </p:pic>
+      <p:pic>
+        <p:nvPicPr>
+          <p:cNvPr id="5124" name="Picture 4">
+            <a:extLst>
+              <a:ext uri="{FF2B5EF4-FFF2-40B4-BE49-F238E27FC236}">
+                <a16:creationId xmlns:a16="http://schemas.microsoft.com/office/drawing/2014/main" id="{3F4289FC-2083-4635-8BB3-66E28E385F46}"/>
+              </a:ext>
+            </a:extLst>
+          </p:cNvPr>
+          <p:cNvPicPr>
+            <a:picLocks noChangeAspect="1" noChangeArrowheads="1"/>
+          </p:cNvPicPr>
+          <p:nvPr/>
+        </p:nvPicPr>
+        <p:blipFill>
+          <a:blip r:embed="rId3">
+            <a:extLst>
+              <a:ext uri="{28A0092B-C50C-407E-A947-70E740481C1C}">
+                <a14:useLocalDpi xmlns:a14="http://schemas.microsoft.com/office/drawing/2010/main" val="0"/>
+              </a:ext>
+            </a:extLst>
+          </a:blip>
+          <a:srcRect/>
+          <a:stretch>
+            <a:fillRect/>
+          </a:stretch>
+        </p:blipFill>
+        <p:spPr bwMode="auto">
+          <a:xfrm>
+            <a:off x="4784616" y="3429000"/>
+            <a:ext cx="5195997" cy="2705100"/>
+          </a:xfrm>
+          <a:prstGeom prst="rect">
+            <a:avLst/>
+          </a:prstGeom>
+          <a:noFill/>
+          <a:extLst>
+            <a:ext uri="{909E8E84-426E-40DD-AFC4-6F175D3DCCD1}">
+              <a14:hiddenFill xmlns:a14="http://schemas.microsoft.com/office/drawing/2010/main">
+                <a:solidFill>
+                  <a:srgbClr val="FFFFFF"/>
+                </a:solidFill>
+              </a14:hiddenFill>
+            </a:ext>
+          </a:extLst>
+        </p:spPr>
+      </p:pic>
     </p:spTree>
     <p:extLst>
       <p:ext uri="{BB962C8B-B14F-4D97-AF65-F5344CB8AC3E}">
-        <p14:creationId xmlns:p14="http://schemas.microsoft.com/office/powerpoint/2010/main" val="30731897"/>
+        <p14:creationId xmlns:p14="http://schemas.microsoft.com/office/powerpoint/2010/main" val="2172233725"/>
+      </p:ext>
+    </p:extLst>
+  </p:cSld>
+  <p:clrMapOvr>
+    <a:masterClrMapping/>
+  </p:clrMapOvr>
+</p:sld>
+</file>
+
+<file path=ppt/slides/slide9.xml><?xml version="1.0" encoding="utf-8"?>
+<p:sld xmlns:a="http://schemas.openxmlformats.org/drawingml/2006/main" xmlns:r="http://schemas.openxmlformats.org/officeDocument/2006/relationships" xmlns:p="http://schemas.openxmlformats.org/presentationml/2006/main">
+  <p:cSld>
+    <p:spTree>
+      <p:nvGrpSpPr>
+        <p:cNvPr id="1" name=""/>
+        <p:cNvGrpSpPr/>
+        <p:nvPr/>
+      </p:nvGrpSpPr>
+      <p:grpSpPr>
+        <a:xfrm>
+          <a:off x="0" y="0"/>
+          <a:ext cx="0" cy="0"/>
+          <a:chOff x="0" y="0"/>
+          <a:chExt cx="0" cy="0"/>
+        </a:xfrm>
+      </p:grpSpPr>
+      <p:sp>
+        <p:nvSpPr>
+          <p:cNvPr id="9" name="Title 8">
+            <a:extLst>
+              <a:ext uri="{FF2B5EF4-FFF2-40B4-BE49-F238E27FC236}">
+                <a16:creationId xmlns:a16="http://schemas.microsoft.com/office/drawing/2014/main" id="{03F5D40E-6AAC-4A96-AE47-5806DAE24019}"/>
+              </a:ext>
+            </a:extLst>
+          </p:cNvPr>
+          <p:cNvSpPr>
+            <a:spLocks noGrp="1"/>
+          </p:cNvSpPr>
+          <p:nvPr>
+            <p:ph type="title"/>
+          </p:nvPr>
+        </p:nvSpPr>
+        <p:spPr/>
+        <p:txBody>
+          <a:bodyPr/>
+          <a:lstStyle/>
+          <a:p>
+            <a:r>
+              <a:rPr lang="en-US" dirty="0"/>
+              <a:t>ANALYSIS</a:t>
+            </a:r>
+          </a:p>
+        </p:txBody>
+      </p:sp>
+      <p:pic>
+        <p:nvPicPr>
+          <p:cNvPr id="6146" name="Picture 2">
+            <a:extLst>
+              <a:ext uri="{FF2B5EF4-FFF2-40B4-BE49-F238E27FC236}">
+                <a16:creationId xmlns:a16="http://schemas.microsoft.com/office/drawing/2014/main" id="{58CB2984-7021-4676-9F84-3EEF80C06114}"/>
+              </a:ext>
+            </a:extLst>
+          </p:cNvPr>
+          <p:cNvPicPr>
+            <a:picLocks noGrp="1" noChangeAspect="1" noChangeArrowheads="1"/>
+          </p:cNvPicPr>
+          <p:nvPr>
+            <p:ph idx="1"/>
+          </p:nvPr>
+        </p:nvPicPr>
+        <p:blipFill>
+          <a:blip r:embed="rId2">
+            <a:extLst>
+              <a:ext uri="{28A0092B-C50C-407E-A947-70E740481C1C}">
+                <a14:useLocalDpi xmlns:a14="http://schemas.microsoft.com/office/drawing/2010/main" val="0"/>
+              </a:ext>
+            </a:extLst>
+          </a:blip>
+          <a:stretch>
+            <a:fillRect/>
+          </a:stretch>
+        </p:blipFill>
+        <p:spPr bwMode="auto">
+          <a:xfrm>
+            <a:off x="4659086" y="1447800"/>
+            <a:ext cx="5930537" cy="4169229"/>
+          </a:xfrm>
+          <a:prstGeom prst="rect">
+            <a:avLst/>
+          </a:prstGeom>
+          <a:noFill/>
+          <a:extLst>
+            <a:ext uri="{909E8E84-426E-40DD-AFC4-6F175D3DCCD1}">
+              <a14:hiddenFill xmlns:a14="http://schemas.microsoft.com/office/drawing/2010/main">
+                <a:solidFill>
+                  <a:srgbClr val="FFFFFF"/>
+                </a:solidFill>
+              </a14:hiddenFill>
+            </a:ext>
+          </a:extLst>
+        </p:spPr>
+      </p:pic>
+      <p:sp>
+        <p:nvSpPr>
+          <p:cNvPr id="10" name="Text Placeholder 9">
+            <a:extLst>
+              <a:ext uri="{FF2B5EF4-FFF2-40B4-BE49-F238E27FC236}">
+                <a16:creationId xmlns:a16="http://schemas.microsoft.com/office/drawing/2014/main" id="{66816091-F964-4CB2-B03C-4F475D8A33A3}"/>
+              </a:ext>
+            </a:extLst>
+          </p:cNvPr>
+          <p:cNvSpPr>
+            <a:spLocks noGrp="1"/>
+          </p:cNvSpPr>
+          <p:nvPr>
+            <p:ph type="body" sz="half" idx="2"/>
+          </p:nvPr>
+        </p:nvSpPr>
+        <p:spPr/>
+        <p:txBody>
+          <a:bodyPr>
+            <a:normAutofit/>
+          </a:bodyPr>
+          <a:lstStyle/>
+          <a:p>
+            <a:pPr marL="285750" indent="-285750">
+              <a:buFont typeface="Arial" panose="020B0604020202020204" pitchFamily="34" charset="0"/>
+              <a:buChar char="•"/>
+            </a:pPr>
+            <a:r>
+              <a:rPr lang="en-US" dirty="0"/>
+              <a:t>Effect of the pandemic was felt in the second quarter of 2020, when a lot of restriction was made. Q2 in 2020 has the lowest GDP since 2014.</a:t>
+            </a:r>
+          </a:p>
+          <a:p>
+            <a:pPr marL="285750" indent="-285750">
+              <a:buFont typeface="Arial" panose="020B0604020202020204" pitchFamily="34" charset="0"/>
+              <a:buChar char="•"/>
+            </a:pPr>
+            <a:r>
+              <a:rPr lang="en-US" dirty="0"/>
+              <a:t>According to the Manufacturing Association of Nigeria (MAN), manufacturers’ inventory of unsold goods rose to a record high of N402.4 billion as consumer spending fell.</a:t>
+            </a:r>
+          </a:p>
+        </p:txBody>
+      </p:sp>
+    </p:spTree>
+    <p:extLst>
+      <p:ext uri="{BB962C8B-B14F-4D97-AF65-F5344CB8AC3E}">
+        <p14:creationId xmlns:p14="http://schemas.microsoft.com/office/powerpoint/2010/main" val="2364313664"/>
       </p:ext>
     </p:extLst>
   </p:cSld>
@@ -4182,9 +7947,9 @@
 </file>
 
 <file path=ppt/theme/theme1.xml><?xml version="1.0" encoding="utf-8"?>
-<a:theme xmlns:a="http://schemas.openxmlformats.org/drawingml/2006/main" name="Office Theme">
+<a:theme xmlns:a="http://schemas.openxmlformats.org/drawingml/2006/main" name="Ion">
   <a:themeElements>
-    <a:clrScheme name="Office">
+    <a:clrScheme name="Ion">
       <a:dk1>
         <a:sysClr val="windowText" lastClr="000000"/>
       </a:dk1>
@@ -4192,44 +7957,44 @@
         <a:sysClr val="window" lastClr="FFFFFF"/>
       </a:lt1>
       <a:dk2>
-        <a:srgbClr val="44546A"/>
+        <a:srgbClr val="1E5155"/>
       </a:dk2>
       <a:lt2>
-        <a:srgbClr val="E7E6E6"/>
+        <a:srgbClr val="EBEBEB"/>
       </a:lt2>
       <a:accent1>
-        <a:srgbClr val="4472C4"/>
+        <a:srgbClr val="B01513"/>
       </a:accent1>
       <a:accent2>
-        <a:srgbClr val="ED7D31"/>
+        <a:srgbClr val="EA6312"/>
       </a:accent2>
       <a:accent3>
-        <a:srgbClr val="A5A5A5"/>
+        <a:srgbClr val="E6B729"/>
       </a:accent3>
       <a:accent4>
-        <a:srgbClr val="FFC000"/>
+        <a:srgbClr val="6AAC90"/>
       </a:accent4>
       <a:accent5>
-        <a:srgbClr val="5B9BD5"/>
+        <a:srgbClr val="54849A"/>
       </a:accent5>
       <a:accent6>
-        <a:srgbClr val="70AD47"/>
+        <a:srgbClr val="9E5E9B"/>
       </a:accent6>
       <a:hlink>
-        <a:srgbClr val="0563C1"/>
+        <a:srgbClr val="58C1BA"/>
       </a:hlink>
       <a:folHlink>
-        <a:srgbClr val="954F72"/>
+        <a:srgbClr val="9DFFCB"/>
       </a:folHlink>
     </a:clrScheme>
-    <a:fontScheme name="Office">
+    <a:fontScheme name="Ion">
       <a:majorFont>
-        <a:latin typeface="Calibri Light" panose="020F0302020204030204"/>
+        <a:latin typeface="Century Gothic" panose="020B0502020202020204"/>
         <a:ea typeface=""/>
         <a:cs typeface=""/>
-        <a:font script="Jpan" typeface="游ゴシック Light"/>
+        <a:font script="Jpan" typeface="メイリオ"/>
         <a:font script="Hang" typeface="맑은 고딕"/>
-        <a:font script="Hans" typeface="等线 Light"/>
+        <a:font script="Hans" typeface="宋体"/>
         <a:font script="Hant" typeface="新細明體"/>
         <a:font script="Arab" typeface="Times New Roman"/>
         <a:font script="Hebr" typeface="Times New Roman"/>
@@ -4257,31 +8022,14 @@
         <a:font script="Viet" typeface="Times New Roman"/>
         <a:font script="Uigh" typeface="Microsoft Uighur"/>
         <a:font script="Geor" typeface="Sylfaen"/>
-        <a:font script="Armn" typeface="Arial"/>
-        <a:font script="Bugi" typeface="Leelawadee UI"/>
-        <a:font script="Bopo" typeface="Microsoft JhengHei"/>
-        <a:font script="Java" typeface="Javanese Text"/>
-        <a:font script="Lisu" typeface="Segoe UI"/>
-        <a:font script="Mymr" typeface="Myanmar Text"/>
-        <a:font script="Nkoo" typeface="Ebrima"/>
-        <a:font script="Olck" typeface="Nirmala UI"/>
-        <a:font script="Osma" typeface="Ebrima"/>
-        <a:font script="Phag" typeface="Phagspa"/>
-        <a:font script="Syrn" typeface="Estrangelo Edessa"/>
-        <a:font script="Syrj" typeface="Estrangelo Edessa"/>
-        <a:font script="Syre" typeface="Estrangelo Edessa"/>
-        <a:font script="Sora" typeface="Nirmala UI"/>
-        <a:font script="Tale" typeface="Microsoft Tai Le"/>
-        <a:font script="Talu" typeface="Microsoft New Tai Lue"/>
-        <a:font script="Tfng" typeface="Ebrima"/>
       </a:majorFont>
       <a:minorFont>
-        <a:latin typeface="Calibri" panose="020F0502020204030204"/>
+        <a:latin typeface="Century Gothic" panose="020B0502020202020204"/>
         <a:ea typeface=""/>
         <a:cs typeface=""/>
-        <a:font script="Jpan" typeface="游ゴシック"/>
+        <a:font script="Jpan" typeface="メイリオ"/>
         <a:font script="Hang" typeface="맑은 고딕"/>
-        <a:font script="Hans" typeface="等线"/>
+        <a:font script="Hans" typeface="宋体"/>
         <a:font script="Hant" typeface="新細明體"/>
         <a:font script="Arab" typeface="Arial"/>
         <a:font script="Hebr" typeface="Arial"/>
@@ -4309,26 +8057,9 @@
         <a:font script="Viet" typeface="Arial"/>
         <a:font script="Uigh" typeface="Microsoft Uighur"/>
         <a:font script="Geor" typeface="Sylfaen"/>
-        <a:font script="Armn" typeface="Arial"/>
-        <a:font script="Bugi" typeface="Leelawadee UI"/>
-        <a:font script="Bopo" typeface="Microsoft JhengHei"/>
-        <a:font script="Java" typeface="Javanese Text"/>
-        <a:font script="Lisu" typeface="Segoe UI"/>
-        <a:font script="Mymr" typeface="Myanmar Text"/>
-        <a:font script="Nkoo" typeface="Ebrima"/>
-        <a:font script="Olck" typeface="Nirmala UI"/>
-        <a:font script="Osma" typeface="Ebrima"/>
-        <a:font script="Phag" typeface="Phagspa"/>
-        <a:font script="Syrn" typeface="Estrangelo Edessa"/>
-        <a:font script="Syrj" typeface="Estrangelo Edessa"/>
-        <a:font script="Syre" typeface="Estrangelo Edessa"/>
-        <a:font script="Sora" typeface="Nirmala UI"/>
-        <a:font script="Tale" typeface="Microsoft Tai Le"/>
-        <a:font script="Talu" typeface="Microsoft New Tai Lue"/>
-        <a:font script="Tfng" typeface="Ebrima"/>
       </a:minorFont>
     </a:fontScheme>
-    <a:fmtScheme name="Office">
+    <a:fmtScheme name="Ion">
       <a:fillStyleLst>
         <a:solidFill>
           <a:schemeClr val="phClr"/>
@@ -4337,23 +8068,15 @@
           <a:gsLst>
             <a:gs pos="0">
               <a:schemeClr val="phClr">
-                <a:lumMod val="110000"/>
-                <a:satMod val="105000"/>
-                <a:tint val="67000"/>
-              </a:schemeClr>
-            </a:gs>
-            <a:gs pos="50000">
-              <a:schemeClr val="phClr">
-                <a:lumMod val="105000"/>
-                <a:satMod val="103000"/>
-                <a:tint val="73000"/>
+                <a:tint val="64000"/>
+                <a:lumMod val="118000"/>
               </a:schemeClr>
             </a:gs>
             <a:gs pos="100000">
               <a:schemeClr val="phClr">
-                <a:lumMod val="105000"/>
-                <a:satMod val="109000"/>
-                <a:tint val="81000"/>
+                <a:tint val="92000"/>
+                <a:alpha val="100000"/>
+                <a:lumMod val="110000"/>
               </a:schemeClr>
             </a:gs>
           </a:gsLst>
@@ -4363,23 +8086,14 @@
           <a:gsLst>
             <a:gs pos="0">
               <a:schemeClr val="phClr">
-                <a:satMod val="103000"/>
-                <a:lumMod val="102000"/>
-                <a:tint val="94000"/>
-              </a:schemeClr>
-            </a:gs>
-            <a:gs pos="50000">
-              <a:schemeClr val="phClr">
-                <a:satMod val="110000"/>
-                <a:lumMod val="100000"/>
-                <a:shade val="100000"/>
+                <a:tint val="98000"/>
+                <a:lumMod val="114000"/>
               </a:schemeClr>
             </a:gs>
             <a:gs pos="100000">
               <a:schemeClr val="phClr">
-                <a:lumMod val="99000"/>
-                <a:satMod val="120000"/>
-                <a:shade val="78000"/>
+                <a:shade val="90000"/>
+                <a:lumMod val="84000"/>
               </a:schemeClr>
             </a:gs>
           </a:gsLst>
@@ -4387,26 +8101,23 @@
         </a:gradFill>
       </a:fillStyleLst>
       <a:lnStyleLst>
-        <a:ln w="6350" cap="flat" cmpd="sng" algn="ctr">
+        <a:ln w="9525" cap="rnd" cmpd="sng" algn="ctr">
           <a:solidFill>
             <a:schemeClr val="phClr"/>
           </a:solidFill>
           <a:prstDash val="solid"/>
-          <a:miter lim="800000"/>
         </a:ln>
-        <a:ln w="12700" cap="flat" cmpd="sng" algn="ctr">
+        <a:ln w="19050" cap="rnd" cmpd="sng" algn="ctr">
           <a:solidFill>
             <a:schemeClr val="phClr"/>
           </a:solidFill>
           <a:prstDash val="solid"/>
-          <a:miter lim="800000"/>
         </a:ln>
-        <a:ln w="19050" cap="flat" cmpd="sng" algn="ctr">
+        <a:ln w="28575" cap="rnd" cmpd="sng" algn="ctr">
           <a:solidFill>
             <a:schemeClr val="phClr"/>
           </a:solidFill>
           <a:prstDash val="solid"/>
-          <a:miter lim="800000"/>
         </a:ln>
       </a:lnStyleLst>
       <a:effectStyleLst>
@@ -4414,55 +8125,80 @@
           <a:effectLst/>
         </a:effectStyle>
         <a:effectStyle>
-          <a:effectLst/>
+          <a:effectLst>
+            <a:outerShdw blurRad="38100" dist="25400" dir="5400000" rotWithShape="0">
+              <a:srgbClr val="000000">
+                <a:alpha val="45000"/>
+              </a:srgbClr>
+            </a:outerShdw>
+          </a:effectLst>
         </a:effectStyle>
         <a:effectStyle>
           <a:effectLst>
-            <a:outerShdw blurRad="57150" dist="19050" dir="5400000" algn="ctr" rotWithShape="0">
+            <a:outerShdw blurRad="63500" dist="38100" dir="5400000" rotWithShape="0">
               <a:srgbClr val="000000">
-                <a:alpha val="63000"/>
+                <a:alpha val="60000"/>
               </a:srgbClr>
             </a:outerShdw>
           </a:effectLst>
+          <a:scene3d>
+            <a:camera prst="orthographicFront">
+              <a:rot lat="0" lon="0" rev="0"/>
+            </a:camera>
+            <a:lightRig rig="threePt" dir="tl"/>
+          </a:scene3d>
+          <a:sp3d prstMaterial="plastic">
+            <a:bevelT w="0" h="0"/>
+          </a:sp3d>
         </a:effectStyle>
       </a:effectStyleLst>
       <a:bgFillStyleLst>
         <a:solidFill>
           <a:schemeClr val="phClr"/>
         </a:solidFill>
-        <a:solidFill>
-          <a:schemeClr val="phClr">
-            <a:tint val="95000"/>
-            <a:satMod val="170000"/>
-          </a:schemeClr>
-        </a:solidFill>
         <a:gradFill rotWithShape="1">
           <a:gsLst>
             <a:gs pos="0">
               <a:schemeClr val="phClr">
-                <a:tint val="93000"/>
-                <a:satMod val="150000"/>
-                <a:shade val="98000"/>
-                <a:lumMod val="102000"/>
-              </a:schemeClr>
-            </a:gs>
-            <a:gs pos="50000">
-              <a:schemeClr val="phClr">
-                <a:tint val="98000"/>
+                <a:tint val="97000"/>
+                <a:hueMod val="88000"/>
                 <a:satMod val="130000"/>
-                <a:shade val="90000"/>
-                <a:lumMod val="103000"/>
+                <a:lumMod val="124000"/>
               </a:schemeClr>
             </a:gs>
             <a:gs pos="100000">
               <a:schemeClr val="phClr">
-                <a:shade val="63000"/>
-                <a:satMod val="120000"/>
+                <a:tint val="96000"/>
+                <a:shade val="88000"/>
+                <a:hueMod val="108000"/>
+                <a:satMod val="164000"/>
+                <a:lumMod val="76000"/>
               </a:schemeClr>
             </a:gs>
           </a:gsLst>
-          <a:lin ang="5400000" scaled="0"/>
+          <a:path path="circle">
+            <a:fillToRect l="45000" t="65000" r="125000" b="100000"/>
+          </a:path>
         </a:gradFill>
+        <a:blipFill rotWithShape="1">
+          <a:blip xmlns:r="http://schemas.openxmlformats.org/officeDocument/2006/relationships" r:embed="rId1">
+            <a:duotone>
+              <a:schemeClr val="phClr">
+                <a:shade val="69000"/>
+                <a:hueMod val="108000"/>
+                <a:satMod val="164000"/>
+                <a:lumMod val="74000"/>
+              </a:schemeClr>
+              <a:schemeClr val="phClr">
+                <a:tint val="96000"/>
+                <a:hueMod val="88000"/>
+                <a:satMod val="140000"/>
+                <a:lumMod val="132000"/>
+              </a:schemeClr>
+            </a:duotone>
+          </a:blip>
+          <a:stretch/>
+        </a:blipFill>
       </a:bgFillStyleLst>
     </a:fmtScheme>
   </a:themeElements>
@@ -4470,7 +8206,7 @@
   <a:extraClrSchemeLst/>
   <a:extLst>
     <a:ext uri="{05A4C25C-085E-4340-85A3-A5531E510DB2}">
-      <thm15:themeFamily xmlns:thm15="http://schemas.microsoft.com/office/thememl/2012/main" name="Office Theme" id="{62F939B6-93AF-4DB8-9C6B-D6C7DFDC589F}" vid="{4A3C46E8-61CC-4603-A589-7422A47A8E4A}"/>
+      <thm15:themeFamily xmlns:thm15="http://schemas.microsoft.com/office/thememl/2012/main" name="Ion" id="{B8441ADB-2E43-4AF7-B97A-BD870242C6A8}" vid="{292E63A9-BB86-4E3D-B92A-7223C6510D2E}"/>
     </a:ext>
   </a:extLst>
 </a:theme>
